--- a/docs_and_Presentation/Financial_Product_Recommendation_Presentation_Detailed2.pptx
+++ b/docs_and_Presentation/Financial_Product_Recommendation_Presentation_Detailed2.pptx
@@ -20735,22 +20735,40 @@
           <a:lstStyle/>
           <a:p>
             <a:r>
-              <a:rPr lang="en-US" sz="1900"/>
+              <a:rPr lang="en-US" sz="1900" dirty="0"/>
               <a:t>• Key features influencing income include education level, hours worked, and occupation.</a:t>
             </a:r>
           </a:p>
           <a:p>
             <a:r>
-              <a:rPr lang="en-US" sz="1900"/>
+              <a:rPr lang="en-US" sz="1900" dirty="0"/>
               <a:t>• Future steps involve exploring advanced models </a:t>
             </a:r>
             <a:r>
-              <a:rPr lang="en-US" sz="1900" err="1"/>
+              <a:rPr lang="en-US" sz="1900" dirty="0" err="1"/>
               <a:t>Xgboost</a:t>
             </a:r>
             <a:r>
-              <a:rPr lang="en-US" sz="1900"/>
+              <a:rPr lang="en-US" sz="1900" dirty="0"/>
               <a:t>, Feature Engineering and Label encoding</a:t>
+            </a:r>
+          </a:p>
+          <a:p>
+            <a:r>
+              <a:rPr lang="en-US" sz="1900" dirty="0"/>
+              <a:t>• </a:t>
+            </a:r>
+            <a:r>
+              <a:rPr lang="en-US" sz="1900" b="0" i="0" dirty="0">
+                <a:effectLst/>
+              </a:rPr>
+              <a:t>Use techniques like SMOTE (Synthetic Minority Over-sampling Technique) to balance the dataset or apply class weighting in the models to give more weight to the minority class</a:t>
+            </a:r>
+            <a:r>
+              <a:rPr lang="en-US" sz="1900" b="0" i="0">
+                <a:effectLst/>
+              </a:rPr>
+              <a:t>. </a:t>
             </a:r>
           </a:p>
           <a:p>
@@ -20759,30 +20777,21 @@
               <a:t>• </a:t>
             </a:r>
             <a:r>
-              <a:rPr lang="en-US" sz="1900" b="0" i="0">
-                <a:effectLst/>
-              </a:rPr>
-              <a:t>Use techniques like SMOTE (Synthetic Minority Over-sampling Technique) to balance the dataset or apply class weighting in the models to give more weight to the minority class. You could also use precision-recall metrics rather than accuracy to assess model performance for imbalanced data.</a:t>
-            </a:r>
-            <a:endParaRPr lang="en-US" sz="1900"/>
-          </a:p>
-          <a:p>
-            <a:r>
-              <a:rPr lang="en-US" sz="1900"/>
-              <a:t>• Future steps involve exploring advanced models </a:t>
+              <a:rPr lang="en-US" sz="1900" dirty="0"/>
+              <a:t>Future steps involve exploring advanced models </a:t>
             </a:r>
             <a:r>
-              <a:rPr lang="en-US" sz="1900" err="1"/>
+              <a:rPr lang="en-US" sz="1900" dirty="0" err="1"/>
               <a:t>Xgboost</a:t>
             </a:r>
             <a:r>
-              <a:rPr lang="en-US" sz="1900"/>
+              <a:rPr lang="en-US" sz="1900" dirty="0"/>
               <a:t>, Feature Engineering and Label encoding</a:t>
             </a:r>
           </a:p>
           <a:p>
             <a:r>
-              <a:rPr lang="en-US" sz="1900"/>
+              <a:rPr lang="en-US" sz="1900" dirty="0"/>
               <a:t>• Aim to refine product recommendations based on improved income prediction models.</a:t>
             </a:r>
           </a:p>

--- a/docs_and_Presentation/Financial_Product_Recommendation_Presentation_Detailed2.pptx
+++ b/docs_and_Presentation/Financial_Product_Recommendation_Presentation_Detailed2.pptx
@@ -4,6 +4,9 @@
   <p:sldMasterIdLst>
     <p:sldMasterId id="2147483752" r:id="rId1"/>
   </p:sldMasterIdLst>
+  <p:notesMasterIdLst>
+    <p:notesMasterId r:id="rId10"/>
+  </p:notesMasterIdLst>
   <p:sldIdLst>
     <p:sldId id="256" r:id="rId2"/>
     <p:sldId id="262" r:id="rId3"/>
@@ -11,7 +14,8 @@
     <p:sldId id="258" r:id="rId5"/>
     <p:sldId id="259" r:id="rId6"/>
     <p:sldId id="263" r:id="rId7"/>
-    <p:sldId id="261" r:id="rId8"/>
+    <p:sldId id="264" r:id="rId8"/>
+    <p:sldId id="261" r:id="rId9"/>
   </p:sldIdLst>
   <p:sldSz cx="9144000" cy="6858000" type="screen4x3"/>
   <p:notesSz cx="6858000" cy="9144000"/>
@@ -880,7 +884,7 @@
 <dgm:dataModel xmlns:dgm="http://schemas.openxmlformats.org/drawingml/2006/diagram" xmlns:a="http://schemas.openxmlformats.org/drawingml/2006/main">
   <dgm:ptLst>
     <dgm:pt modelId="{D336A01B-3719-4CB8-B401-F596CDA17DE2}" type="doc">
-      <dgm:prSet loTypeId="urn:microsoft.com/office/officeart/2005/8/layout/matrix3" loCatId="matrix" qsTypeId="urn:microsoft.com/office/officeart/2005/8/quickstyle/simple1" qsCatId="simple" csTypeId="urn:microsoft.com/office/officeart/2005/8/colors/accent1_2" csCatId="accent1"/>
+      <dgm:prSet loTypeId="urn:microsoft.com/office/officeart/2005/8/layout/hierarchy1" loCatId="hierarchy" qsTypeId="urn:microsoft.com/office/officeart/2005/8/quickstyle/simple1" qsCatId="simple" csTypeId="urn:microsoft.com/office/officeart/2005/8/colors/accent1_2" csCatId="accent1"/>
       <dgm:spPr/>
       <dgm:t>
         <a:bodyPr/>
@@ -970,7 +974,7 @@
         <a:lstStyle/>
         <a:p>
           <a:r>
-            <a:rPr lang="en-US"/>
+            <a:rPr lang="en-US" dirty="0"/>
             <a:t>• Outliers in numerical features such as capital gain and hours worked were identified using Histogram/IQR.</a:t>
           </a:r>
         </a:p>
@@ -1006,7 +1010,7 @@
         <a:lstStyle/>
         <a:p>
           <a:r>
-            <a:rPr lang="en-US"/>
+            <a:rPr lang="en-US" dirty="0"/>
             <a:t>• Inconsistent and Duplicate data entries were removed to ensure data quality is maintained</a:t>
           </a:r>
         </a:p>
@@ -1034,76 +1038,145 @@
         </a:p>
       </dgm:t>
     </dgm:pt>
-    <dgm:pt modelId="{7653F598-B879-E949-93BC-7A54D5E6BC31}" type="pres">
-      <dgm:prSet presAssocID="{D336A01B-3719-4CB8-B401-F596CDA17DE2}" presName="matrix" presStyleCnt="0">
+    <dgm:pt modelId="{7C60A12E-5CF5-8549-936D-FA3504B4107F}" type="pres">
+      <dgm:prSet presAssocID="{D336A01B-3719-4CB8-B401-F596CDA17DE2}" presName="hierChild1" presStyleCnt="0">
         <dgm:presLayoutVars>
-          <dgm:chMax val="1"/>
+          <dgm:chPref val="1"/>
           <dgm:dir/>
-          <dgm:resizeHandles val="exact"/>
+          <dgm:animOne val="branch"/>
+          <dgm:animLvl val="lvl"/>
+          <dgm:resizeHandles/>
         </dgm:presLayoutVars>
       </dgm:prSet>
       <dgm:spPr/>
     </dgm:pt>
-    <dgm:pt modelId="{94EADF86-A9DE-CA4E-84C6-164E1DFC7EB7}" type="pres">
-      <dgm:prSet presAssocID="{D336A01B-3719-4CB8-B401-F596CDA17DE2}" presName="diamond" presStyleLbl="bgShp" presStyleIdx="0" presStyleCnt="1"/>
+    <dgm:pt modelId="{00BD9501-3270-C543-BC09-2B116F57427E}" type="pres">
+      <dgm:prSet presAssocID="{D7250EE7-5461-43E0-8AA1-8A7268A0425C}" presName="hierRoot1" presStyleCnt="0"/>
       <dgm:spPr/>
     </dgm:pt>
-    <dgm:pt modelId="{E3699BF7-8CFC-0C4C-A218-863C9F763B0D}" type="pres">
-      <dgm:prSet presAssocID="{D336A01B-3719-4CB8-B401-F596CDA17DE2}" presName="quad1" presStyleLbl="node1" presStyleIdx="0" presStyleCnt="4">
+    <dgm:pt modelId="{91749EF0-E775-9347-BCBF-00CD04112E47}" type="pres">
+      <dgm:prSet presAssocID="{D7250EE7-5461-43E0-8AA1-8A7268A0425C}" presName="composite" presStyleCnt="0"/>
+      <dgm:spPr/>
+    </dgm:pt>
+    <dgm:pt modelId="{0480B0C2-66EE-E644-8BC9-BCBDF8499D14}" type="pres">
+      <dgm:prSet presAssocID="{D7250EE7-5461-43E0-8AA1-8A7268A0425C}" presName="background" presStyleLbl="node0" presStyleIdx="0" presStyleCnt="4"/>
+      <dgm:spPr/>
+    </dgm:pt>
+    <dgm:pt modelId="{64E4FF18-F4B9-B647-8E00-D281B8102FDD}" type="pres">
+      <dgm:prSet presAssocID="{D7250EE7-5461-43E0-8AA1-8A7268A0425C}" presName="text" presStyleLbl="fgAcc0" presStyleIdx="0" presStyleCnt="4">
         <dgm:presLayoutVars>
-          <dgm:chMax val="0"/>
-          <dgm:chPref val="0"/>
-          <dgm:bulletEnabled val="1"/>
+          <dgm:chPref val="3"/>
         </dgm:presLayoutVars>
       </dgm:prSet>
       <dgm:spPr/>
     </dgm:pt>
-    <dgm:pt modelId="{15C4460D-B685-EF48-AA44-3EFB05C8E2E1}" type="pres">
-      <dgm:prSet presAssocID="{D336A01B-3719-4CB8-B401-F596CDA17DE2}" presName="quad2" presStyleLbl="node1" presStyleIdx="1" presStyleCnt="4">
+    <dgm:pt modelId="{D6A19C91-91D3-F944-9925-B67AF9249FE0}" type="pres">
+      <dgm:prSet presAssocID="{D7250EE7-5461-43E0-8AA1-8A7268A0425C}" presName="hierChild2" presStyleCnt="0"/>
+      <dgm:spPr/>
+    </dgm:pt>
+    <dgm:pt modelId="{32E2D683-B4DD-5341-9A06-179998FD35D7}" type="pres">
+      <dgm:prSet presAssocID="{03F1B753-5EB7-4E6C-8BCD-D7B2775DD533}" presName="hierRoot1" presStyleCnt="0"/>
+      <dgm:spPr/>
+    </dgm:pt>
+    <dgm:pt modelId="{C3F060D2-1EDE-C149-B9EA-02F82E950E77}" type="pres">
+      <dgm:prSet presAssocID="{03F1B753-5EB7-4E6C-8BCD-D7B2775DD533}" presName="composite" presStyleCnt="0"/>
+      <dgm:spPr/>
+    </dgm:pt>
+    <dgm:pt modelId="{DF2A0E3E-E46F-764B-BCF3-33D050B1936C}" type="pres">
+      <dgm:prSet presAssocID="{03F1B753-5EB7-4E6C-8BCD-D7B2775DD533}" presName="background" presStyleLbl="node0" presStyleIdx="1" presStyleCnt="4"/>
+      <dgm:spPr/>
+    </dgm:pt>
+    <dgm:pt modelId="{E0359AC7-9166-964F-AD14-AEE86FF77589}" type="pres">
+      <dgm:prSet presAssocID="{03F1B753-5EB7-4E6C-8BCD-D7B2775DD533}" presName="text" presStyleLbl="fgAcc0" presStyleIdx="1" presStyleCnt="4">
         <dgm:presLayoutVars>
-          <dgm:chMax val="0"/>
-          <dgm:chPref val="0"/>
-          <dgm:bulletEnabled val="1"/>
+          <dgm:chPref val="3"/>
         </dgm:presLayoutVars>
       </dgm:prSet>
       <dgm:spPr/>
     </dgm:pt>
-    <dgm:pt modelId="{42D90611-6340-0E48-81CF-5328FC7DD42F}" type="pres">
-      <dgm:prSet presAssocID="{D336A01B-3719-4CB8-B401-F596CDA17DE2}" presName="quad3" presStyleLbl="node1" presStyleIdx="2" presStyleCnt="4">
+    <dgm:pt modelId="{D23C7EFE-7A08-7D41-84C0-CFC35D11294F}" type="pres">
+      <dgm:prSet presAssocID="{03F1B753-5EB7-4E6C-8BCD-D7B2775DD533}" presName="hierChild2" presStyleCnt="0"/>
+      <dgm:spPr/>
+    </dgm:pt>
+    <dgm:pt modelId="{5DDC2ADE-5DBD-F240-A7D3-77173E9B7374}" type="pres">
+      <dgm:prSet presAssocID="{1EE19E5B-CC61-457B-BB35-3BFEA447C2CD}" presName="hierRoot1" presStyleCnt="0"/>
+      <dgm:spPr/>
+    </dgm:pt>
+    <dgm:pt modelId="{5209DA65-6801-3D45-AA21-D607D16B8CF1}" type="pres">
+      <dgm:prSet presAssocID="{1EE19E5B-CC61-457B-BB35-3BFEA447C2CD}" presName="composite" presStyleCnt="0"/>
+      <dgm:spPr/>
+    </dgm:pt>
+    <dgm:pt modelId="{B6627B26-930A-9F47-B747-EC5F5D47CDC3}" type="pres">
+      <dgm:prSet presAssocID="{1EE19E5B-CC61-457B-BB35-3BFEA447C2CD}" presName="background" presStyleLbl="node0" presStyleIdx="2" presStyleCnt="4"/>
+      <dgm:spPr/>
+    </dgm:pt>
+    <dgm:pt modelId="{4AFAC344-C626-6B45-BC5A-F941F2EE6B65}" type="pres">
+      <dgm:prSet presAssocID="{1EE19E5B-CC61-457B-BB35-3BFEA447C2CD}" presName="text" presStyleLbl="fgAcc0" presStyleIdx="2" presStyleCnt="4">
         <dgm:presLayoutVars>
-          <dgm:chMax val="0"/>
-          <dgm:chPref val="0"/>
-          <dgm:bulletEnabled val="1"/>
+          <dgm:chPref val="3"/>
         </dgm:presLayoutVars>
       </dgm:prSet>
       <dgm:spPr/>
     </dgm:pt>
-    <dgm:pt modelId="{C5CE86FE-CB93-DF4D-9A13-DEFC77368C9C}" type="pres">
-      <dgm:prSet presAssocID="{D336A01B-3719-4CB8-B401-F596CDA17DE2}" presName="quad4" presStyleLbl="node1" presStyleIdx="3" presStyleCnt="4">
+    <dgm:pt modelId="{7CD8D1C5-EBE4-2E41-AB22-E6A64D26E090}" type="pres">
+      <dgm:prSet presAssocID="{1EE19E5B-CC61-457B-BB35-3BFEA447C2CD}" presName="hierChild2" presStyleCnt="0"/>
+      <dgm:spPr/>
+    </dgm:pt>
+    <dgm:pt modelId="{D5FEEDA1-FB0E-6F48-8E52-61DA213A7914}" type="pres">
+      <dgm:prSet presAssocID="{EA6A6A45-0779-4D57-8D1D-405A273C6ECE}" presName="hierRoot1" presStyleCnt="0"/>
+      <dgm:spPr/>
+    </dgm:pt>
+    <dgm:pt modelId="{99094317-6874-094C-9CE0-C9A63E6BAE68}" type="pres">
+      <dgm:prSet presAssocID="{EA6A6A45-0779-4D57-8D1D-405A273C6ECE}" presName="composite" presStyleCnt="0"/>
+      <dgm:spPr/>
+    </dgm:pt>
+    <dgm:pt modelId="{31B05F49-A73F-A248-A104-AB25CEC60516}" type="pres">
+      <dgm:prSet presAssocID="{EA6A6A45-0779-4D57-8D1D-405A273C6ECE}" presName="background" presStyleLbl="node0" presStyleIdx="3" presStyleCnt="4"/>
+      <dgm:spPr/>
+    </dgm:pt>
+    <dgm:pt modelId="{FC42205F-CA4B-BB44-8D52-5EFCEB43FD22}" type="pres">
+      <dgm:prSet presAssocID="{EA6A6A45-0779-4D57-8D1D-405A273C6ECE}" presName="text" presStyleLbl="fgAcc0" presStyleIdx="3" presStyleCnt="4">
         <dgm:presLayoutVars>
-          <dgm:chMax val="0"/>
-          <dgm:chPref val="0"/>
-          <dgm:bulletEnabled val="1"/>
+          <dgm:chPref val="3"/>
         </dgm:presLayoutVars>
       </dgm:prSet>
       <dgm:spPr/>
     </dgm:pt>
+    <dgm:pt modelId="{6F97EDD5-2161-2741-848F-65E67A6C8EF1}" type="pres">
+      <dgm:prSet presAssocID="{EA6A6A45-0779-4D57-8D1D-405A273C6ECE}" presName="hierChild2" presStyleCnt="0"/>
+      <dgm:spPr/>
+    </dgm:pt>
   </dgm:ptLst>
   <dgm:cxnLst>
-    <dgm:cxn modelId="{E90E5128-EA39-AE41-B693-D508A1F4240F}" type="presOf" srcId="{EA6A6A45-0779-4D57-8D1D-405A273C6ECE}" destId="{C5CE86FE-CB93-DF4D-9A13-DEFC77368C9C}" srcOrd="0" destOrd="0" presId="urn:microsoft.com/office/officeart/2005/8/layout/matrix3"/>
     <dgm:cxn modelId="{63BD162F-8BA2-4D77-9DBE-03130A708DCB}" srcId="{D336A01B-3719-4CB8-B401-F596CDA17DE2}" destId="{1EE19E5B-CC61-457B-BB35-3BFEA447C2CD}" srcOrd="2" destOrd="0" parTransId="{9C12D958-E3A6-49DF-A493-6FFC4107D246}" sibTransId="{0AD10F2D-9493-40F1-A409-3531A3B1C24E}"/>
+    <dgm:cxn modelId="{61288331-225A-7B46-93A3-8E7CEED6B200}" type="presOf" srcId="{D7250EE7-5461-43E0-8AA1-8A7268A0425C}" destId="{64E4FF18-F4B9-B647-8E00-D281B8102FDD}" srcOrd="0" destOrd="0" presId="urn:microsoft.com/office/officeart/2005/8/layout/hierarchy1"/>
+    <dgm:cxn modelId="{50722C39-E102-E14E-8191-71808A3871DE}" type="presOf" srcId="{1EE19E5B-CC61-457B-BB35-3BFEA447C2CD}" destId="{4AFAC344-C626-6B45-BC5A-F941F2EE6B65}" srcOrd="0" destOrd="0" presId="urn:microsoft.com/office/officeart/2005/8/layout/hierarchy1"/>
     <dgm:cxn modelId="{CAF2093B-3EB3-42B8-B1F1-F124F4891DD3}" srcId="{D336A01B-3719-4CB8-B401-F596CDA17DE2}" destId="{03F1B753-5EB7-4E6C-8BCD-D7B2775DD533}" srcOrd="1" destOrd="0" parTransId="{ED074802-B3C3-4034-A53A-4F5DDB4AA129}" sibTransId="{8F37972C-18A1-4558-BF17-351C61823D77}"/>
-    <dgm:cxn modelId="{4A3C6E3F-9485-B345-9B04-60FCEEB09600}" type="presOf" srcId="{03F1B753-5EB7-4E6C-8BCD-D7B2775DD533}" destId="{15C4460D-B685-EF48-AA44-3EFB05C8E2E1}" srcOrd="0" destOrd="0" presId="urn:microsoft.com/office/officeart/2005/8/layout/matrix3"/>
+    <dgm:cxn modelId="{D8AAFA43-2DD6-2C42-8FE2-0D233F3D8FB9}" type="presOf" srcId="{03F1B753-5EB7-4E6C-8BCD-D7B2775DD533}" destId="{E0359AC7-9166-964F-AD14-AEE86FF77589}" srcOrd="0" destOrd="0" presId="urn:microsoft.com/office/officeart/2005/8/layout/hierarchy1"/>
     <dgm:cxn modelId="{4E989C61-CAEB-4ABB-883B-03C5F04AA378}" srcId="{D336A01B-3719-4CB8-B401-F596CDA17DE2}" destId="{EA6A6A45-0779-4D57-8D1D-405A273C6ECE}" srcOrd="3" destOrd="0" parTransId="{43CD6B08-724E-4996-ACE2-278136F14B02}" sibTransId="{8176B01A-E6D7-4200-8A9D-D3C0E7E04645}"/>
-    <dgm:cxn modelId="{01DDFF9A-DA7F-BF47-AE56-1A4DF085F6B9}" type="presOf" srcId="{1EE19E5B-CC61-457B-BB35-3BFEA447C2CD}" destId="{42D90611-6340-0E48-81CF-5328FC7DD42F}" srcOrd="0" destOrd="0" presId="urn:microsoft.com/office/officeart/2005/8/layout/matrix3"/>
+    <dgm:cxn modelId="{15F3466C-0511-9F40-8394-4681AD746421}" type="presOf" srcId="{D336A01B-3719-4CB8-B401-F596CDA17DE2}" destId="{7C60A12E-5CF5-8549-936D-FA3504B4107F}" srcOrd="0" destOrd="0" presId="urn:microsoft.com/office/officeart/2005/8/layout/hierarchy1"/>
     <dgm:cxn modelId="{E7B45DB0-A135-4730-A736-56627BDF36DE}" srcId="{D336A01B-3719-4CB8-B401-F596CDA17DE2}" destId="{D7250EE7-5461-43E0-8AA1-8A7268A0425C}" srcOrd="0" destOrd="0" parTransId="{EFFFEC21-4ED9-4893-B86E-22AAEECFEDFE}" sibTransId="{6ED50BDA-18D3-4994-B142-A73617EDEDBC}"/>
-    <dgm:cxn modelId="{2B072CD1-4E28-9A41-9B6F-6CB868696681}" type="presOf" srcId="{D7250EE7-5461-43E0-8AA1-8A7268A0425C}" destId="{E3699BF7-8CFC-0C4C-A218-863C9F763B0D}" srcOrd="0" destOrd="0" presId="urn:microsoft.com/office/officeart/2005/8/layout/matrix3"/>
-    <dgm:cxn modelId="{EE447CEC-08A5-4D47-A1D1-F36F5264A934}" type="presOf" srcId="{D336A01B-3719-4CB8-B401-F596CDA17DE2}" destId="{7653F598-B879-E949-93BC-7A54D5E6BC31}" srcOrd="0" destOrd="0" presId="urn:microsoft.com/office/officeart/2005/8/layout/matrix3"/>
-    <dgm:cxn modelId="{38197B8D-BE69-2E42-9F80-C880A4966E24}" type="presParOf" srcId="{7653F598-B879-E949-93BC-7A54D5E6BC31}" destId="{94EADF86-A9DE-CA4E-84C6-164E1DFC7EB7}" srcOrd="0" destOrd="0" presId="urn:microsoft.com/office/officeart/2005/8/layout/matrix3"/>
-    <dgm:cxn modelId="{DEF7ED2A-6870-8B4E-8158-8A6F41946886}" type="presParOf" srcId="{7653F598-B879-E949-93BC-7A54D5E6BC31}" destId="{E3699BF7-8CFC-0C4C-A218-863C9F763B0D}" srcOrd="1" destOrd="0" presId="urn:microsoft.com/office/officeart/2005/8/layout/matrix3"/>
-    <dgm:cxn modelId="{2CA65B09-D50F-1048-8836-DDA137B11138}" type="presParOf" srcId="{7653F598-B879-E949-93BC-7A54D5E6BC31}" destId="{15C4460D-B685-EF48-AA44-3EFB05C8E2E1}" srcOrd="2" destOrd="0" presId="urn:microsoft.com/office/officeart/2005/8/layout/matrix3"/>
-    <dgm:cxn modelId="{6478D80D-C4EA-2844-9965-554F1DAB2D26}" type="presParOf" srcId="{7653F598-B879-E949-93BC-7A54D5E6BC31}" destId="{42D90611-6340-0E48-81CF-5328FC7DD42F}" srcOrd="3" destOrd="0" presId="urn:microsoft.com/office/officeart/2005/8/layout/matrix3"/>
-    <dgm:cxn modelId="{D129A37F-BF76-BF4A-B13B-BC6C53737876}" type="presParOf" srcId="{7653F598-B879-E949-93BC-7A54D5E6BC31}" destId="{C5CE86FE-CB93-DF4D-9A13-DEFC77368C9C}" srcOrd="4" destOrd="0" presId="urn:microsoft.com/office/officeart/2005/8/layout/matrix3"/>
+    <dgm:cxn modelId="{5415B6B9-465C-B943-A6DE-7B13AA8515A3}" type="presOf" srcId="{EA6A6A45-0779-4D57-8D1D-405A273C6ECE}" destId="{FC42205F-CA4B-BB44-8D52-5EFCEB43FD22}" srcOrd="0" destOrd="0" presId="urn:microsoft.com/office/officeart/2005/8/layout/hierarchy1"/>
+    <dgm:cxn modelId="{36DD1E18-311A-2D42-966E-4CC4FEBB8E88}" type="presParOf" srcId="{7C60A12E-5CF5-8549-936D-FA3504B4107F}" destId="{00BD9501-3270-C543-BC09-2B116F57427E}" srcOrd="0" destOrd="0" presId="urn:microsoft.com/office/officeart/2005/8/layout/hierarchy1"/>
+    <dgm:cxn modelId="{25B018BD-56A1-3D42-BD3F-0C15B42D1095}" type="presParOf" srcId="{00BD9501-3270-C543-BC09-2B116F57427E}" destId="{91749EF0-E775-9347-BCBF-00CD04112E47}" srcOrd="0" destOrd="0" presId="urn:microsoft.com/office/officeart/2005/8/layout/hierarchy1"/>
+    <dgm:cxn modelId="{8F45A6B4-88BA-AD41-B63E-334A5B904EA9}" type="presParOf" srcId="{91749EF0-E775-9347-BCBF-00CD04112E47}" destId="{0480B0C2-66EE-E644-8BC9-BCBDF8499D14}" srcOrd="0" destOrd="0" presId="urn:microsoft.com/office/officeart/2005/8/layout/hierarchy1"/>
+    <dgm:cxn modelId="{ADDB0A5B-9BA4-6B40-B8CC-A4E3CECACD46}" type="presParOf" srcId="{91749EF0-E775-9347-BCBF-00CD04112E47}" destId="{64E4FF18-F4B9-B647-8E00-D281B8102FDD}" srcOrd="1" destOrd="0" presId="urn:microsoft.com/office/officeart/2005/8/layout/hierarchy1"/>
+    <dgm:cxn modelId="{33CFBDF6-415F-9544-AA57-41CD322A48D1}" type="presParOf" srcId="{00BD9501-3270-C543-BC09-2B116F57427E}" destId="{D6A19C91-91D3-F944-9925-B67AF9249FE0}" srcOrd="1" destOrd="0" presId="urn:microsoft.com/office/officeart/2005/8/layout/hierarchy1"/>
+    <dgm:cxn modelId="{DB40CD79-B5DE-4943-97BB-6B38BA3C94DB}" type="presParOf" srcId="{7C60A12E-5CF5-8549-936D-FA3504B4107F}" destId="{32E2D683-B4DD-5341-9A06-179998FD35D7}" srcOrd="1" destOrd="0" presId="urn:microsoft.com/office/officeart/2005/8/layout/hierarchy1"/>
+    <dgm:cxn modelId="{00A5C557-96F4-FD4B-B19B-8204A84C2C4F}" type="presParOf" srcId="{32E2D683-B4DD-5341-9A06-179998FD35D7}" destId="{C3F060D2-1EDE-C149-B9EA-02F82E950E77}" srcOrd="0" destOrd="0" presId="urn:microsoft.com/office/officeart/2005/8/layout/hierarchy1"/>
+    <dgm:cxn modelId="{AE8F3B47-730B-7644-A2AF-F99D98969991}" type="presParOf" srcId="{C3F060D2-1EDE-C149-B9EA-02F82E950E77}" destId="{DF2A0E3E-E46F-764B-BCF3-33D050B1936C}" srcOrd="0" destOrd="0" presId="urn:microsoft.com/office/officeart/2005/8/layout/hierarchy1"/>
+    <dgm:cxn modelId="{6678E3F8-7F9C-F64E-A415-E25E44021869}" type="presParOf" srcId="{C3F060D2-1EDE-C149-B9EA-02F82E950E77}" destId="{E0359AC7-9166-964F-AD14-AEE86FF77589}" srcOrd="1" destOrd="0" presId="urn:microsoft.com/office/officeart/2005/8/layout/hierarchy1"/>
+    <dgm:cxn modelId="{BA0C2417-0652-A449-9C42-09D864F73433}" type="presParOf" srcId="{32E2D683-B4DD-5341-9A06-179998FD35D7}" destId="{D23C7EFE-7A08-7D41-84C0-CFC35D11294F}" srcOrd="1" destOrd="0" presId="urn:microsoft.com/office/officeart/2005/8/layout/hierarchy1"/>
+    <dgm:cxn modelId="{98F431E7-D31A-374F-B264-AC0CA7004A04}" type="presParOf" srcId="{7C60A12E-5CF5-8549-936D-FA3504B4107F}" destId="{5DDC2ADE-5DBD-F240-A7D3-77173E9B7374}" srcOrd="2" destOrd="0" presId="urn:microsoft.com/office/officeart/2005/8/layout/hierarchy1"/>
+    <dgm:cxn modelId="{C655A7D2-952B-6A4C-A57A-16B2333083F9}" type="presParOf" srcId="{5DDC2ADE-5DBD-F240-A7D3-77173E9B7374}" destId="{5209DA65-6801-3D45-AA21-D607D16B8CF1}" srcOrd="0" destOrd="0" presId="urn:microsoft.com/office/officeart/2005/8/layout/hierarchy1"/>
+    <dgm:cxn modelId="{F6C7538E-5876-8042-86E5-DA54F572C92C}" type="presParOf" srcId="{5209DA65-6801-3D45-AA21-D607D16B8CF1}" destId="{B6627B26-930A-9F47-B747-EC5F5D47CDC3}" srcOrd="0" destOrd="0" presId="urn:microsoft.com/office/officeart/2005/8/layout/hierarchy1"/>
+    <dgm:cxn modelId="{488B4DF8-8CC1-4E47-A6BD-3ADB0DDEF0BA}" type="presParOf" srcId="{5209DA65-6801-3D45-AA21-D607D16B8CF1}" destId="{4AFAC344-C626-6B45-BC5A-F941F2EE6B65}" srcOrd="1" destOrd="0" presId="urn:microsoft.com/office/officeart/2005/8/layout/hierarchy1"/>
+    <dgm:cxn modelId="{15AB8684-611C-E241-8ABE-4B01F42CED64}" type="presParOf" srcId="{5DDC2ADE-5DBD-F240-A7D3-77173E9B7374}" destId="{7CD8D1C5-EBE4-2E41-AB22-E6A64D26E090}" srcOrd="1" destOrd="0" presId="urn:microsoft.com/office/officeart/2005/8/layout/hierarchy1"/>
+    <dgm:cxn modelId="{DCAFEEF6-7F10-3B49-BAC8-5B6D85D1670E}" type="presParOf" srcId="{7C60A12E-5CF5-8549-936D-FA3504B4107F}" destId="{D5FEEDA1-FB0E-6F48-8E52-61DA213A7914}" srcOrd="3" destOrd="0" presId="urn:microsoft.com/office/officeart/2005/8/layout/hierarchy1"/>
+    <dgm:cxn modelId="{E479CCDC-802A-0D4A-A560-08AC82D58964}" type="presParOf" srcId="{D5FEEDA1-FB0E-6F48-8E52-61DA213A7914}" destId="{99094317-6874-094C-9CE0-C9A63E6BAE68}" srcOrd="0" destOrd="0" presId="urn:microsoft.com/office/officeart/2005/8/layout/hierarchy1"/>
+    <dgm:cxn modelId="{9E2AE096-FF55-7743-B26E-AC88F7B989CE}" type="presParOf" srcId="{99094317-6874-094C-9CE0-C9A63E6BAE68}" destId="{31B05F49-A73F-A248-A104-AB25CEC60516}" srcOrd="0" destOrd="0" presId="urn:microsoft.com/office/officeart/2005/8/layout/hierarchy1"/>
+    <dgm:cxn modelId="{41A2013D-88D2-BE4E-920C-7BE82981C6F7}" type="presParOf" srcId="{99094317-6874-094C-9CE0-C9A63E6BAE68}" destId="{FC42205F-CA4B-BB44-8D52-5EFCEB43FD22}" srcOrd="1" destOrd="0" presId="urn:microsoft.com/office/officeart/2005/8/layout/hierarchy1"/>
+    <dgm:cxn modelId="{E38CC3E5-6E65-1B49-BCFA-CDBA9742FD1E}" type="presParOf" srcId="{D5FEEDA1-FB0E-6F48-8E52-61DA213A7914}" destId="{6F97EDD5-2161-2741-848F-65E67A6C8EF1}" srcOrd="1" destOrd="0" presId="urn:microsoft.com/office/officeart/2005/8/layout/hierarchy1"/>
   </dgm:cxnLst>
   <dgm:bg/>
   <dgm:whole/>
@@ -1123,58 +1196,20 @@
       <dsp:cNvGrpSpPr/>
     </dsp:nvGrpSpPr>
     <dsp:grpSpPr/>
-    <dsp:sp modelId="{94EADF86-A9DE-CA4E-84C6-164E1DFC7EB7}">
+    <dsp:sp modelId="{0480B0C2-66EE-E644-8BC9-BCBDF8499D14}">
       <dsp:nvSpPr>
         <dsp:cNvPr id="0" name=""/>
         <dsp:cNvSpPr/>
       </dsp:nvSpPr>
       <dsp:spPr>
         <a:xfrm>
-          <a:off x="2579" y="0"/>
-          <a:ext cx="4941888" cy="4941888"/>
-        </a:xfrm>
-        <a:prstGeom prst="diamond">
-          <a:avLst/>
-        </a:prstGeom>
-        <a:solidFill>
-          <a:schemeClr val="accent1">
-            <a:tint val="40000"/>
-            <a:hueOff val="0"/>
-            <a:satOff val="0"/>
-            <a:lumOff val="0"/>
-            <a:alphaOff val="0"/>
-          </a:schemeClr>
-        </a:solidFill>
-        <a:ln>
-          <a:noFill/>
-        </a:ln>
-        <a:effectLst/>
-      </dsp:spPr>
-      <dsp:style>
-        <a:lnRef idx="0">
-          <a:scrgbClr r="0" g="0" b="0"/>
-        </a:lnRef>
-        <a:fillRef idx="1">
-          <a:scrgbClr r="0" g="0" b="0"/>
-        </a:fillRef>
-        <a:effectRef idx="0">
-          <a:scrgbClr r="0" g="0" b="0"/>
-        </a:effectRef>
-        <a:fontRef idx="minor"/>
-      </dsp:style>
-    </dsp:sp>
-    <dsp:sp modelId="{E3699BF7-8CFC-0C4C-A218-863C9F763B0D}">
-      <dsp:nvSpPr>
-        <dsp:cNvPr id="0" name=""/>
-        <dsp:cNvSpPr/>
-      </dsp:nvSpPr>
-      <dsp:spPr>
-        <a:xfrm>
-          <a:off x="472058" y="469479"/>
-          <a:ext cx="1927336" cy="1927336"/>
+          <a:off x="2135" y="101658"/>
+          <a:ext cx="1524931" cy="968331"/>
         </a:xfrm>
         <a:prstGeom prst="roundRect">
-          <a:avLst/>
+          <a:avLst>
+            <a:gd name="adj" fmla="val 10000"/>
+          </a:avLst>
         </a:prstGeom>
         <a:solidFill>
           <a:schemeClr val="accent1">
@@ -1211,13 +1246,63 @@
           <a:schemeClr val="lt1"/>
         </a:fontRef>
       </dsp:style>
+    </dsp:sp>
+    <dsp:sp modelId="{64E4FF18-F4B9-B647-8E00-D281B8102FDD}">
+      <dsp:nvSpPr>
+        <dsp:cNvPr id="0" name=""/>
+        <dsp:cNvSpPr/>
+      </dsp:nvSpPr>
+      <dsp:spPr>
+        <a:xfrm>
+          <a:off x="171572" y="262623"/>
+          <a:ext cx="1524931" cy="968331"/>
+        </a:xfrm>
+        <a:prstGeom prst="roundRect">
+          <a:avLst>
+            <a:gd name="adj" fmla="val 10000"/>
+          </a:avLst>
+        </a:prstGeom>
+        <a:solidFill>
+          <a:schemeClr val="lt1">
+            <a:alpha val="90000"/>
+            <a:hueOff val="0"/>
+            <a:satOff val="0"/>
+            <a:lumOff val="0"/>
+            <a:alphaOff val="0"/>
+          </a:schemeClr>
+        </a:solidFill>
+        <a:ln w="15875" cap="flat" cmpd="sng" algn="ctr">
+          <a:solidFill>
+            <a:schemeClr val="accent1">
+              <a:hueOff val="0"/>
+              <a:satOff val="0"/>
+              <a:lumOff val="0"/>
+              <a:alphaOff val="0"/>
+            </a:schemeClr>
+          </a:solidFill>
+          <a:prstDash val="solid"/>
+        </a:ln>
+        <a:effectLst/>
+      </dsp:spPr>
+      <dsp:style>
+        <a:lnRef idx="2">
+          <a:scrgbClr r="0" g="0" b="0"/>
+        </a:lnRef>
+        <a:fillRef idx="1">
+          <a:scrgbClr r="0" g="0" b="0"/>
+        </a:fillRef>
+        <a:effectRef idx="0">
+          <a:scrgbClr r="0" g="0" b="0"/>
+        </a:effectRef>
+        <a:fontRef idx="minor"/>
+      </dsp:style>
       <dsp:txBody>
-        <a:bodyPr spcFirstLastPara="0" vert="horz" wrap="square" lIns="60960" tIns="60960" rIns="60960" bIns="60960" numCol="1" spcCol="1270" anchor="ctr" anchorCtr="0">
+        <a:bodyPr spcFirstLastPara="0" vert="horz" wrap="square" lIns="41910" tIns="41910" rIns="41910" bIns="41910" numCol="1" spcCol="1270" anchor="ctr" anchorCtr="0">
           <a:noAutofit/>
         </a:bodyPr>
         <a:lstStyle/>
         <a:p>
-          <a:pPr marL="0" lvl="0" indent="0" algn="ctr" defTabSz="711200">
+          <a:pPr marL="0" lvl="0" indent="0" algn="ctr" defTabSz="488950">
             <a:lnSpc>
               <a:spcPct val="90000"/>
             </a:lnSpc>
@@ -1230,28 +1315,30 @@
             <a:buNone/>
           </a:pPr>
           <a:r>
-            <a:rPr lang="en-US" sz="1600" kern="1200"/>
+            <a:rPr lang="en-US" sz="1100" kern="1200"/>
             <a:t>• Dataset includes features such as age, education, work class, and hours worked per week.</a:t>
           </a:r>
         </a:p>
       </dsp:txBody>
       <dsp:txXfrm>
-        <a:off x="566143" y="563564"/>
-        <a:ext cx="1739166" cy="1739166"/>
+        <a:off x="199933" y="290984"/>
+        <a:ext cx="1468209" cy="911609"/>
       </dsp:txXfrm>
     </dsp:sp>
-    <dsp:sp modelId="{15C4460D-B685-EF48-AA44-3EFB05C8E2E1}">
+    <dsp:sp modelId="{DF2A0E3E-E46F-764B-BCF3-33D050B1936C}">
       <dsp:nvSpPr>
         <dsp:cNvPr id="0" name=""/>
         <dsp:cNvSpPr/>
       </dsp:nvSpPr>
       <dsp:spPr>
         <a:xfrm>
-          <a:off x="2547651" y="469479"/>
-          <a:ext cx="1927336" cy="1927336"/>
+          <a:off x="1865940" y="101658"/>
+          <a:ext cx="1524931" cy="968331"/>
         </a:xfrm>
         <a:prstGeom prst="roundRect">
-          <a:avLst/>
+          <a:avLst>
+            <a:gd name="adj" fmla="val 10000"/>
+          </a:avLst>
         </a:prstGeom>
         <a:solidFill>
           <a:schemeClr val="accent1">
@@ -1288,13 +1375,63 @@
           <a:schemeClr val="lt1"/>
         </a:fontRef>
       </dsp:style>
+    </dsp:sp>
+    <dsp:sp modelId="{E0359AC7-9166-964F-AD14-AEE86FF77589}">
+      <dsp:nvSpPr>
+        <dsp:cNvPr id="0" name=""/>
+        <dsp:cNvSpPr/>
+      </dsp:nvSpPr>
+      <dsp:spPr>
+        <a:xfrm>
+          <a:off x="2035377" y="262623"/>
+          <a:ext cx="1524931" cy="968331"/>
+        </a:xfrm>
+        <a:prstGeom prst="roundRect">
+          <a:avLst>
+            <a:gd name="adj" fmla="val 10000"/>
+          </a:avLst>
+        </a:prstGeom>
+        <a:solidFill>
+          <a:schemeClr val="lt1">
+            <a:alpha val="90000"/>
+            <a:hueOff val="0"/>
+            <a:satOff val="0"/>
+            <a:lumOff val="0"/>
+            <a:alphaOff val="0"/>
+          </a:schemeClr>
+        </a:solidFill>
+        <a:ln w="15875" cap="flat" cmpd="sng" algn="ctr">
+          <a:solidFill>
+            <a:schemeClr val="accent1">
+              <a:hueOff val="0"/>
+              <a:satOff val="0"/>
+              <a:lumOff val="0"/>
+              <a:alphaOff val="0"/>
+            </a:schemeClr>
+          </a:solidFill>
+          <a:prstDash val="solid"/>
+        </a:ln>
+        <a:effectLst/>
+      </dsp:spPr>
+      <dsp:style>
+        <a:lnRef idx="2">
+          <a:scrgbClr r="0" g="0" b="0"/>
+        </a:lnRef>
+        <a:fillRef idx="1">
+          <a:scrgbClr r="0" g="0" b="0"/>
+        </a:fillRef>
+        <a:effectRef idx="0">
+          <a:scrgbClr r="0" g="0" b="0"/>
+        </a:effectRef>
+        <a:fontRef idx="minor"/>
+      </dsp:style>
       <dsp:txBody>
-        <a:bodyPr spcFirstLastPara="0" vert="horz" wrap="square" lIns="60960" tIns="60960" rIns="60960" bIns="60960" numCol="1" spcCol="1270" anchor="ctr" anchorCtr="0">
+        <a:bodyPr spcFirstLastPara="0" vert="horz" wrap="square" lIns="41910" tIns="41910" rIns="41910" bIns="41910" numCol="1" spcCol="1270" anchor="ctr" anchorCtr="0">
           <a:noAutofit/>
         </a:bodyPr>
         <a:lstStyle/>
         <a:p>
-          <a:pPr marL="0" lvl="0" indent="0" algn="ctr" defTabSz="711200">
+          <a:pPr marL="0" lvl="0" indent="0" algn="ctr" defTabSz="488950">
             <a:lnSpc>
               <a:spcPct val="90000"/>
             </a:lnSpc>
@@ -1307,28 +1444,30 @@
             <a:buNone/>
           </a:pPr>
           <a:r>
-            <a:rPr lang="en-US" sz="1600" kern="1200"/>
+            <a:rPr lang="en-US" sz="1100" kern="1200"/>
             <a:t>• Missing values/Data Cleaning were handled in key columns like work class, Education Level and occupation.</a:t>
           </a:r>
         </a:p>
       </dsp:txBody>
       <dsp:txXfrm>
-        <a:off x="2641736" y="563564"/>
-        <a:ext cx="1739166" cy="1739166"/>
+        <a:off x="2063738" y="290984"/>
+        <a:ext cx="1468209" cy="911609"/>
       </dsp:txXfrm>
     </dsp:sp>
-    <dsp:sp modelId="{42D90611-6340-0E48-81CF-5328FC7DD42F}">
+    <dsp:sp modelId="{B6627B26-930A-9F47-B747-EC5F5D47CDC3}">
       <dsp:nvSpPr>
         <dsp:cNvPr id="0" name=""/>
         <dsp:cNvSpPr/>
       </dsp:nvSpPr>
       <dsp:spPr>
         <a:xfrm>
-          <a:off x="472058" y="2545072"/>
-          <a:ext cx="1927336" cy="1927336"/>
+          <a:off x="3729745" y="101658"/>
+          <a:ext cx="1524931" cy="968331"/>
         </a:xfrm>
         <a:prstGeom prst="roundRect">
-          <a:avLst/>
+          <a:avLst>
+            <a:gd name="adj" fmla="val 10000"/>
+          </a:avLst>
         </a:prstGeom>
         <a:solidFill>
           <a:schemeClr val="accent1">
@@ -1365,13 +1504,63 @@
           <a:schemeClr val="lt1"/>
         </a:fontRef>
       </dsp:style>
+    </dsp:sp>
+    <dsp:sp modelId="{4AFAC344-C626-6B45-BC5A-F941F2EE6B65}">
+      <dsp:nvSpPr>
+        <dsp:cNvPr id="0" name=""/>
+        <dsp:cNvSpPr/>
+      </dsp:nvSpPr>
+      <dsp:spPr>
+        <a:xfrm>
+          <a:off x="3899182" y="262623"/>
+          <a:ext cx="1524931" cy="968331"/>
+        </a:xfrm>
+        <a:prstGeom prst="roundRect">
+          <a:avLst>
+            <a:gd name="adj" fmla="val 10000"/>
+          </a:avLst>
+        </a:prstGeom>
+        <a:solidFill>
+          <a:schemeClr val="lt1">
+            <a:alpha val="90000"/>
+            <a:hueOff val="0"/>
+            <a:satOff val="0"/>
+            <a:lumOff val="0"/>
+            <a:alphaOff val="0"/>
+          </a:schemeClr>
+        </a:solidFill>
+        <a:ln w="15875" cap="flat" cmpd="sng" algn="ctr">
+          <a:solidFill>
+            <a:schemeClr val="accent1">
+              <a:hueOff val="0"/>
+              <a:satOff val="0"/>
+              <a:lumOff val="0"/>
+              <a:alphaOff val="0"/>
+            </a:schemeClr>
+          </a:solidFill>
+          <a:prstDash val="solid"/>
+        </a:ln>
+        <a:effectLst/>
+      </dsp:spPr>
+      <dsp:style>
+        <a:lnRef idx="2">
+          <a:scrgbClr r="0" g="0" b="0"/>
+        </a:lnRef>
+        <a:fillRef idx="1">
+          <a:scrgbClr r="0" g="0" b="0"/>
+        </a:fillRef>
+        <a:effectRef idx="0">
+          <a:scrgbClr r="0" g="0" b="0"/>
+        </a:effectRef>
+        <a:fontRef idx="minor"/>
+      </dsp:style>
       <dsp:txBody>
-        <a:bodyPr spcFirstLastPara="0" vert="horz" wrap="square" lIns="60960" tIns="60960" rIns="60960" bIns="60960" numCol="1" spcCol="1270" anchor="ctr" anchorCtr="0">
+        <a:bodyPr spcFirstLastPara="0" vert="horz" wrap="square" lIns="41910" tIns="41910" rIns="41910" bIns="41910" numCol="1" spcCol="1270" anchor="ctr" anchorCtr="0">
           <a:noAutofit/>
         </a:bodyPr>
         <a:lstStyle/>
         <a:p>
-          <a:pPr marL="0" lvl="0" indent="0" algn="ctr" defTabSz="711200">
+          <a:pPr marL="0" lvl="0" indent="0" algn="ctr" defTabSz="488950">
             <a:lnSpc>
               <a:spcPct val="90000"/>
             </a:lnSpc>
@@ -1384,28 +1573,30 @@
             <a:buNone/>
           </a:pPr>
           <a:r>
-            <a:rPr lang="en-US" sz="1600" kern="1200"/>
+            <a:rPr lang="en-US" sz="1100" kern="1200" dirty="0"/>
             <a:t>• Outliers in numerical features such as capital gain and hours worked were identified using Histogram/IQR.</a:t>
           </a:r>
         </a:p>
       </dsp:txBody>
       <dsp:txXfrm>
-        <a:off x="566143" y="2639157"/>
-        <a:ext cx="1739166" cy="1739166"/>
+        <a:off x="3927543" y="290984"/>
+        <a:ext cx="1468209" cy="911609"/>
       </dsp:txXfrm>
     </dsp:sp>
-    <dsp:sp modelId="{C5CE86FE-CB93-DF4D-9A13-DEFC77368C9C}">
+    <dsp:sp modelId="{31B05F49-A73F-A248-A104-AB25CEC60516}">
       <dsp:nvSpPr>
         <dsp:cNvPr id="0" name=""/>
         <dsp:cNvSpPr/>
       </dsp:nvSpPr>
       <dsp:spPr>
         <a:xfrm>
-          <a:off x="2547651" y="2545072"/>
-          <a:ext cx="1927336" cy="1927336"/>
+          <a:off x="5593550" y="101658"/>
+          <a:ext cx="1524931" cy="968331"/>
         </a:xfrm>
         <a:prstGeom prst="roundRect">
-          <a:avLst/>
+          <a:avLst>
+            <a:gd name="adj" fmla="val 10000"/>
+          </a:avLst>
         </a:prstGeom>
         <a:solidFill>
           <a:schemeClr val="accent1">
@@ -1442,13 +1633,63 @@
           <a:schemeClr val="lt1"/>
         </a:fontRef>
       </dsp:style>
+    </dsp:sp>
+    <dsp:sp modelId="{FC42205F-CA4B-BB44-8D52-5EFCEB43FD22}">
+      <dsp:nvSpPr>
+        <dsp:cNvPr id="0" name=""/>
+        <dsp:cNvSpPr/>
+      </dsp:nvSpPr>
+      <dsp:spPr>
+        <a:xfrm>
+          <a:off x="5762987" y="262623"/>
+          <a:ext cx="1524931" cy="968331"/>
+        </a:xfrm>
+        <a:prstGeom prst="roundRect">
+          <a:avLst>
+            <a:gd name="adj" fmla="val 10000"/>
+          </a:avLst>
+        </a:prstGeom>
+        <a:solidFill>
+          <a:schemeClr val="lt1">
+            <a:alpha val="90000"/>
+            <a:hueOff val="0"/>
+            <a:satOff val="0"/>
+            <a:lumOff val="0"/>
+            <a:alphaOff val="0"/>
+          </a:schemeClr>
+        </a:solidFill>
+        <a:ln w="15875" cap="flat" cmpd="sng" algn="ctr">
+          <a:solidFill>
+            <a:schemeClr val="accent1">
+              <a:hueOff val="0"/>
+              <a:satOff val="0"/>
+              <a:lumOff val="0"/>
+              <a:alphaOff val="0"/>
+            </a:schemeClr>
+          </a:solidFill>
+          <a:prstDash val="solid"/>
+        </a:ln>
+        <a:effectLst/>
+      </dsp:spPr>
+      <dsp:style>
+        <a:lnRef idx="2">
+          <a:scrgbClr r="0" g="0" b="0"/>
+        </a:lnRef>
+        <a:fillRef idx="1">
+          <a:scrgbClr r="0" g="0" b="0"/>
+        </a:fillRef>
+        <a:effectRef idx="0">
+          <a:scrgbClr r="0" g="0" b="0"/>
+        </a:effectRef>
+        <a:fontRef idx="minor"/>
+      </dsp:style>
       <dsp:txBody>
-        <a:bodyPr spcFirstLastPara="0" vert="horz" wrap="square" lIns="60960" tIns="60960" rIns="60960" bIns="60960" numCol="1" spcCol="1270" anchor="ctr" anchorCtr="0">
+        <a:bodyPr spcFirstLastPara="0" vert="horz" wrap="square" lIns="41910" tIns="41910" rIns="41910" bIns="41910" numCol="1" spcCol="1270" anchor="ctr" anchorCtr="0">
           <a:noAutofit/>
         </a:bodyPr>
         <a:lstStyle/>
         <a:p>
-          <a:pPr marL="0" lvl="0" indent="0" algn="ctr" defTabSz="711200">
+          <a:pPr marL="0" lvl="0" indent="0" algn="ctr" defTabSz="488950">
             <a:lnSpc>
               <a:spcPct val="90000"/>
             </a:lnSpc>
@@ -1461,14 +1702,14 @@
             <a:buNone/>
           </a:pPr>
           <a:r>
-            <a:rPr lang="en-US" sz="1600" kern="1200"/>
+            <a:rPr lang="en-US" sz="1100" kern="1200" dirty="0"/>
             <a:t>• Inconsistent and Duplicate data entries were removed to ensure data quality is maintained</a:t>
           </a:r>
         </a:p>
       </dsp:txBody>
       <dsp:txXfrm>
-        <a:off x="2641736" y="2639157"/>
-        <a:ext cx="1739166" cy="1739166"/>
+        <a:off x="5791348" y="290984"/>
+        <a:ext cx="1468209" cy="911609"/>
       </dsp:txXfrm>
     </dsp:sp>
   </dsp:spTree>
@@ -1476,12 +1717,11 @@
 </file>
 
 <file path=ppt/diagrams/layout1.xml><?xml version="1.0" encoding="utf-8"?>
-<dgm:layoutDef xmlns:dgm="http://schemas.openxmlformats.org/drawingml/2006/diagram" xmlns:a="http://schemas.openxmlformats.org/drawingml/2006/main" uniqueId="urn:microsoft.com/office/officeart/2005/8/layout/matrix3">
+<dgm:layoutDef xmlns:dgm="http://schemas.openxmlformats.org/drawingml/2006/diagram" xmlns:a="http://schemas.openxmlformats.org/drawingml/2006/main" uniqueId="urn:microsoft.com/office/officeart/2005/8/layout/hierarchy1">
   <dgm:title val=""/>
   <dgm:desc val=""/>
   <dgm:catLst>
-    <dgm:cat type="matrix" pri="1000"/>
-    <dgm:cat type="convert" pri="18000"/>
+    <dgm:cat type="hierarchy" pri="2000"/>
   </dgm:catLst>
   <dgm:sampData>
     <dgm:dataModel>
@@ -1493,203 +1733,548 @@
         <dgm:pt modelId="2">
           <dgm:prSet phldr="1"/>
         </dgm:pt>
+        <dgm:pt modelId="21">
+          <dgm:prSet phldr="1"/>
+        </dgm:pt>
+        <dgm:pt modelId="22">
+          <dgm:prSet phldr="1"/>
+        </dgm:pt>
         <dgm:pt modelId="3">
           <dgm:prSet phldr="1"/>
         </dgm:pt>
-        <dgm:pt modelId="4">
+        <dgm:pt modelId="31">
           <dgm:prSet phldr="1"/>
         </dgm:pt>
       </dgm:ptLst>
       <dgm:cxnLst>
-        <dgm:cxn modelId="5" srcId="0" destId="1" srcOrd="0" destOrd="0"/>
-        <dgm:cxn modelId="6" srcId="0" destId="2" srcOrd="1" destOrd="0"/>
-        <dgm:cxn modelId="7" srcId="0" destId="3" srcOrd="0" destOrd="0"/>
-        <dgm:cxn modelId="8" srcId="0" destId="4" srcOrd="1" destOrd="0"/>
+        <dgm:cxn modelId="4" srcId="0" destId="1" srcOrd="0" destOrd="0"/>
+        <dgm:cxn modelId="5" srcId="1" destId="2" srcOrd="0" destOrd="0"/>
+        <dgm:cxn modelId="6" srcId="1" destId="3" srcOrd="1" destOrd="0"/>
+        <dgm:cxn modelId="23" srcId="2" destId="21" srcOrd="0" destOrd="0"/>
+        <dgm:cxn modelId="24" srcId="2" destId="22" srcOrd="1" destOrd="0"/>
+        <dgm:cxn modelId="33" srcId="3" destId="31" srcOrd="0" destOrd="0"/>
       </dgm:cxnLst>
       <dgm:bg/>
       <dgm:whole/>
     </dgm:dataModel>
   </dgm:sampData>
-  <dgm:styleData useDef="1">
+  <dgm:styleData>
     <dgm:dataModel>
-      <dgm:ptLst/>
+      <dgm:ptLst>
+        <dgm:pt modelId="0" type="doc"/>
+        <dgm:pt modelId="1"/>
+        <dgm:pt modelId="11"/>
+        <dgm:pt modelId="12"/>
+      </dgm:ptLst>
+      <dgm:cxnLst>
+        <dgm:cxn modelId="2" srcId="0" destId="1" srcOrd="0" destOrd="0"/>
+        <dgm:cxn modelId="13" srcId="1" destId="11" srcOrd="0" destOrd="0"/>
+        <dgm:cxn modelId="14" srcId="1" destId="12" srcOrd="1" destOrd="0"/>
+      </dgm:cxnLst>
       <dgm:bg/>
       <dgm:whole/>
     </dgm:dataModel>
   </dgm:styleData>
-  <dgm:clrData useDef="1">
+  <dgm:clrData>
     <dgm:dataModel>
-      <dgm:ptLst/>
+      <dgm:ptLst>
+        <dgm:pt modelId="0" type="doc"/>
+        <dgm:pt modelId="1"/>
+        <dgm:pt modelId="2"/>
+        <dgm:pt modelId="21"/>
+        <dgm:pt modelId="211"/>
+        <dgm:pt modelId="3"/>
+        <dgm:pt modelId="31"/>
+        <dgm:pt modelId="311"/>
+      </dgm:ptLst>
+      <dgm:cxnLst>
+        <dgm:cxn modelId="4" srcId="0" destId="1" srcOrd="0" destOrd="0"/>
+        <dgm:cxn modelId="5" srcId="1" destId="2" srcOrd="0" destOrd="0"/>
+        <dgm:cxn modelId="6" srcId="1" destId="3" srcOrd="1" destOrd="0"/>
+        <dgm:cxn modelId="23" srcId="2" destId="21" srcOrd="0" destOrd="0"/>
+        <dgm:cxn modelId="24" srcId="21" destId="211" srcOrd="0" destOrd="0"/>
+        <dgm:cxn modelId="33" srcId="3" destId="31" srcOrd="0" destOrd="0"/>
+        <dgm:cxn modelId="34" srcId="31" destId="311" srcOrd="0" destOrd="0"/>
+      </dgm:cxnLst>
       <dgm:bg/>
       <dgm:whole/>
     </dgm:dataModel>
   </dgm:clrData>
-  <dgm:layoutNode name="matrix">
+  <dgm:layoutNode name="hierChild1">
     <dgm:varLst>
-      <dgm:chMax val="1"/>
+      <dgm:chPref val="1"/>
       <dgm:dir/>
-      <dgm:resizeHandles val="exact"/>
+      <dgm:animOne val="branch"/>
+      <dgm:animLvl val="lvl"/>
+      <dgm:resizeHandles/>
     </dgm:varLst>
-    <dgm:alg type="composite">
-      <dgm:param type="ar" val="1"/>
-    </dgm:alg>
+    <dgm:choose name="Name0">
+      <dgm:if name="Name1" func="var" arg="dir" op="equ" val="norm">
+        <dgm:alg type="hierChild">
+          <dgm:param type="linDir" val="fromL"/>
+        </dgm:alg>
+      </dgm:if>
+      <dgm:else name="Name2">
+        <dgm:alg type="hierChild">
+          <dgm:param type="linDir" val="fromR"/>
+        </dgm:alg>
+      </dgm:else>
+    </dgm:choose>
     <dgm:shape xmlns:r="http://schemas.openxmlformats.org/officeDocument/2006/relationships" r:blip="">
       <dgm:adjLst/>
     </dgm:shape>
     <dgm:presOf/>
-    <dgm:choose name="Name0">
-      <dgm:if name="Name1" func="var" arg="dir" op="equ" val="norm">
-        <dgm:constrLst>
-          <dgm:constr type="w" for="ch" forName="diamond" refType="w"/>
-          <dgm:constr type="h" for="ch" forName="diamond" refType="h"/>
-          <dgm:constr type="w" for="ch" forName="quad1" refType="w" fact="0.39"/>
-          <dgm:constr type="h" for="ch" forName="quad1" refType="h" fact="0.39"/>
-          <dgm:constr type="ctrX" for="ch" forName="quad1" refType="w" fact="0.29"/>
-          <dgm:constr type="ctrY" for="ch" forName="quad1" refType="h" fact="0.29"/>
-          <dgm:constr type="w" for="ch" forName="quad2" refType="w" fact="0.39"/>
-          <dgm:constr type="h" for="ch" forName="quad2" refType="h" fact="0.39"/>
-          <dgm:constr type="ctrX" for="ch" forName="quad2" refType="w" fact="0.71"/>
-          <dgm:constr type="ctrY" for="ch" forName="quad2" refType="h" fact="0.29"/>
-          <dgm:constr type="w" for="ch" forName="quad3" refType="w" fact="0.39"/>
-          <dgm:constr type="h" for="ch" forName="quad3" refType="h" fact="0.39"/>
-          <dgm:constr type="ctrX" for="ch" forName="quad3" refType="w" fact="0.29"/>
-          <dgm:constr type="ctrY" for="ch" forName="quad3" refType="h" fact="0.71"/>
-          <dgm:constr type="w" for="ch" forName="quad4" refType="w" fact="0.39"/>
-          <dgm:constr type="h" for="ch" forName="quad4" refType="h" fact="0.39"/>
-          <dgm:constr type="ctrX" for="ch" forName="quad4" refType="w" fact="0.71"/>
-          <dgm:constr type="ctrY" for="ch" forName="quad4" refType="h" fact="0.71"/>
-          <dgm:constr type="primFontSz" for="des" ptType="node" op="equ" val="65"/>
-        </dgm:constrLst>
-      </dgm:if>
-      <dgm:else name="Name2">
-        <dgm:constrLst>
-          <dgm:constr type="w" for="ch" forName="diamond" refType="w"/>
-          <dgm:constr type="h" for="ch" forName="diamond" refType="h"/>
-          <dgm:constr type="w" for="ch" forName="quad1" refType="w" fact="0.39"/>
-          <dgm:constr type="h" for="ch" forName="quad1" refType="h" fact="0.39"/>
-          <dgm:constr type="ctrX" for="ch" forName="quad1" refType="w" fact="0.71"/>
-          <dgm:constr type="ctrY" for="ch" forName="quad1" refType="h" fact="0.29"/>
-          <dgm:constr type="w" for="ch" forName="quad2" refType="w" fact="0.39"/>
-          <dgm:constr type="h" for="ch" forName="quad2" refType="h" fact="0.39"/>
-          <dgm:constr type="ctrX" for="ch" forName="quad2" refType="w" fact="0.29"/>
-          <dgm:constr type="ctrY" for="ch" forName="quad2" refType="h" fact="0.29"/>
-          <dgm:constr type="w" for="ch" forName="quad3" refType="w" fact="0.39"/>
-          <dgm:constr type="h" for="ch" forName="quad3" refType="h" fact="0.39"/>
-          <dgm:constr type="ctrX" for="ch" forName="quad3" refType="w" fact="0.71"/>
-          <dgm:constr type="ctrY" for="ch" forName="quad3" refType="h" fact="0.71"/>
-          <dgm:constr type="w" for="ch" forName="quad4" refType="w" fact="0.39"/>
-          <dgm:constr type="h" for="ch" forName="quad4" refType="h" fact="0.39"/>
-          <dgm:constr type="ctrX" for="ch" forName="quad4" refType="w" fact="0.29"/>
-          <dgm:constr type="ctrY" for="ch" forName="quad4" refType="h" fact="0.71"/>
-          <dgm:constr type="primFontSz" for="des" ptType="node" op="equ" val="65"/>
-        </dgm:constrLst>
-      </dgm:else>
-    </dgm:choose>
+    <dgm:constrLst>
+      <dgm:constr type="primFontSz" for="des" ptType="node" op="equ" val="65"/>
+      <dgm:constr type="w" for="des" forName="composite" refType="w"/>
+      <dgm:constr type="h" for="des" forName="composite" refType="w" refFor="des" refForName="composite" fact="0.667"/>
+      <dgm:constr type="w" for="des" forName="composite2" refType="w" refFor="des" refForName="composite"/>
+      <dgm:constr type="h" for="des" forName="composite2" refType="h" refFor="des" refForName="composite"/>
+      <dgm:constr type="w" for="des" forName="composite3" refType="w" refFor="des" refForName="composite"/>
+      <dgm:constr type="h" for="des" forName="composite3" refType="h" refFor="des" refForName="composite"/>
+      <dgm:constr type="w" for="des" forName="composite4" refType="w" refFor="des" refForName="composite"/>
+      <dgm:constr type="h" for="des" forName="composite4" refType="h" refFor="des" refForName="composite"/>
+      <dgm:constr type="w" for="des" forName="composite5" refType="w" refFor="des" refForName="composite"/>
+      <dgm:constr type="h" for="des" forName="composite5" refType="h" refFor="des" refForName="composite"/>
+      <dgm:constr type="sibSp" refType="w" refFor="des" refForName="composite" fact="0.1"/>
+      <dgm:constr type="sibSp" for="des" forName="hierChild2" refType="sibSp"/>
+      <dgm:constr type="sibSp" for="des" forName="hierChild3" refType="sibSp"/>
+      <dgm:constr type="sibSp" for="des" forName="hierChild4" refType="sibSp"/>
+      <dgm:constr type="sibSp" for="des" forName="hierChild5" refType="sibSp"/>
+      <dgm:constr type="sibSp" for="des" forName="hierChild6" refType="sibSp"/>
+      <dgm:constr type="sp" for="des" forName="hierRoot1" refType="h" refFor="des" refForName="composite" fact="0.25"/>
+      <dgm:constr type="sp" for="des" forName="hierRoot2" refType="sp" refFor="des" refForName="hierRoot1"/>
+      <dgm:constr type="sp" for="des" forName="hierRoot3" refType="sp" refFor="des" refForName="hierRoot1"/>
+      <dgm:constr type="sp" for="des" forName="hierRoot4" refType="sp" refFor="des" refForName="hierRoot1"/>
+      <dgm:constr type="sp" for="des" forName="hierRoot5" refType="sp" refFor="des" refForName="hierRoot1"/>
+    </dgm:constrLst>
     <dgm:ruleLst/>
-    <dgm:choose name="Name3">
-      <dgm:if name="Name4" axis="ch" ptType="node" func="cnt" op="gte" val="1">
-        <dgm:layoutNode name="diamond" styleLbl="bgShp">
-          <dgm:alg type="sp"/>
-          <dgm:shape xmlns:r="http://schemas.openxmlformats.org/officeDocument/2006/relationships" type="diamond" r:blip="">
+    <dgm:forEach name="Name3" axis="ch">
+      <dgm:forEach name="Name4" axis="self" ptType="node">
+        <dgm:layoutNode name="hierRoot1">
+          <dgm:alg type="hierRoot"/>
+          <dgm:shape xmlns:r="http://schemas.openxmlformats.org/officeDocument/2006/relationships" r:blip="">
             <dgm:adjLst/>
           </dgm:shape>
           <dgm:presOf/>
           <dgm:constrLst>
-            <dgm:constr type="w" refType="h" op="equ"/>
+            <dgm:constr type="bendDist" for="des" ptType="parTrans" refType="sp" fact="0.5"/>
           </dgm:constrLst>
           <dgm:ruleLst/>
+          <dgm:layoutNode name="composite">
+            <dgm:alg type="composite"/>
+            <dgm:shape xmlns:r="http://schemas.openxmlformats.org/officeDocument/2006/relationships" r:blip="">
+              <dgm:adjLst/>
+            </dgm:shape>
+            <dgm:presOf/>
+            <dgm:constrLst>
+              <dgm:constr type="w" for="ch" forName="background" refType="w" fact="0.9"/>
+              <dgm:constr type="h" for="ch" forName="background" refType="w" refFor="ch" refForName="background" fact="0.635"/>
+              <dgm:constr type="t" for="ch" forName="background"/>
+              <dgm:constr type="l" for="ch" forName="background"/>
+              <dgm:constr type="w" for="ch" forName="text" refType="w" fact="0.9"/>
+              <dgm:constr type="h" for="ch" forName="text" refType="w" refFor="ch" refForName="text" fact="0.635"/>
+              <dgm:constr type="t" for="ch" forName="text" refType="w" fact="0.095"/>
+              <dgm:constr type="l" for="ch" forName="text" refType="w" fact="0.1"/>
+            </dgm:constrLst>
+            <dgm:ruleLst/>
+            <dgm:layoutNode name="background" styleLbl="node0" moveWith="text">
+              <dgm:alg type="sp"/>
+              <dgm:shape xmlns:r="http://schemas.openxmlformats.org/officeDocument/2006/relationships" type="roundRect" r:blip="">
+                <dgm:adjLst>
+                  <dgm:adj idx="1" val="0.1"/>
+                </dgm:adjLst>
+              </dgm:shape>
+              <dgm:presOf/>
+              <dgm:constrLst/>
+              <dgm:ruleLst/>
+            </dgm:layoutNode>
+            <dgm:layoutNode name="text" styleLbl="fgAcc0">
+              <dgm:varLst>
+                <dgm:chPref val="3"/>
+              </dgm:varLst>
+              <dgm:alg type="tx"/>
+              <dgm:shape xmlns:r="http://schemas.openxmlformats.org/officeDocument/2006/relationships" type="roundRect" r:blip="">
+                <dgm:adjLst>
+                  <dgm:adj idx="1" val="0.1"/>
+                </dgm:adjLst>
+              </dgm:shape>
+              <dgm:presOf axis="self"/>
+              <dgm:constrLst>
+                <dgm:constr type="tMarg" refType="primFontSz" fact="0.3"/>
+                <dgm:constr type="bMarg" refType="primFontSz" fact="0.3"/>
+                <dgm:constr type="lMarg" refType="primFontSz" fact="0.3"/>
+                <dgm:constr type="rMarg" refType="primFontSz" fact="0.3"/>
+              </dgm:constrLst>
+              <dgm:ruleLst>
+                <dgm:rule type="primFontSz" val="5" fact="NaN" max="NaN"/>
+              </dgm:ruleLst>
+            </dgm:layoutNode>
+          </dgm:layoutNode>
+          <dgm:layoutNode name="hierChild2">
+            <dgm:choose name="Name5">
+              <dgm:if name="Name6" func="var" arg="dir" op="equ" val="norm">
+                <dgm:alg type="hierChild">
+                  <dgm:param type="linDir" val="fromL"/>
+                </dgm:alg>
+              </dgm:if>
+              <dgm:else name="Name7">
+                <dgm:alg type="hierChild">
+                  <dgm:param type="linDir" val="fromR"/>
+                </dgm:alg>
+              </dgm:else>
+            </dgm:choose>
+            <dgm:shape xmlns:r="http://schemas.openxmlformats.org/officeDocument/2006/relationships" r:blip="">
+              <dgm:adjLst/>
+            </dgm:shape>
+            <dgm:presOf/>
+            <dgm:constrLst/>
+            <dgm:ruleLst/>
+            <dgm:forEach name="Name8" axis="ch">
+              <dgm:forEach name="Name9" axis="self" ptType="parTrans" cnt="1">
+                <dgm:layoutNode name="Name10">
+                  <dgm:alg type="conn">
+                    <dgm:param type="dim" val="1D"/>
+                    <dgm:param type="endSty" val="noArr"/>
+                    <dgm:param type="connRout" val="bend"/>
+                    <dgm:param type="bendPt" val="end"/>
+                    <dgm:param type="begPts" val="bCtr"/>
+                    <dgm:param type="endPts" val="tCtr"/>
+                    <dgm:param type="srcNode" val="background"/>
+                    <dgm:param type="dstNode" val="background2"/>
+                  </dgm:alg>
+                  <dgm:shape xmlns:r="http://schemas.openxmlformats.org/officeDocument/2006/relationships" type="conn" r:blip="" zOrderOff="-999">
+                    <dgm:adjLst/>
+                  </dgm:shape>
+                  <dgm:presOf axis="self"/>
+                  <dgm:constrLst>
+                    <dgm:constr type="begPad"/>
+                    <dgm:constr type="endPad"/>
+                  </dgm:constrLst>
+                  <dgm:ruleLst/>
+                </dgm:layoutNode>
+              </dgm:forEach>
+              <dgm:forEach name="Name11" axis="self" ptType="node">
+                <dgm:layoutNode name="hierRoot2">
+                  <dgm:alg type="hierRoot"/>
+                  <dgm:shape xmlns:r="http://schemas.openxmlformats.org/officeDocument/2006/relationships" r:blip="">
+                    <dgm:adjLst/>
+                  </dgm:shape>
+                  <dgm:presOf/>
+                  <dgm:constrLst>
+                    <dgm:constr type="bendDist" for="des" ptType="parTrans" refType="sp" fact="0.5"/>
+                  </dgm:constrLst>
+                  <dgm:ruleLst/>
+                  <dgm:layoutNode name="composite2">
+                    <dgm:alg type="composite"/>
+                    <dgm:shape xmlns:r="http://schemas.openxmlformats.org/officeDocument/2006/relationships" r:blip="">
+                      <dgm:adjLst/>
+                    </dgm:shape>
+                    <dgm:presOf/>
+                    <dgm:constrLst>
+                      <dgm:constr type="w" for="ch" forName="background2" refType="w" fact="0.9"/>
+                      <dgm:constr type="h" for="ch" forName="background2" refType="w" refFor="ch" refForName="background2" fact="0.635"/>
+                      <dgm:constr type="t" for="ch" forName="background2"/>
+                      <dgm:constr type="l" for="ch" forName="background2"/>
+                      <dgm:constr type="w" for="ch" forName="text2" refType="w" fact="0.9"/>
+                      <dgm:constr type="h" for="ch" forName="text2" refType="w" refFor="ch" refForName="text2" fact="0.635"/>
+                      <dgm:constr type="t" for="ch" forName="text2" refType="w" fact="0.095"/>
+                      <dgm:constr type="l" for="ch" forName="text2" refType="w" fact="0.1"/>
+                    </dgm:constrLst>
+                    <dgm:ruleLst/>
+                    <dgm:layoutNode name="background2" moveWith="text2">
+                      <dgm:alg type="sp"/>
+                      <dgm:shape xmlns:r="http://schemas.openxmlformats.org/officeDocument/2006/relationships" type="roundRect" r:blip="">
+                        <dgm:adjLst>
+                          <dgm:adj idx="1" val="0.1"/>
+                        </dgm:adjLst>
+                      </dgm:shape>
+                      <dgm:presOf/>
+                      <dgm:constrLst/>
+                      <dgm:ruleLst/>
+                    </dgm:layoutNode>
+                    <dgm:layoutNode name="text2" styleLbl="fgAcc2">
+                      <dgm:varLst>
+                        <dgm:chPref val="3"/>
+                      </dgm:varLst>
+                      <dgm:alg type="tx"/>
+                      <dgm:shape xmlns:r="http://schemas.openxmlformats.org/officeDocument/2006/relationships" type="roundRect" r:blip="">
+                        <dgm:adjLst>
+                          <dgm:adj idx="1" val="0.1"/>
+                        </dgm:adjLst>
+                      </dgm:shape>
+                      <dgm:presOf axis="self"/>
+                      <dgm:constrLst>
+                        <dgm:constr type="tMarg" refType="primFontSz" fact="0.3"/>
+                        <dgm:constr type="bMarg" refType="primFontSz" fact="0.3"/>
+                        <dgm:constr type="lMarg" refType="primFontSz" fact="0.3"/>
+                        <dgm:constr type="rMarg" refType="primFontSz" fact="0.3"/>
+                      </dgm:constrLst>
+                      <dgm:ruleLst>
+                        <dgm:rule type="primFontSz" val="5" fact="NaN" max="NaN"/>
+                      </dgm:ruleLst>
+                    </dgm:layoutNode>
+                  </dgm:layoutNode>
+                  <dgm:layoutNode name="hierChild3">
+                    <dgm:choose name="Name12">
+                      <dgm:if name="Name13" func="var" arg="dir" op="equ" val="norm">
+                        <dgm:alg type="hierChild">
+                          <dgm:param type="linDir" val="fromL"/>
+                        </dgm:alg>
+                      </dgm:if>
+                      <dgm:else name="Name14">
+                        <dgm:alg type="hierChild">
+                          <dgm:param type="linDir" val="fromR"/>
+                        </dgm:alg>
+                      </dgm:else>
+                    </dgm:choose>
+                    <dgm:shape xmlns:r="http://schemas.openxmlformats.org/officeDocument/2006/relationships" r:blip="">
+                      <dgm:adjLst/>
+                    </dgm:shape>
+                    <dgm:presOf/>
+                    <dgm:constrLst/>
+                    <dgm:ruleLst/>
+                    <dgm:forEach name="Name15" axis="ch">
+                      <dgm:forEach name="Name16" axis="self" ptType="parTrans" cnt="1">
+                        <dgm:layoutNode name="Name17">
+                          <dgm:alg type="conn">
+                            <dgm:param type="dim" val="1D"/>
+                            <dgm:param type="endSty" val="noArr"/>
+                            <dgm:param type="connRout" val="bend"/>
+                            <dgm:param type="bendPt" val="end"/>
+                            <dgm:param type="begPts" val="bCtr"/>
+                            <dgm:param type="endPts" val="tCtr"/>
+                            <dgm:param type="srcNode" val="background2"/>
+                            <dgm:param type="dstNode" val="background3"/>
+                          </dgm:alg>
+                          <dgm:shape xmlns:r="http://schemas.openxmlformats.org/officeDocument/2006/relationships" type="conn" r:blip="" zOrderOff="-999">
+                            <dgm:adjLst/>
+                          </dgm:shape>
+                          <dgm:presOf axis="self"/>
+                          <dgm:constrLst>
+                            <dgm:constr type="begPad"/>
+                            <dgm:constr type="endPad"/>
+                          </dgm:constrLst>
+                          <dgm:ruleLst/>
+                        </dgm:layoutNode>
+                      </dgm:forEach>
+                      <dgm:forEach name="Name18" axis="self" ptType="node">
+                        <dgm:layoutNode name="hierRoot3">
+                          <dgm:alg type="hierRoot"/>
+                          <dgm:shape xmlns:r="http://schemas.openxmlformats.org/officeDocument/2006/relationships" r:blip="">
+                            <dgm:adjLst/>
+                          </dgm:shape>
+                          <dgm:presOf/>
+                          <dgm:constrLst>
+                            <dgm:constr type="bendDist" for="des" ptType="parTrans" refType="sp" fact="0.5"/>
+                          </dgm:constrLst>
+                          <dgm:ruleLst/>
+                          <dgm:layoutNode name="composite3">
+                            <dgm:alg type="composite"/>
+                            <dgm:shape xmlns:r="http://schemas.openxmlformats.org/officeDocument/2006/relationships" r:blip="">
+                              <dgm:adjLst/>
+                            </dgm:shape>
+                            <dgm:presOf/>
+                            <dgm:constrLst>
+                              <dgm:constr type="w" for="ch" forName="background3" refType="w" fact="0.9"/>
+                              <dgm:constr type="h" for="ch" forName="background3" refType="w" refFor="ch" refForName="background3" fact="0.635"/>
+                              <dgm:constr type="t" for="ch" forName="background3"/>
+                              <dgm:constr type="l" for="ch" forName="background3"/>
+                              <dgm:constr type="w" for="ch" forName="text3" refType="w" fact="0.9"/>
+                              <dgm:constr type="h" for="ch" forName="text3" refType="w" refFor="ch" refForName="text3" fact="0.635"/>
+                              <dgm:constr type="t" for="ch" forName="text3" refType="w" fact="0.095"/>
+                              <dgm:constr type="l" for="ch" forName="text3" refType="w" fact="0.1"/>
+                            </dgm:constrLst>
+                            <dgm:ruleLst/>
+                            <dgm:layoutNode name="background3" moveWith="text3">
+                              <dgm:alg type="sp"/>
+                              <dgm:shape xmlns:r="http://schemas.openxmlformats.org/officeDocument/2006/relationships" type="roundRect" r:blip="">
+                                <dgm:adjLst>
+                                  <dgm:adj idx="1" val="0.1"/>
+                                </dgm:adjLst>
+                              </dgm:shape>
+                              <dgm:presOf/>
+                              <dgm:constrLst/>
+                              <dgm:ruleLst/>
+                            </dgm:layoutNode>
+                            <dgm:layoutNode name="text3" styleLbl="fgAcc3">
+                              <dgm:varLst>
+                                <dgm:chPref val="3"/>
+                              </dgm:varLst>
+                              <dgm:alg type="tx"/>
+                              <dgm:shape xmlns:r="http://schemas.openxmlformats.org/officeDocument/2006/relationships" type="roundRect" r:blip="">
+                                <dgm:adjLst>
+                                  <dgm:adj idx="1" val="0.1"/>
+                                </dgm:adjLst>
+                              </dgm:shape>
+                              <dgm:presOf axis="self"/>
+                              <dgm:constrLst>
+                                <dgm:constr type="tMarg" refType="primFontSz" fact="0.3"/>
+                                <dgm:constr type="bMarg" refType="primFontSz" fact="0.3"/>
+                                <dgm:constr type="lMarg" refType="primFontSz" fact="0.3"/>
+                                <dgm:constr type="rMarg" refType="primFontSz" fact="0.3"/>
+                              </dgm:constrLst>
+                              <dgm:ruleLst>
+                                <dgm:rule type="primFontSz" val="5" fact="NaN" max="NaN"/>
+                              </dgm:ruleLst>
+                            </dgm:layoutNode>
+                          </dgm:layoutNode>
+                          <dgm:layoutNode name="hierChild4">
+                            <dgm:choose name="Name19">
+                              <dgm:if name="Name20" func="var" arg="dir" op="equ" val="norm">
+                                <dgm:alg type="hierChild">
+                                  <dgm:param type="linDir" val="fromL"/>
+                                </dgm:alg>
+                              </dgm:if>
+                              <dgm:else name="Name21">
+                                <dgm:alg type="hierChild">
+                                  <dgm:param type="linDir" val="fromR"/>
+                                </dgm:alg>
+                              </dgm:else>
+                            </dgm:choose>
+                            <dgm:shape xmlns:r="http://schemas.openxmlformats.org/officeDocument/2006/relationships" r:blip="">
+                              <dgm:adjLst/>
+                            </dgm:shape>
+                            <dgm:presOf/>
+                            <dgm:constrLst/>
+                            <dgm:ruleLst/>
+                            <dgm:forEach name="repeat" axis="ch">
+                              <dgm:forEach name="Name22" axis="self" ptType="parTrans" cnt="1">
+                                <dgm:layoutNode name="Name23">
+                                  <dgm:choose name="Name24">
+                                    <dgm:if name="Name25" axis="self" func="depth" op="lte" val="4">
+                                      <dgm:alg type="conn">
+                                        <dgm:param type="dim" val="1D"/>
+                                        <dgm:param type="endSty" val="noArr"/>
+                                        <dgm:param type="connRout" val="bend"/>
+                                        <dgm:param type="bendPt" val="end"/>
+                                        <dgm:param type="begPts" val="bCtr"/>
+                                        <dgm:param type="endPts" val="tCtr"/>
+                                        <dgm:param type="srcNode" val="background3"/>
+                                        <dgm:param type="dstNode" val="background4"/>
+                                      </dgm:alg>
+                                    </dgm:if>
+                                    <dgm:else name="Name26">
+                                      <dgm:alg type="conn">
+                                        <dgm:param type="dim" val="1D"/>
+                                        <dgm:param type="endSty" val="noArr"/>
+                                        <dgm:param type="connRout" val="bend"/>
+                                        <dgm:param type="bendPt" val="end"/>
+                                        <dgm:param type="begPts" val="bCtr"/>
+                                        <dgm:param type="endPts" val="tCtr"/>
+                                        <dgm:param type="srcNode" val="background4"/>
+                                        <dgm:param type="dstNode" val="background4"/>
+                                      </dgm:alg>
+                                    </dgm:else>
+                                  </dgm:choose>
+                                  <dgm:shape xmlns:r="http://schemas.openxmlformats.org/officeDocument/2006/relationships" type="conn" r:blip="" zOrderOff="-999">
+                                    <dgm:adjLst/>
+                                  </dgm:shape>
+                                  <dgm:presOf axis="self"/>
+                                  <dgm:constrLst>
+                                    <dgm:constr type="begPad"/>
+                                    <dgm:constr type="endPad"/>
+                                  </dgm:constrLst>
+                                  <dgm:ruleLst/>
+                                </dgm:layoutNode>
+                              </dgm:forEach>
+                              <dgm:forEach name="Name27" axis="self" ptType="node">
+                                <dgm:layoutNode name="hierRoot4">
+                                  <dgm:alg type="hierRoot"/>
+                                  <dgm:shape xmlns:r="http://schemas.openxmlformats.org/officeDocument/2006/relationships" r:blip="">
+                                    <dgm:adjLst/>
+                                  </dgm:shape>
+                                  <dgm:presOf/>
+                                  <dgm:constrLst>
+                                    <dgm:constr type="bendDist" for="des" ptType="parTrans" refType="sp" fact="0.5"/>
+                                  </dgm:constrLst>
+                                  <dgm:ruleLst/>
+                                  <dgm:layoutNode name="composite4">
+                                    <dgm:alg type="composite"/>
+                                    <dgm:shape xmlns:r="http://schemas.openxmlformats.org/officeDocument/2006/relationships" r:blip="">
+                                      <dgm:adjLst/>
+                                    </dgm:shape>
+                                    <dgm:presOf/>
+                                    <dgm:constrLst>
+                                      <dgm:constr type="w" for="ch" forName="background4" refType="w" fact="0.9"/>
+                                      <dgm:constr type="h" for="ch" forName="background4" refType="w" refFor="ch" refForName="background4" fact="0.635"/>
+                                      <dgm:constr type="t" for="ch" forName="background4"/>
+                                      <dgm:constr type="l" for="ch" forName="background4"/>
+                                      <dgm:constr type="w" for="ch" forName="text4" refType="w" fact="0.9"/>
+                                      <dgm:constr type="h" for="ch" forName="text4" refType="w" refFor="ch" refForName="text4" fact="0.635"/>
+                                      <dgm:constr type="t" for="ch" forName="text4" refType="w" fact="0.095"/>
+                                      <dgm:constr type="l" for="ch" forName="text4" refType="w" fact="0.1"/>
+                                    </dgm:constrLst>
+                                    <dgm:ruleLst/>
+                                    <dgm:layoutNode name="background4" moveWith="text4">
+                                      <dgm:alg type="sp"/>
+                                      <dgm:shape xmlns:r="http://schemas.openxmlformats.org/officeDocument/2006/relationships" type="roundRect" r:blip="">
+                                        <dgm:adjLst>
+                                          <dgm:adj idx="1" val="0.1"/>
+                                        </dgm:adjLst>
+                                      </dgm:shape>
+                                      <dgm:presOf/>
+                                      <dgm:constrLst/>
+                                      <dgm:ruleLst/>
+                                    </dgm:layoutNode>
+                                    <dgm:layoutNode name="text4" styleLbl="fgAcc4">
+                                      <dgm:varLst>
+                                        <dgm:chPref val="3"/>
+                                      </dgm:varLst>
+                                      <dgm:alg type="tx"/>
+                                      <dgm:shape xmlns:r="http://schemas.openxmlformats.org/officeDocument/2006/relationships" type="roundRect" r:blip="">
+                                        <dgm:adjLst>
+                                          <dgm:adj idx="1" val="0.1"/>
+                                        </dgm:adjLst>
+                                      </dgm:shape>
+                                      <dgm:presOf axis="self"/>
+                                      <dgm:constrLst>
+                                        <dgm:constr type="tMarg" refType="primFontSz" fact="0.3"/>
+                                        <dgm:constr type="bMarg" refType="primFontSz" fact="0.3"/>
+                                        <dgm:constr type="lMarg" refType="primFontSz" fact="0.3"/>
+                                        <dgm:constr type="rMarg" refType="primFontSz" fact="0.3"/>
+                                      </dgm:constrLst>
+                                      <dgm:ruleLst>
+                                        <dgm:rule type="primFontSz" val="5" fact="NaN" max="NaN"/>
+                                      </dgm:ruleLst>
+                                    </dgm:layoutNode>
+                                  </dgm:layoutNode>
+                                  <dgm:layoutNode name="hierChild5">
+                                    <dgm:choose name="Name28">
+                                      <dgm:if name="Name29" func="var" arg="dir" op="equ" val="norm">
+                                        <dgm:alg type="hierChild">
+                                          <dgm:param type="linDir" val="fromL"/>
+                                        </dgm:alg>
+                                      </dgm:if>
+                                      <dgm:else name="Name30">
+                                        <dgm:alg type="hierChild">
+                                          <dgm:param type="linDir" val="fromR"/>
+                                        </dgm:alg>
+                                      </dgm:else>
+                                    </dgm:choose>
+                                    <dgm:shape xmlns:r="http://schemas.openxmlformats.org/officeDocument/2006/relationships" r:blip="">
+                                      <dgm:adjLst/>
+                                    </dgm:shape>
+                                    <dgm:presOf/>
+                                    <dgm:constrLst/>
+                                    <dgm:ruleLst/>
+                                    <dgm:forEach name="Name31" ref="repeat"/>
+                                  </dgm:layoutNode>
+                                </dgm:layoutNode>
+                              </dgm:forEach>
+                            </dgm:forEach>
+                          </dgm:layoutNode>
+                        </dgm:layoutNode>
+                      </dgm:forEach>
+                    </dgm:forEach>
+                  </dgm:layoutNode>
+                </dgm:layoutNode>
+              </dgm:forEach>
+            </dgm:forEach>
+          </dgm:layoutNode>
         </dgm:layoutNode>
-        <dgm:layoutNode name="quad1">
-          <dgm:varLst>
-            <dgm:chMax val="0"/>
-            <dgm:chPref val="0"/>
-            <dgm:bulletEnabled val="1"/>
-          </dgm:varLst>
-          <dgm:alg type="tx"/>
-          <dgm:shape xmlns:r="http://schemas.openxmlformats.org/officeDocument/2006/relationships" type="roundRect" r:blip="">
-            <dgm:adjLst/>
-          </dgm:shape>
-          <dgm:presOf axis="ch desOrSelf" ptType="node node" st="1 1" cnt="1 0"/>
-          <dgm:constrLst>
-            <dgm:constr type="w" refType="h" op="equ"/>
-            <dgm:constr type="tMarg" refType="primFontSz" fact="0.3"/>
-            <dgm:constr type="bMarg" refType="primFontSz" fact="0.3"/>
-            <dgm:constr type="lMarg" refType="primFontSz" fact="0.3"/>
-            <dgm:constr type="rMarg" refType="primFontSz" fact="0.3"/>
-          </dgm:constrLst>
-          <dgm:ruleLst>
-            <dgm:rule type="primFontSz" val="5" fact="NaN" max="NaN"/>
-          </dgm:ruleLst>
-        </dgm:layoutNode>
-        <dgm:layoutNode name="quad2">
-          <dgm:varLst>
-            <dgm:chMax val="0"/>
-            <dgm:chPref val="0"/>
-            <dgm:bulletEnabled val="1"/>
-          </dgm:varLst>
-          <dgm:alg type="tx"/>
-          <dgm:shape xmlns:r="http://schemas.openxmlformats.org/officeDocument/2006/relationships" type="roundRect" r:blip="">
-            <dgm:adjLst/>
-          </dgm:shape>
-          <dgm:presOf axis="ch desOrSelf" ptType="node node" st="2 1" cnt="1 0"/>
-          <dgm:constrLst>
-            <dgm:constr type="w" refType="h" op="equ"/>
-            <dgm:constr type="tMarg" refType="primFontSz" fact="0.3"/>
-            <dgm:constr type="bMarg" refType="primFontSz" fact="0.3"/>
-            <dgm:constr type="lMarg" refType="primFontSz" fact="0.3"/>
-            <dgm:constr type="rMarg" refType="primFontSz" fact="0.3"/>
-          </dgm:constrLst>
-          <dgm:ruleLst>
-            <dgm:rule type="primFontSz" val="5" fact="NaN" max="NaN"/>
-          </dgm:ruleLst>
-        </dgm:layoutNode>
-        <dgm:layoutNode name="quad3">
-          <dgm:varLst>
-            <dgm:chMax val="0"/>
-            <dgm:chPref val="0"/>
-            <dgm:bulletEnabled val="1"/>
-          </dgm:varLst>
-          <dgm:alg type="tx"/>
-          <dgm:shape xmlns:r="http://schemas.openxmlformats.org/officeDocument/2006/relationships" type="roundRect" r:blip="">
-            <dgm:adjLst/>
-          </dgm:shape>
-          <dgm:presOf axis="ch desOrSelf" ptType="node node" st="3 1" cnt="1 0"/>
-          <dgm:constrLst>
-            <dgm:constr type="w" refType="h" op="equ"/>
-            <dgm:constr type="tMarg" refType="primFontSz" fact="0.3"/>
-            <dgm:constr type="bMarg" refType="primFontSz" fact="0.3"/>
-            <dgm:constr type="lMarg" refType="primFontSz" fact="0.3"/>
-            <dgm:constr type="rMarg" refType="primFontSz" fact="0.3"/>
-          </dgm:constrLst>
-          <dgm:ruleLst>
-            <dgm:rule type="primFontSz" val="5" fact="NaN" max="NaN"/>
-          </dgm:ruleLst>
-        </dgm:layoutNode>
-        <dgm:layoutNode name="quad4">
-          <dgm:varLst>
-            <dgm:chMax val="0"/>
-            <dgm:chPref val="0"/>
-            <dgm:bulletEnabled val="1"/>
-          </dgm:varLst>
-          <dgm:alg type="tx"/>
-          <dgm:shape xmlns:r="http://schemas.openxmlformats.org/officeDocument/2006/relationships" type="roundRect" r:blip="">
-            <dgm:adjLst/>
-          </dgm:shape>
-          <dgm:presOf axis="ch desOrSelf" ptType="node node" st="4 1" cnt="1 0"/>
-          <dgm:constrLst>
-            <dgm:constr type="w" refType="h" op="equ"/>
-            <dgm:constr type="tMarg" refType="primFontSz" fact="0.3"/>
-            <dgm:constr type="bMarg" refType="primFontSz" fact="0.3"/>
-            <dgm:constr type="lMarg" refType="primFontSz" fact="0.3"/>
-            <dgm:constr type="rMarg" refType="primFontSz" fact="0.3"/>
-          </dgm:constrLst>
-          <dgm:ruleLst>
-            <dgm:rule type="primFontSz" val="5" fact="NaN" max="NaN"/>
-          </dgm:ruleLst>
-        </dgm:layoutNode>
-      </dgm:if>
-      <dgm:else name="Name5"/>
-    </dgm:choose>
+      </dgm:forEach>
+    </dgm:forEach>
   </dgm:layoutNode>
 </dgm:layoutDef>
 </file>
@@ -2728,6 +3313,439 @@
 </dgm:styleDef>
 </file>
 
+<file path=ppt/notesMasters/notesMaster1.xml><?xml version="1.0" encoding="utf-8"?>
+<p:notesMaster xmlns:a="http://schemas.openxmlformats.org/drawingml/2006/main" xmlns:r="http://schemas.openxmlformats.org/officeDocument/2006/relationships" xmlns:p="http://schemas.openxmlformats.org/presentationml/2006/main">
+  <p:cSld>
+    <p:bg>
+      <p:bgRef idx="1001">
+        <a:schemeClr val="bg1"/>
+      </p:bgRef>
+    </p:bg>
+    <p:spTree>
+      <p:nvGrpSpPr>
+        <p:cNvPr id="1" name=""/>
+        <p:cNvGrpSpPr/>
+        <p:nvPr/>
+      </p:nvGrpSpPr>
+      <p:grpSpPr>
+        <a:xfrm>
+          <a:off x="0" y="0"/>
+          <a:ext cx="0" cy="0"/>
+          <a:chOff x="0" y="0"/>
+          <a:chExt cx="0" cy="0"/>
+        </a:xfrm>
+      </p:grpSpPr>
+      <p:sp>
+        <p:nvSpPr>
+          <p:cNvPr id="2" name="Header Placeholder 1"/>
+          <p:cNvSpPr>
+            <a:spLocks noGrp="1"/>
+          </p:cNvSpPr>
+          <p:nvPr>
+            <p:ph type="hdr" sz="quarter"/>
+          </p:nvPr>
+        </p:nvSpPr>
+        <p:spPr>
+          <a:xfrm>
+            <a:off x="0" y="0"/>
+            <a:ext cx="2971800" cy="458788"/>
+          </a:xfrm>
+          <a:prstGeom prst="rect">
+            <a:avLst/>
+          </a:prstGeom>
+        </p:spPr>
+        <p:txBody>
+          <a:bodyPr vert="horz" lIns="91440" tIns="45720" rIns="91440" bIns="45720" rtlCol="0"/>
+          <a:lstStyle>
+            <a:lvl1pPr algn="l">
+              <a:defRPr sz="1200"/>
+            </a:lvl1pPr>
+          </a:lstStyle>
+          <a:p>
+            <a:endParaRPr lang="en-US"/>
+          </a:p>
+        </p:txBody>
+      </p:sp>
+      <p:sp>
+        <p:nvSpPr>
+          <p:cNvPr id="3" name="Date Placeholder 2"/>
+          <p:cNvSpPr>
+            <a:spLocks noGrp="1"/>
+          </p:cNvSpPr>
+          <p:nvPr>
+            <p:ph type="dt" idx="1"/>
+          </p:nvPr>
+        </p:nvSpPr>
+        <p:spPr>
+          <a:xfrm>
+            <a:off x="3884613" y="0"/>
+            <a:ext cx="2971800" cy="458788"/>
+          </a:xfrm>
+          <a:prstGeom prst="rect">
+            <a:avLst/>
+          </a:prstGeom>
+        </p:spPr>
+        <p:txBody>
+          <a:bodyPr vert="horz" lIns="91440" tIns="45720" rIns="91440" bIns="45720" rtlCol="0"/>
+          <a:lstStyle>
+            <a:lvl1pPr algn="r">
+              <a:defRPr sz="1200"/>
+            </a:lvl1pPr>
+          </a:lstStyle>
+          <a:p>
+            <a:fld id="{87CD3DDE-E67B-9B4A-A763-B572FC3CD654}" type="datetimeFigureOut">
+              <a:rPr lang="en-US" smtClean="0"/>
+              <a:t>12/7/24</a:t>
+            </a:fld>
+            <a:endParaRPr lang="en-US"/>
+          </a:p>
+        </p:txBody>
+      </p:sp>
+      <p:sp>
+        <p:nvSpPr>
+          <p:cNvPr id="4" name="Slide Image Placeholder 3"/>
+          <p:cNvSpPr>
+            <a:spLocks noGrp="1" noRot="1" noChangeAspect="1"/>
+          </p:cNvSpPr>
+          <p:nvPr>
+            <p:ph type="sldImg" idx="2"/>
+          </p:nvPr>
+        </p:nvSpPr>
+        <p:spPr>
+          <a:xfrm>
+            <a:off x="1371600" y="1143000"/>
+            <a:ext cx="4114800" cy="3086100"/>
+          </a:xfrm>
+          <a:prstGeom prst="rect">
+            <a:avLst/>
+          </a:prstGeom>
+          <a:noFill/>
+          <a:ln w="12700">
+            <a:solidFill>
+              <a:prstClr val="black"/>
+            </a:solidFill>
+          </a:ln>
+        </p:spPr>
+        <p:txBody>
+          <a:bodyPr vert="horz" lIns="91440" tIns="45720" rIns="91440" bIns="45720" rtlCol="0" anchor="ctr"/>
+          <a:lstStyle/>
+          <a:p>
+            <a:endParaRPr lang="en-US"/>
+          </a:p>
+        </p:txBody>
+      </p:sp>
+      <p:sp>
+        <p:nvSpPr>
+          <p:cNvPr id="5" name="Notes Placeholder 4"/>
+          <p:cNvSpPr>
+            <a:spLocks noGrp="1"/>
+          </p:cNvSpPr>
+          <p:nvPr>
+            <p:ph type="body" sz="quarter" idx="3"/>
+          </p:nvPr>
+        </p:nvSpPr>
+        <p:spPr>
+          <a:xfrm>
+            <a:off x="685800" y="4400550"/>
+            <a:ext cx="5486400" cy="3600450"/>
+          </a:xfrm>
+          <a:prstGeom prst="rect">
+            <a:avLst/>
+          </a:prstGeom>
+        </p:spPr>
+        <p:txBody>
+          <a:bodyPr vert="horz" lIns="91440" tIns="45720" rIns="91440" bIns="45720" rtlCol="0"/>
+          <a:lstStyle/>
+          <a:p>
+            <a:pPr lvl="0"/>
+            <a:r>
+              <a:rPr lang="en-US"/>
+              <a:t>Click to edit Master text styles</a:t>
+            </a:r>
+          </a:p>
+          <a:p>
+            <a:pPr lvl="1"/>
+            <a:r>
+              <a:rPr lang="en-US"/>
+              <a:t>Second level</a:t>
+            </a:r>
+          </a:p>
+          <a:p>
+            <a:pPr lvl="2"/>
+            <a:r>
+              <a:rPr lang="en-US"/>
+              <a:t>Third level</a:t>
+            </a:r>
+          </a:p>
+          <a:p>
+            <a:pPr lvl="3"/>
+            <a:r>
+              <a:rPr lang="en-US"/>
+              <a:t>Fourth level</a:t>
+            </a:r>
+          </a:p>
+          <a:p>
+            <a:pPr lvl="4"/>
+            <a:r>
+              <a:rPr lang="en-US"/>
+              <a:t>Fifth level</a:t>
+            </a:r>
+          </a:p>
+        </p:txBody>
+      </p:sp>
+      <p:sp>
+        <p:nvSpPr>
+          <p:cNvPr id="6" name="Footer Placeholder 5"/>
+          <p:cNvSpPr>
+            <a:spLocks noGrp="1"/>
+          </p:cNvSpPr>
+          <p:nvPr>
+            <p:ph type="ftr" sz="quarter" idx="4"/>
+          </p:nvPr>
+        </p:nvSpPr>
+        <p:spPr>
+          <a:xfrm>
+            <a:off x="0" y="8685213"/>
+            <a:ext cx="2971800" cy="458787"/>
+          </a:xfrm>
+          <a:prstGeom prst="rect">
+            <a:avLst/>
+          </a:prstGeom>
+        </p:spPr>
+        <p:txBody>
+          <a:bodyPr vert="horz" lIns="91440" tIns="45720" rIns="91440" bIns="45720" rtlCol="0" anchor="b"/>
+          <a:lstStyle>
+            <a:lvl1pPr algn="l">
+              <a:defRPr sz="1200"/>
+            </a:lvl1pPr>
+          </a:lstStyle>
+          <a:p>
+            <a:endParaRPr lang="en-US"/>
+          </a:p>
+        </p:txBody>
+      </p:sp>
+      <p:sp>
+        <p:nvSpPr>
+          <p:cNvPr id="7" name="Slide Number Placeholder 6"/>
+          <p:cNvSpPr>
+            <a:spLocks noGrp="1"/>
+          </p:cNvSpPr>
+          <p:nvPr>
+            <p:ph type="sldNum" sz="quarter" idx="5"/>
+          </p:nvPr>
+        </p:nvSpPr>
+        <p:spPr>
+          <a:xfrm>
+            <a:off x="3884613" y="8685213"/>
+            <a:ext cx="2971800" cy="458787"/>
+          </a:xfrm>
+          <a:prstGeom prst="rect">
+            <a:avLst/>
+          </a:prstGeom>
+        </p:spPr>
+        <p:txBody>
+          <a:bodyPr vert="horz" lIns="91440" tIns="45720" rIns="91440" bIns="45720" rtlCol="0" anchor="b"/>
+          <a:lstStyle>
+            <a:lvl1pPr algn="r">
+              <a:defRPr sz="1200"/>
+            </a:lvl1pPr>
+          </a:lstStyle>
+          <a:p>
+            <a:fld id="{AD376983-D528-3F4C-A4B8-21596B959190}" type="slidenum">
+              <a:rPr lang="en-US" smtClean="0"/>
+              <a:t>‹#›</a:t>
+            </a:fld>
+            <a:endParaRPr lang="en-US"/>
+          </a:p>
+        </p:txBody>
+      </p:sp>
+    </p:spTree>
+    <p:extLst>
+      <p:ext uri="{BB962C8B-B14F-4D97-AF65-F5344CB8AC3E}">
+        <p14:creationId xmlns:p14="http://schemas.microsoft.com/office/powerpoint/2010/main" val="656217021"/>
+      </p:ext>
+    </p:extLst>
+  </p:cSld>
+  <p:clrMap bg1="lt1" tx1="dk1" bg2="lt2" tx2="dk2" accent1="accent1" accent2="accent2" accent3="accent3" accent4="accent4" accent5="accent5" accent6="accent6" hlink="hlink" folHlink="folHlink"/>
+  <p:notesStyle>
+    <a:lvl1pPr marL="0" algn="l" defTabSz="914400" rtl="0" eaLnBrk="1" latinLnBrk="0" hangingPunct="1">
+      <a:defRPr sz="1200" kern="1200">
+        <a:solidFill>
+          <a:schemeClr val="tx1"/>
+        </a:solidFill>
+        <a:latin typeface="+mn-lt"/>
+        <a:ea typeface="+mn-ea"/>
+        <a:cs typeface="+mn-cs"/>
+      </a:defRPr>
+    </a:lvl1pPr>
+    <a:lvl2pPr marL="457200" algn="l" defTabSz="914400" rtl="0" eaLnBrk="1" latinLnBrk="0" hangingPunct="1">
+      <a:defRPr sz="1200" kern="1200">
+        <a:solidFill>
+          <a:schemeClr val="tx1"/>
+        </a:solidFill>
+        <a:latin typeface="+mn-lt"/>
+        <a:ea typeface="+mn-ea"/>
+        <a:cs typeface="+mn-cs"/>
+      </a:defRPr>
+    </a:lvl2pPr>
+    <a:lvl3pPr marL="914400" algn="l" defTabSz="914400" rtl="0" eaLnBrk="1" latinLnBrk="0" hangingPunct="1">
+      <a:defRPr sz="1200" kern="1200">
+        <a:solidFill>
+          <a:schemeClr val="tx1"/>
+        </a:solidFill>
+        <a:latin typeface="+mn-lt"/>
+        <a:ea typeface="+mn-ea"/>
+        <a:cs typeface="+mn-cs"/>
+      </a:defRPr>
+    </a:lvl3pPr>
+    <a:lvl4pPr marL="1371600" algn="l" defTabSz="914400" rtl="0" eaLnBrk="1" latinLnBrk="0" hangingPunct="1">
+      <a:defRPr sz="1200" kern="1200">
+        <a:solidFill>
+          <a:schemeClr val="tx1"/>
+        </a:solidFill>
+        <a:latin typeface="+mn-lt"/>
+        <a:ea typeface="+mn-ea"/>
+        <a:cs typeface="+mn-cs"/>
+      </a:defRPr>
+    </a:lvl4pPr>
+    <a:lvl5pPr marL="1828800" algn="l" defTabSz="914400" rtl="0" eaLnBrk="1" latinLnBrk="0" hangingPunct="1">
+      <a:defRPr sz="1200" kern="1200">
+        <a:solidFill>
+          <a:schemeClr val="tx1"/>
+        </a:solidFill>
+        <a:latin typeface="+mn-lt"/>
+        <a:ea typeface="+mn-ea"/>
+        <a:cs typeface="+mn-cs"/>
+      </a:defRPr>
+    </a:lvl5pPr>
+    <a:lvl6pPr marL="2286000" algn="l" defTabSz="914400" rtl="0" eaLnBrk="1" latinLnBrk="0" hangingPunct="1">
+      <a:defRPr sz="1200" kern="1200">
+        <a:solidFill>
+          <a:schemeClr val="tx1"/>
+        </a:solidFill>
+        <a:latin typeface="+mn-lt"/>
+        <a:ea typeface="+mn-ea"/>
+        <a:cs typeface="+mn-cs"/>
+      </a:defRPr>
+    </a:lvl6pPr>
+    <a:lvl7pPr marL="2743200" algn="l" defTabSz="914400" rtl="0" eaLnBrk="1" latinLnBrk="0" hangingPunct="1">
+      <a:defRPr sz="1200" kern="1200">
+        <a:solidFill>
+          <a:schemeClr val="tx1"/>
+        </a:solidFill>
+        <a:latin typeface="+mn-lt"/>
+        <a:ea typeface="+mn-ea"/>
+        <a:cs typeface="+mn-cs"/>
+      </a:defRPr>
+    </a:lvl7pPr>
+    <a:lvl8pPr marL="3200400" algn="l" defTabSz="914400" rtl="0" eaLnBrk="1" latinLnBrk="0" hangingPunct="1">
+      <a:defRPr sz="1200" kern="1200">
+        <a:solidFill>
+          <a:schemeClr val="tx1"/>
+        </a:solidFill>
+        <a:latin typeface="+mn-lt"/>
+        <a:ea typeface="+mn-ea"/>
+        <a:cs typeface="+mn-cs"/>
+      </a:defRPr>
+    </a:lvl8pPr>
+    <a:lvl9pPr marL="3657600" algn="l" defTabSz="914400" rtl="0" eaLnBrk="1" latinLnBrk="0" hangingPunct="1">
+      <a:defRPr sz="1200" kern="1200">
+        <a:solidFill>
+          <a:schemeClr val="tx1"/>
+        </a:solidFill>
+        <a:latin typeface="+mn-lt"/>
+        <a:ea typeface="+mn-ea"/>
+        <a:cs typeface="+mn-cs"/>
+      </a:defRPr>
+    </a:lvl9pPr>
+  </p:notesStyle>
+</p:notesMaster>
+</file>
+
+<file path=ppt/notesSlides/notesSlide1.xml><?xml version="1.0" encoding="utf-8"?>
+<p:notes xmlns:a="http://schemas.openxmlformats.org/drawingml/2006/main" xmlns:r="http://schemas.openxmlformats.org/officeDocument/2006/relationships" xmlns:p="http://schemas.openxmlformats.org/presentationml/2006/main">
+  <p:cSld>
+    <p:spTree>
+      <p:nvGrpSpPr>
+        <p:cNvPr id="1" name=""/>
+        <p:cNvGrpSpPr/>
+        <p:nvPr/>
+      </p:nvGrpSpPr>
+      <p:grpSpPr>
+        <a:xfrm>
+          <a:off x="0" y="0"/>
+          <a:ext cx="0" cy="0"/>
+          <a:chOff x="0" y="0"/>
+          <a:chExt cx="0" cy="0"/>
+        </a:xfrm>
+      </p:grpSpPr>
+      <p:sp>
+        <p:nvSpPr>
+          <p:cNvPr id="2" name="Slide Image Placeholder 1"/>
+          <p:cNvSpPr>
+            <a:spLocks noGrp="1" noRot="1" noChangeAspect="1"/>
+          </p:cNvSpPr>
+          <p:nvPr>
+            <p:ph type="sldImg"/>
+          </p:nvPr>
+        </p:nvSpPr>
+        <p:spPr/>
+      </p:sp>
+      <p:sp>
+        <p:nvSpPr>
+          <p:cNvPr id="3" name="Notes Placeholder 2"/>
+          <p:cNvSpPr>
+            <a:spLocks noGrp="1"/>
+          </p:cNvSpPr>
+          <p:nvPr>
+            <p:ph type="body" idx="1"/>
+          </p:nvPr>
+        </p:nvSpPr>
+        <p:spPr/>
+        <p:txBody>
+          <a:bodyPr/>
+          <a:lstStyle/>
+          <a:p>
+            <a:endParaRPr lang="en-US" dirty="0"/>
+          </a:p>
+        </p:txBody>
+      </p:sp>
+      <p:sp>
+        <p:nvSpPr>
+          <p:cNvPr id="4" name="Slide Number Placeholder 3"/>
+          <p:cNvSpPr>
+            <a:spLocks noGrp="1"/>
+          </p:cNvSpPr>
+          <p:nvPr>
+            <p:ph type="sldNum" sz="quarter" idx="5"/>
+          </p:nvPr>
+        </p:nvSpPr>
+        <p:spPr/>
+        <p:txBody>
+          <a:bodyPr/>
+          <a:lstStyle/>
+          <a:p>
+            <a:fld id="{AD376983-D528-3F4C-A4B8-21596B959190}" type="slidenum">
+              <a:rPr lang="en-US" smtClean="0"/>
+              <a:t>8</a:t>
+            </a:fld>
+            <a:endParaRPr lang="en-US"/>
+          </a:p>
+        </p:txBody>
+      </p:sp>
+    </p:spTree>
+    <p:extLst>
+      <p:ext uri="{BB962C8B-B14F-4D97-AF65-F5344CB8AC3E}">
+        <p14:creationId xmlns:p14="http://schemas.microsoft.com/office/powerpoint/2010/main" val="829785404"/>
+      </p:ext>
+    </p:extLst>
+  </p:cSld>
+  <p:clrMapOvr>
+    <a:masterClrMapping/>
+  </p:clrMapOvr>
+</p:notes>
+</file>
+
 <file path=ppt/slideLayouts/slideLayout1.xml><?xml version="1.0" encoding="utf-8"?>
 <p:sldLayout xmlns:a="http://schemas.openxmlformats.org/drawingml/2006/main" xmlns:r="http://schemas.openxmlformats.org/officeDocument/2006/relationships" xmlns:p="http://schemas.openxmlformats.org/presentationml/2006/main" showMasterSp="0" type="title" preserve="1">
   <p:cSld name="Title Slide">
@@ -9361,7 +10379,7 @@
           <a:p>
             <a:fld id="{5BCAD085-E8A6-8845-BD4E-CB4CCA059FC4}" type="datetimeFigureOut">
               <a:rPr lang="en-US" smtClean="0"/>
-              <a:t>10/24/24</a:t>
+              <a:t>12/7/24</a:t>
             </a:fld>
             <a:endParaRPr lang="en-US"/>
           </a:p>
@@ -9568,7 +10586,7 @@
           <a:p>
             <a:fld id="{5BCAD085-E8A6-8845-BD4E-CB4CCA059FC4}" type="datetimeFigureOut">
               <a:rPr lang="en-US" smtClean="0"/>
-              <a:t>10/24/24</a:t>
+              <a:t>12/7/24</a:t>
             </a:fld>
             <a:endParaRPr lang="en-US"/>
           </a:p>
@@ -9748,7 +10766,7 @@
           <a:p>
             <a:fld id="{5BCAD085-E8A6-8845-BD4E-CB4CCA059FC4}" type="datetimeFigureOut">
               <a:rPr lang="en-US" smtClean="0"/>
-              <a:t>10/24/24</a:t>
+              <a:t>12/7/24</a:t>
             </a:fld>
             <a:endParaRPr lang="en-US"/>
           </a:p>
@@ -9953,7 +10971,7 @@
           <a:p>
             <a:fld id="{5BCAD085-E8A6-8845-BD4E-CB4CCA059FC4}" type="datetimeFigureOut">
               <a:rPr lang="en-US" smtClean="0"/>
-              <a:t>10/24/24</a:t>
+              <a:t>12/7/24</a:t>
             </a:fld>
             <a:endParaRPr lang="en-US"/>
           </a:p>
@@ -16691,7 +17709,7 @@
           <a:p>
             <a:fld id="{5BCAD085-E8A6-8845-BD4E-CB4CCA059FC4}" type="datetimeFigureOut">
               <a:rPr lang="en-US" smtClean="0"/>
-              <a:t>10/24/24</a:t>
+              <a:t>12/7/24</a:t>
             </a:fld>
             <a:endParaRPr lang="en-US"/>
           </a:p>
@@ -16965,7 +17983,7 @@
           <a:p>
             <a:fld id="{5BCAD085-E8A6-8845-BD4E-CB4CCA059FC4}" type="datetimeFigureOut">
               <a:rPr lang="en-US" smtClean="0"/>
-              <a:t>10/24/24</a:t>
+              <a:t>12/7/24</a:t>
             </a:fld>
             <a:endParaRPr lang="en-US"/>
           </a:p>
@@ -17368,7 +18386,7 @@
           <a:p>
             <a:fld id="{5BCAD085-E8A6-8845-BD4E-CB4CCA059FC4}" type="datetimeFigureOut">
               <a:rPr lang="en-US" smtClean="0"/>
-              <a:t>10/24/24</a:t>
+              <a:t>12/7/24</a:t>
             </a:fld>
             <a:endParaRPr lang="en-US"/>
           </a:p>
@@ -17486,7 +18504,7 @@
           <a:p>
             <a:fld id="{5BCAD085-E8A6-8845-BD4E-CB4CCA059FC4}" type="datetimeFigureOut">
               <a:rPr lang="en-US" smtClean="0"/>
-              <a:t>10/24/24</a:t>
+              <a:t>12/7/24</a:t>
             </a:fld>
             <a:endParaRPr lang="en-US"/>
           </a:p>
@@ -17581,7 +18599,7 @@
           <a:p>
             <a:fld id="{5BCAD085-E8A6-8845-BD4E-CB4CCA059FC4}" type="datetimeFigureOut">
               <a:rPr lang="en-US" smtClean="0"/>
-              <a:t>10/24/24</a:t>
+              <a:t>12/7/24</a:t>
             </a:fld>
             <a:endParaRPr lang="en-US"/>
           </a:p>
@@ -17873,7 +18891,7 @@
           <a:p>
             <a:fld id="{5BCAD085-E8A6-8845-BD4E-CB4CCA059FC4}" type="datetimeFigureOut">
               <a:rPr lang="en-US" smtClean="0"/>
-              <a:t>10/24/24</a:t>
+              <a:t>12/7/24</a:t>
             </a:fld>
             <a:endParaRPr lang="en-US"/>
           </a:p>
@@ -18153,7 +19171,7 @@
           <a:p>
             <a:fld id="{5BCAD085-E8A6-8845-BD4E-CB4CCA059FC4}" type="datetimeFigureOut">
               <a:rPr lang="en-US" smtClean="0"/>
-              <a:t>10/24/24</a:t>
+              <a:t>12/7/24</a:t>
             </a:fld>
             <a:endParaRPr lang="en-US"/>
           </a:p>
@@ -18403,7 +19421,7 @@
           <a:p>
             <a:fld id="{5BCAD085-E8A6-8845-BD4E-CB4CCA059FC4}" type="datetimeFigureOut">
               <a:rPr lang="en-US" smtClean="0"/>
-              <a:t>10/24/24</a:t>
+              <a:t>12/7/24</a:t>
             </a:fld>
             <a:endParaRPr lang="en-US"/>
           </a:p>
@@ -18913,636 +19931,12 @@
           <a:chExt cx="0" cy="0"/>
         </a:xfrm>
       </p:grpSpPr>
-      <p:cxnSp>
-        <p:nvCxnSpPr>
-          <p:cNvPr id="16" name="Straight Connector 15">
+      <p:sp useBgFill="1">
+        <p:nvSpPr>
+          <p:cNvPr id="30" name="Rectangle 29">
             <a:extLst>
               <a:ext uri="{FF2B5EF4-FFF2-40B4-BE49-F238E27FC236}">
-                <a16:creationId xmlns:a16="http://schemas.microsoft.com/office/drawing/2014/main" id="{15F1CC53-719A-4763-BF30-5E25A63CEF3C}"/>
-              </a:ext>
-              <a:ext uri="{C183D7F6-B498-43B3-948B-1728B52AA6E4}">
-                <adec:decorative xmlns:adec="http://schemas.microsoft.com/office/drawing/2017/decorative" val="1"/>
-              </a:ext>
-            </a:extLst>
-          </p:cNvPr>
-          <p:cNvCxnSpPr>
-            <a:cxnSpLocks noGrp="1" noRot="1" noChangeAspect="1" noMove="1" noResize="1" noEditPoints="1" noAdjustHandles="1" noChangeArrowheads="1" noChangeShapeType="1"/>
-          </p:cNvCxnSpPr>
-          <p:nvPr>
-            <p:extLst>
-              <p:ext uri="{386F3935-93C4-4BCD-93E2-E3B085C9AB24}">
-                <p16:designElem xmlns:p16="http://schemas.microsoft.com/office/powerpoint/2015/main" val="1"/>
-              </p:ext>
-            </p:extLst>
-          </p:nvPr>
-        </p:nvCxnSpPr>
-        <p:spPr>
-          <a:xfrm flipV="1">
-            <a:off x="571500" y="826324"/>
-            <a:ext cx="0" cy="914400"/>
-          </a:xfrm>
-          <a:prstGeom prst="line">
-            <a:avLst/>
-          </a:prstGeom>
-          <a:ln w="19050">
-            <a:solidFill>
-              <a:schemeClr val="accent1"/>
-            </a:solidFill>
-          </a:ln>
-        </p:spPr>
-        <p:style>
-          <a:lnRef idx="1">
-            <a:schemeClr val="accent1"/>
-          </a:lnRef>
-          <a:fillRef idx="0">
-            <a:schemeClr val="accent1"/>
-          </a:fillRef>
-          <a:effectRef idx="0">
-            <a:schemeClr val="accent1"/>
-          </a:effectRef>
-          <a:fontRef idx="minor">
-            <a:schemeClr val="tx1"/>
-          </a:fontRef>
-        </p:style>
-      </p:cxnSp>
-      <p:sp>
-        <p:nvSpPr>
-          <p:cNvPr id="18" name="Rectangle 17">
-            <a:extLst>
-              <a:ext uri="{FF2B5EF4-FFF2-40B4-BE49-F238E27FC236}">
-                <a16:creationId xmlns:a16="http://schemas.microsoft.com/office/drawing/2014/main" id="{4038CB10-1F5C-4D54-9DF7-12586DE5B007}"/>
-              </a:ext>
-              <a:ext uri="{C183D7F6-B498-43B3-948B-1728B52AA6E4}">
-                <adec:decorative xmlns:adec="http://schemas.microsoft.com/office/drawing/2017/decorative" val="1"/>
-              </a:ext>
-            </a:extLst>
-          </p:cNvPr>
-          <p:cNvSpPr>
-            <a:spLocks noGrp="1" noRot="1" noChangeAspect="1" noMove="1" noResize="1" noEditPoints="1" noAdjustHandles="1" noChangeArrowheads="1" noChangeShapeType="1" noTextEdit="1"/>
-          </p:cNvSpPr>
-          <p:nvPr>
-            <p:extLst>
-              <p:ext uri="{386F3935-93C4-4BCD-93E2-E3B085C9AB24}">
-                <p16:designElem xmlns:p16="http://schemas.microsoft.com/office/powerpoint/2015/main" val="1"/>
-              </p:ext>
-            </p:extLst>
-          </p:nvPr>
-        </p:nvSpPr>
-        <p:spPr>
-          <a:xfrm>
-            <a:off x="245659" y="4572000"/>
-            <a:ext cx="5293730" cy="1964266"/>
-          </a:xfrm>
-          <a:prstGeom prst="rect">
-            <a:avLst/>
-          </a:prstGeom>
-          <a:solidFill>
-            <a:schemeClr val="accent1"/>
-          </a:solidFill>
-          <a:ln>
-            <a:noFill/>
-          </a:ln>
-        </p:spPr>
-        <p:style>
-          <a:lnRef idx="2">
-            <a:schemeClr val="accent1">
-              <a:shade val="50000"/>
-            </a:schemeClr>
-          </a:lnRef>
-          <a:fillRef idx="1">
-            <a:schemeClr val="accent1"/>
-          </a:fillRef>
-          <a:effectRef idx="0">
-            <a:schemeClr val="accent1"/>
-          </a:effectRef>
-          <a:fontRef idx="minor">
-            <a:schemeClr val="lt1"/>
-          </a:fontRef>
-        </p:style>
-        <p:txBody>
-          <a:bodyPr rtlCol="0" anchor="ctr"/>
-          <a:lstStyle/>
-          <a:p>
-            <a:pPr algn="ctr"/>
-            <a:endParaRPr lang="en-US"/>
-          </a:p>
-        </p:txBody>
-      </p:sp>
-      <p:sp>
-        <p:nvSpPr>
-          <p:cNvPr id="2" name="Title 1"/>
-          <p:cNvSpPr>
-            <a:spLocks noGrp="1"/>
-          </p:cNvSpPr>
-          <p:nvPr>
-            <p:ph type="ctrTitle"/>
-          </p:nvPr>
-        </p:nvSpPr>
-        <p:spPr>
-          <a:xfrm>
-            <a:off x="393192" y="4767072"/>
-            <a:ext cx="4945641" cy="1625210"/>
-          </a:xfrm>
-        </p:spPr>
-        <p:txBody>
-          <a:bodyPr vert="horz" lIns="91440" tIns="45720" rIns="91440" bIns="45720" rtlCol="0" anchor="ctr">
-            <a:normAutofit/>
-          </a:bodyPr>
-          <a:lstStyle/>
-          <a:p>
-            <a:r>
-              <a:rPr lang="en-US" sz="5000" spc="100">
-                <a:solidFill>
-                  <a:srgbClr val="FFFFFF"/>
-                </a:solidFill>
-              </a:rPr>
-              <a:t>Financial Product Recommendation</a:t>
-            </a:r>
-          </a:p>
-        </p:txBody>
-      </p:sp>
-      <p:pic>
-        <p:nvPicPr>
-          <p:cNvPr id="5" name="Picture 4" descr="A miniature bull and bear percentages on a paper printed with the stock price list">
-            <a:extLst>
-              <a:ext uri="{FF2B5EF4-FFF2-40B4-BE49-F238E27FC236}">
-                <a16:creationId xmlns:a16="http://schemas.microsoft.com/office/drawing/2014/main" id="{93E99CAD-7345-30E6-CD8B-CEAC9BA8D896}"/>
-              </a:ext>
-            </a:extLst>
-          </p:cNvPr>
-          <p:cNvPicPr>
-            <a:picLocks noChangeAspect="1"/>
-          </p:cNvPicPr>
-          <p:nvPr/>
-        </p:nvPicPr>
-        <p:blipFill>
-          <a:blip r:embed="rId2"/>
-          <a:srcRect r="3336" b="-2"/>
-          <a:stretch/>
-        </p:blipFill>
-        <p:spPr>
-          <a:xfrm>
-            <a:off x="245660" y="321733"/>
-            <a:ext cx="5293729" cy="4107392"/>
-          </a:xfrm>
-          <a:prstGeom prst="rect">
-            <a:avLst/>
-          </a:prstGeom>
-        </p:spPr>
-      </p:pic>
-      <p:sp>
-        <p:nvSpPr>
-          <p:cNvPr id="20" name="Rectangle 19">
-            <a:extLst>
-              <a:ext uri="{FF2B5EF4-FFF2-40B4-BE49-F238E27FC236}">
-                <a16:creationId xmlns:a16="http://schemas.microsoft.com/office/drawing/2014/main" id="{73ED6512-6858-4552-B699-9A97FE9A4EA2}"/>
-              </a:ext>
-              <a:ext uri="{C183D7F6-B498-43B3-948B-1728B52AA6E4}">
-                <adec:decorative xmlns:adec="http://schemas.microsoft.com/office/drawing/2017/decorative" val="1"/>
-              </a:ext>
-            </a:extLst>
-          </p:cNvPr>
-          <p:cNvSpPr>
-            <a:spLocks noGrp="1" noRot="1" noChangeAspect="1" noMove="1" noResize="1" noEditPoints="1" noAdjustHandles="1" noChangeArrowheads="1" noChangeShapeType="1" noTextEdit="1"/>
-          </p:cNvSpPr>
-          <p:nvPr>
-            <p:extLst>
-              <p:ext uri="{386F3935-93C4-4BCD-93E2-E3B085C9AB24}">
-                <p16:designElem xmlns:p16="http://schemas.microsoft.com/office/powerpoint/2015/main" val="1"/>
-              </p:ext>
-            </p:extLst>
-          </p:nvPr>
-        </p:nvSpPr>
-        <p:spPr>
-          <a:xfrm>
-            <a:off x="5650991" y="321732"/>
-            <a:ext cx="3251710" cy="6214534"/>
-          </a:xfrm>
-          <a:prstGeom prst="rect">
-            <a:avLst/>
-          </a:prstGeom>
-          <a:solidFill>
-            <a:srgbClr val="404040"/>
-          </a:solidFill>
-          <a:ln>
-            <a:noFill/>
-          </a:ln>
-        </p:spPr>
-        <p:style>
-          <a:lnRef idx="2">
-            <a:schemeClr val="accent1">
-              <a:shade val="50000"/>
-            </a:schemeClr>
-          </a:lnRef>
-          <a:fillRef idx="1">
-            <a:schemeClr val="accent1"/>
-          </a:fillRef>
-          <a:effectRef idx="0">
-            <a:schemeClr val="accent1"/>
-          </a:effectRef>
-          <a:fontRef idx="minor">
-            <a:schemeClr val="lt1"/>
-          </a:fontRef>
-        </p:style>
-        <p:txBody>
-          <a:bodyPr rtlCol="0" anchor="ctr"/>
-          <a:lstStyle/>
-          <a:p>
-            <a:pPr algn="ctr"/>
-            <a:endParaRPr lang="en-US"/>
-          </a:p>
-        </p:txBody>
-      </p:sp>
-      <p:sp>
-        <p:nvSpPr>
-          <p:cNvPr id="3" name="Subtitle 2"/>
-          <p:cNvSpPr>
-            <a:spLocks noGrp="1"/>
-          </p:cNvSpPr>
-          <p:nvPr>
-            <p:ph type="subTitle" idx="1"/>
-          </p:nvPr>
-        </p:nvSpPr>
-        <p:spPr>
-          <a:xfrm>
-            <a:off x="6021989" y="917725"/>
-            <a:ext cx="2568554" cy="4852362"/>
-          </a:xfrm>
-        </p:spPr>
-        <p:txBody>
-          <a:bodyPr vert="horz" lIns="45720" tIns="45720" rIns="45720" bIns="45720" rtlCol="0" anchor="ctr">
-            <a:normAutofit/>
-          </a:bodyPr>
-          <a:lstStyle/>
-          <a:p>
-            <a:pPr>
-              <a:lnSpc>
-                <a:spcPct val="90000"/>
-              </a:lnSpc>
-            </a:pPr>
-            <a:r>
-              <a:rPr lang="en-US">
-                <a:solidFill>
-                  <a:srgbClr val="FFFFFF"/>
-                </a:solidFill>
-              </a:rPr>
-              <a:t>Bhargav Devarapalli</a:t>
-            </a:r>
-          </a:p>
-          <a:p>
-            <a:pPr>
-              <a:lnSpc>
-                <a:spcPct val="90000"/>
-              </a:lnSpc>
-            </a:pPr>
-            <a:endParaRPr lang="en-US">
-              <a:solidFill>
-                <a:srgbClr val="FFFFFF"/>
-              </a:solidFill>
-            </a:endParaRPr>
-          </a:p>
-          <a:p>
-            <a:pPr>
-              <a:lnSpc>
-                <a:spcPct val="90000"/>
-              </a:lnSpc>
-            </a:pPr>
-            <a:r>
-              <a:rPr lang="en-US">
-                <a:solidFill>
-                  <a:srgbClr val="FFFFFF"/>
-                </a:solidFill>
-              </a:rPr>
-              <a:t>Linkedin : </a:t>
-            </a:r>
-            <a:r>
-              <a:rPr lang="en-US">
-                <a:solidFill>
-                  <a:srgbClr val="FFFFFF"/>
-                </a:solidFill>
-                <a:hlinkClick r:id="rId3"/>
-              </a:rPr>
-              <a:t>https://www.linkedin.com/in/bhargavdevarapalli/</a:t>
-            </a:r>
-            <a:endParaRPr lang="en-US">
-              <a:solidFill>
-                <a:srgbClr val="FFFFFF"/>
-              </a:solidFill>
-            </a:endParaRPr>
-          </a:p>
-          <a:p>
-            <a:pPr>
-              <a:lnSpc>
-                <a:spcPct val="90000"/>
-              </a:lnSpc>
-            </a:pPr>
-            <a:endParaRPr lang="en-US">
-              <a:solidFill>
-                <a:srgbClr val="FFFFFF"/>
-              </a:solidFill>
-            </a:endParaRPr>
-          </a:p>
-          <a:p>
-            <a:pPr>
-              <a:lnSpc>
-                <a:spcPct val="90000"/>
-              </a:lnSpc>
-            </a:pPr>
-            <a:r>
-              <a:rPr lang="en-US">
-                <a:solidFill>
-                  <a:srgbClr val="FFFFFF"/>
-                </a:solidFill>
-              </a:rPr>
-              <a:t>Github : </a:t>
-            </a:r>
-            <a:r>
-              <a:rPr lang="en-US">
-                <a:solidFill>
-                  <a:srgbClr val="FFFFFF"/>
-                </a:solidFill>
-                <a:hlinkClick r:id="rId4"/>
-              </a:rPr>
-              <a:t>https://github.com/bhargavddb/Finance_Final_Project</a:t>
-            </a:r>
-            <a:endParaRPr lang="en-US">
-              <a:solidFill>
-                <a:srgbClr val="FFFFFF"/>
-              </a:solidFill>
-            </a:endParaRPr>
-          </a:p>
-          <a:p>
-            <a:pPr>
-              <a:lnSpc>
-                <a:spcPct val="90000"/>
-              </a:lnSpc>
-            </a:pPr>
-            <a:endParaRPr lang="en-US">
-              <a:solidFill>
-                <a:srgbClr val="FFFFFF"/>
-              </a:solidFill>
-            </a:endParaRPr>
-          </a:p>
-        </p:txBody>
-      </p:sp>
-    </p:spTree>
-  </p:cSld>
-  <p:clrMapOvr>
-    <a:masterClrMapping/>
-  </p:clrMapOvr>
-</p:sld>
-</file>
-
-<file path=ppt/slides/slide2.xml><?xml version="1.0" encoding="utf-8"?>
-<p:sld xmlns:a="http://schemas.openxmlformats.org/drawingml/2006/main" xmlns:r="http://schemas.openxmlformats.org/officeDocument/2006/relationships" xmlns:p="http://schemas.openxmlformats.org/presentationml/2006/main">
-  <p:cSld>
-    <p:bg>
-      <p:bgPr>
-        <a:solidFill>
-          <a:schemeClr val="bg2"/>
-        </a:solidFill>
-        <a:effectLst/>
-      </p:bgPr>
-    </p:bg>
-    <p:spTree>
-      <p:nvGrpSpPr>
-        <p:cNvPr id="1" name=""/>
-        <p:cNvGrpSpPr/>
-        <p:nvPr/>
-      </p:nvGrpSpPr>
-      <p:grpSpPr>
-        <a:xfrm>
-          <a:off x="0" y="0"/>
-          <a:ext cx="0" cy="0"/>
-          <a:chOff x="0" y="0"/>
-          <a:chExt cx="0" cy="0"/>
-        </a:xfrm>
-      </p:grpSpPr>
-      <p:pic>
-        <p:nvPicPr>
-          <p:cNvPr id="4" name="Picture 3">
-            <a:extLst>
-              <a:ext uri="{FF2B5EF4-FFF2-40B4-BE49-F238E27FC236}">
-                <a16:creationId xmlns:a16="http://schemas.microsoft.com/office/drawing/2014/main" id="{4303B1A9-EDF3-49AF-8013-65876801735D}"/>
-              </a:ext>
-            </a:extLst>
-          </p:cNvPr>
-          <p:cNvPicPr>
-            <a:picLocks noChangeAspect="1"/>
-          </p:cNvPicPr>
-          <p:nvPr/>
-        </p:nvPicPr>
-        <p:blipFill>
-          <a:blip r:embed="rId2">
-            <a:duotone>
-              <a:prstClr val="black"/>
-              <a:schemeClr val="tx2">
-                <a:tint val="45000"/>
-                <a:satMod val="400000"/>
-              </a:schemeClr>
-            </a:duotone>
-            <a:alphaModFix amt="25000"/>
-          </a:blip>
-          <a:srcRect r="19334" b="1"/>
-          <a:stretch/>
-        </p:blipFill>
-        <p:spPr>
-          <a:xfrm>
-            <a:off x="20" y="10"/>
-            <a:ext cx="9143980" cy="6857990"/>
-          </a:xfrm>
-          <a:prstGeom prst="rect">
-            <a:avLst/>
-          </a:prstGeom>
-        </p:spPr>
-      </p:pic>
-      <p:sp>
-        <p:nvSpPr>
-          <p:cNvPr id="2" name="Title 1">
-            <a:extLst>
-              <a:ext uri="{FF2B5EF4-FFF2-40B4-BE49-F238E27FC236}">
-                <a16:creationId xmlns:a16="http://schemas.microsoft.com/office/drawing/2014/main" id="{F4BB3152-2FD1-4D54-C941-76E5FFCD4412}"/>
-              </a:ext>
-            </a:extLst>
-          </p:cNvPr>
-          <p:cNvSpPr>
-            <a:spLocks noGrp="1"/>
-          </p:cNvSpPr>
-          <p:nvPr>
-            <p:ph type="title"/>
-          </p:nvPr>
-        </p:nvSpPr>
-        <p:spPr>
-          <a:xfrm>
-            <a:off x="768096" y="585216"/>
-            <a:ext cx="7290054" cy="1499616"/>
-          </a:xfrm>
-        </p:spPr>
-        <p:txBody>
-          <a:bodyPr>
-            <a:normAutofit/>
-          </a:bodyPr>
-          <a:lstStyle/>
-          <a:p>
-            <a:r>
-              <a:rPr lang="en-US">
-                <a:solidFill>
-                  <a:schemeClr val="tx1"/>
-                </a:solidFill>
-              </a:rPr>
-              <a:t>Project Overview</a:t>
-            </a:r>
-          </a:p>
-        </p:txBody>
-      </p:sp>
-      <p:cxnSp>
-        <p:nvCxnSpPr>
-          <p:cNvPr id="18" name="Straight Connector 17">
-            <a:extLst>
-              <a:ext uri="{FF2B5EF4-FFF2-40B4-BE49-F238E27FC236}">
-                <a16:creationId xmlns:a16="http://schemas.microsoft.com/office/drawing/2014/main" id="{5ECB1430-5CD1-470D-8F0F-7EDE4C790297}"/>
-              </a:ext>
-              <a:ext uri="{C183D7F6-B498-43B3-948B-1728B52AA6E4}">
-                <adec:decorative xmlns:adec="http://schemas.microsoft.com/office/drawing/2017/decorative" val="1"/>
-              </a:ext>
-            </a:extLst>
-          </p:cNvPr>
-          <p:cNvCxnSpPr>
-            <a:cxnSpLocks noGrp="1" noRot="1" noChangeAspect="1" noMove="1" noResize="1" noEditPoints="1" noAdjustHandles="1" noChangeArrowheads="1" noChangeShapeType="1"/>
-          </p:cNvCxnSpPr>
-          <p:nvPr>
-            <p:extLst>
-              <p:ext uri="{386F3935-93C4-4BCD-93E2-E3B085C9AB24}">
-                <p16:designElem xmlns:p16="http://schemas.microsoft.com/office/powerpoint/2015/main" val="1"/>
-              </p:ext>
-            </p:extLst>
-          </p:nvPr>
-        </p:nvCxnSpPr>
-        <p:spPr>
-          <a:xfrm flipV="1">
-            <a:off x="571500" y="826324"/>
-            <a:ext cx="0" cy="914400"/>
-          </a:xfrm>
-          <a:prstGeom prst="line">
-            <a:avLst/>
-          </a:prstGeom>
-          <a:ln w="19050">
-            <a:solidFill>
-              <a:schemeClr val="tx1">
-                <a:alpha val="80000"/>
-              </a:schemeClr>
-            </a:solidFill>
-          </a:ln>
-        </p:spPr>
-        <p:style>
-          <a:lnRef idx="1">
-            <a:schemeClr val="accent1"/>
-          </a:lnRef>
-          <a:fillRef idx="0">
-            <a:schemeClr val="accent1"/>
-          </a:fillRef>
-          <a:effectRef idx="0">
-            <a:schemeClr val="accent1"/>
-          </a:effectRef>
-          <a:fontRef idx="minor">
-            <a:schemeClr val="tx1"/>
-          </a:fontRef>
-        </p:style>
-      </p:cxnSp>
-      <p:sp>
-        <p:nvSpPr>
-          <p:cNvPr id="3" name="Content Placeholder 2">
-            <a:extLst>
-              <a:ext uri="{FF2B5EF4-FFF2-40B4-BE49-F238E27FC236}">
-                <a16:creationId xmlns:a16="http://schemas.microsoft.com/office/drawing/2014/main" id="{9C75D6D4-6394-9165-3DAE-EE20E15AC814}"/>
-              </a:ext>
-            </a:extLst>
-          </p:cNvPr>
-          <p:cNvSpPr>
-            <a:spLocks noGrp="1"/>
-          </p:cNvSpPr>
-          <p:nvPr>
-            <p:ph idx="1"/>
-          </p:nvPr>
-        </p:nvSpPr>
-        <p:spPr>
-          <a:xfrm>
-            <a:off x="768096" y="2286000"/>
-            <a:ext cx="7290054" cy="4023360"/>
-          </a:xfrm>
-        </p:spPr>
-        <p:txBody>
-          <a:bodyPr>
-            <a:normAutofit/>
-          </a:bodyPr>
-          <a:lstStyle/>
-          <a:p>
-            <a:r>
-              <a:rPr lang="en-US" b="0">
-                <a:effectLst/>
-                <a:latin typeface="Menlo" panose="020B0609030804020204" pitchFamily="49" charset="0"/>
-              </a:rPr>
-              <a:t>This project aims to build a machine learning model that predicts an individual's income bracket based on demographic and employment-related features such as age, work class, education, and hours worked per week. The income brackets are divided into two categories: `&lt;= 50K` and `&gt; 50K`. </a:t>
-            </a:r>
-          </a:p>
-          <a:p>
-            <a:r>
-              <a:rPr lang="en-US" b="0">
-                <a:effectLst/>
-                <a:latin typeface="Menlo" panose="020B0609030804020204" pitchFamily="49" charset="0"/>
-              </a:rPr>
-              <a:t>The ultimate goal of this prediction is to recommend suitable financial products to individuals, such as stocks, credit cards, or loan offers based on their income group.</a:t>
-            </a:r>
-          </a:p>
-          <a:p>
-            <a:endParaRPr lang="en-US"/>
-          </a:p>
-        </p:txBody>
-      </p:sp>
-    </p:spTree>
-    <p:extLst>
-      <p:ext uri="{BB962C8B-B14F-4D97-AF65-F5344CB8AC3E}">
-        <p14:creationId xmlns:p14="http://schemas.microsoft.com/office/powerpoint/2010/main" val="2902531994"/>
-      </p:ext>
-    </p:extLst>
-  </p:cSld>
-  <p:clrMapOvr>
-    <a:overrideClrMapping bg1="dk1" tx1="lt1" bg2="dk2" tx2="lt2" accent1="accent1" accent2="accent2" accent3="accent3" accent4="accent4" accent5="accent5" accent6="accent6" hlink="hlink" folHlink="folHlink"/>
-  </p:clrMapOvr>
-</p:sld>
-</file>
-
-<file path=ppt/slides/slide3.xml><?xml version="1.0" encoding="utf-8"?>
-<p:sld xmlns:a="http://schemas.openxmlformats.org/drawingml/2006/main" xmlns:r="http://schemas.openxmlformats.org/officeDocument/2006/relationships" xmlns:p="http://schemas.openxmlformats.org/presentationml/2006/main">
-  <p:cSld>
-    <p:bg>
-      <p:bgPr>
-        <a:solidFill>
-          <a:schemeClr val="bg1"/>
-        </a:solidFill>
-        <a:effectLst/>
-      </p:bgPr>
-    </p:bg>
-    <p:spTree>
-      <p:nvGrpSpPr>
-        <p:cNvPr id="1" name=""/>
-        <p:cNvGrpSpPr/>
-        <p:nvPr/>
-      </p:nvGrpSpPr>
-      <p:grpSpPr>
-        <a:xfrm>
-          <a:off x="0" y="0"/>
-          <a:ext cx="0" cy="0"/>
-          <a:chOff x="0" y="0"/>
-          <a:chExt cx="0" cy="0"/>
-        </a:xfrm>
-      </p:grpSpPr>
-      <p:sp useBgFill="1">
-        <p:nvSpPr>
-          <p:cNvPr id="16" name="Rectangle 15">
-            <a:extLst>
-              <a:ext uri="{FF2B5EF4-FFF2-40B4-BE49-F238E27FC236}">
-                <a16:creationId xmlns:a16="http://schemas.microsoft.com/office/drawing/2014/main" id="{90AAC386-A18D-4525-AD1B-4D227ED34C84}"/>
+                <a16:creationId xmlns:a16="http://schemas.microsoft.com/office/drawing/2014/main" id="{87DED590-291C-4D46-BBE6-EE5F0C44D6DE}"/>
               </a:ext>
               <a:ext uri="{C183D7F6-B498-43B3-948B-1728B52AA6E4}">
                 <adec:decorative xmlns:adec="http://schemas.microsoft.com/office/drawing/2017/decorative" val="1"/>
@@ -19599,7 +19993,523 @@
       </p:sp>
       <p:sp>
         <p:nvSpPr>
+          <p:cNvPr id="31" name="Rectangle 30">
+            <a:extLst>
+              <a:ext uri="{FF2B5EF4-FFF2-40B4-BE49-F238E27FC236}">
+                <a16:creationId xmlns:a16="http://schemas.microsoft.com/office/drawing/2014/main" id="{081EC9D6-90B6-4037-BCD1-DF32371E212A}"/>
+              </a:ext>
+              <a:ext uri="{C183D7F6-B498-43B3-948B-1728B52AA6E4}">
+                <adec:decorative xmlns:adec="http://schemas.microsoft.com/office/drawing/2017/decorative" val="1"/>
+              </a:ext>
+            </a:extLst>
+          </p:cNvPr>
+          <p:cNvSpPr>
+            <a:spLocks noGrp="1" noRot="1" noChangeAspect="1" noMove="1" noResize="1" noEditPoints="1" noAdjustHandles="1" noChangeArrowheads="1" noChangeShapeType="1" noTextEdit="1"/>
+          </p:cNvSpPr>
+          <p:nvPr>
+            <p:extLst>
+              <p:ext uri="{386F3935-93C4-4BCD-93E2-E3B085C9AB24}">
+                <p16:designElem xmlns:p16="http://schemas.microsoft.com/office/powerpoint/2015/main" val="1"/>
+              </p:ext>
+            </p:extLst>
+          </p:nvPr>
+        </p:nvSpPr>
+        <p:spPr>
+          <a:xfrm>
+            <a:off x="363474" y="486184"/>
+            <a:ext cx="2436391" cy="5885632"/>
+          </a:xfrm>
+          <a:prstGeom prst="rect">
+            <a:avLst/>
+          </a:prstGeom>
+          <a:solidFill>
+            <a:schemeClr val="tx1">
+              <a:lumMod val="75000"/>
+              <a:lumOff val="25000"/>
+            </a:schemeClr>
+          </a:solidFill>
+          <a:ln>
+            <a:noFill/>
+          </a:ln>
+        </p:spPr>
+        <p:style>
+          <a:lnRef idx="2">
+            <a:schemeClr val="accent1">
+              <a:shade val="50000"/>
+            </a:schemeClr>
+          </a:lnRef>
+          <a:fillRef idx="1">
+            <a:schemeClr val="accent1"/>
+          </a:fillRef>
+          <a:effectRef idx="0">
+            <a:schemeClr val="accent1"/>
+          </a:effectRef>
+          <a:fontRef idx="minor">
+            <a:schemeClr val="lt1"/>
+          </a:fontRef>
+        </p:style>
+        <p:txBody>
+          <a:bodyPr rtlCol="0" anchor="ctr"/>
+          <a:lstStyle/>
+          <a:p>
+            <a:pPr algn="ctr"/>
+            <a:endParaRPr lang="en-US"/>
+          </a:p>
+        </p:txBody>
+      </p:sp>
+      <p:sp>
+        <p:nvSpPr>
+          <p:cNvPr id="3" name="Subtitle 2"/>
+          <p:cNvSpPr>
+            <a:spLocks noGrp="1"/>
+          </p:cNvSpPr>
+          <p:nvPr>
+            <p:ph type="subTitle" idx="1"/>
+          </p:nvPr>
+        </p:nvSpPr>
+        <p:spPr>
+          <a:xfrm>
+            <a:off x="576363" y="858475"/>
+            <a:ext cx="1972296" cy="5141050"/>
+          </a:xfrm>
+        </p:spPr>
+        <p:txBody>
+          <a:bodyPr vert="horz" lIns="45720" tIns="45720" rIns="45720" bIns="45720" rtlCol="0">
+            <a:normAutofit/>
+          </a:bodyPr>
+          <a:lstStyle/>
+          <a:p>
+            <a:pPr algn="r"/>
+            <a:r>
+              <a:rPr lang="en-US" sz="2100" dirty="0">
+                <a:solidFill>
+                  <a:schemeClr val="bg1"/>
+                </a:solidFill>
+              </a:rPr>
+              <a:t>Bhargav Devarapalli</a:t>
+            </a:r>
+          </a:p>
+          <a:p>
+            <a:pPr algn="r"/>
+            <a:endParaRPr lang="en-US" sz="2100" dirty="0">
+              <a:solidFill>
+                <a:schemeClr val="bg1"/>
+              </a:solidFill>
+            </a:endParaRPr>
+          </a:p>
+          <a:p>
+            <a:pPr algn="r"/>
+            <a:r>
+              <a:rPr lang="en-US" sz="2100" dirty="0" err="1">
+                <a:solidFill>
+                  <a:schemeClr val="bg1"/>
+                </a:solidFill>
+              </a:rPr>
+              <a:t>Linkedin</a:t>
+            </a:r>
+            <a:r>
+              <a:rPr lang="en-US" sz="2100" dirty="0">
+                <a:solidFill>
+                  <a:schemeClr val="bg1"/>
+                </a:solidFill>
+              </a:rPr>
+              <a:t> : </a:t>
+            </a:r>
+            <a:r>
+              <a:rPr lang="en-US" sz="2100" dirty="0">
+                <a:solidFill>
+                  <a:schemeClr val="bg1"/>
+                </a:solidFill>
+                <a:hlinkClick r:id="rId2"/>
+              </a:rPr>
+              <a:t>https://www.linkedin.com/in/bhargavdevarapalli/</a:t>
+            </a:r>
+            <a:endParaRPr lang="en-US" sz="2100" dirty="0">
+              <a:solidFill>
+                <a:schemeClr val="bg1"/>
+              </a:solidFill>
+            </a:endParaRPr>
+          </a:p>
+          <a:p>
+            <a:pPr algn="r"/>
+            <a:endParaRPr lang="en-US" sz="2100" dirty="0">
+              <a:solidFill>
+                <a:schemeClr val="bg1"/>
+              </a:solidFill>
+            </a:endParaRPr>
+          </a:p>
+          <a:p>
+            <a:pPr algn="r"/>
+            <a:r>
+              <a:rPr lang="en-US" sz="2100" dirty="0" err="1">
+                <a:solidFill>
+                  <a:schemeClr val="bg1"/>
+                </a:solidFill>
+              </a:rPr>
+              <a:t>Github</a:t>
+            </a:r>
+            <a:r>
+              <a:rPr lang="en-US" sz="2100" dirty="0">
+                <a:solidFill>
+                  <a:schemeClr val="bg1"/>
+                </a:solidFill>
+              </a:rPr>
+              <a:t> : </a:t>
+            </a:r>
+            <a:r>
+              <a:rPr lang="en-US" sz="2100" u="sng" dirty="0">
+                <a:solidFill>
+                  <a:srgbClr val="00B050"/>
+                </a:solidFill>
+                <a:hlinkClick r:id="rId3">
+                  <a:extLst>
+                    <a:ext uri="{A12FA001-AC4F-418D-AE19-62706E023703}">
+                      <ahyp:hlinkClr xmlns:ahyp="http://schemas.microsoft.com/office/drawing/2018/hyperlinkcolor" val="tx"/>
+                    </a:ext>
+                  </a:extLst>
+                </a:hlinkClick>
+              </a:rPr>
+              <a:t>https://github.com/bhargavddb/</a:t>
+            </a:r>
+            <a:r>
+              <a:rPr lang="en-US" sz="2100" u="sng" dirty="0" err="1">
+                <a:solidFill>
+                  <a:srgbClr val="00B050"/>
+                </a:solidFill>
+              </a:rPr>
+              <a:t>Brainstation_Final_Project</a:t>
+            </a:r>
+            <a:endParaRPr lang="en-US" sz="2100" u="sng" dirty="0">
+              <a:solidFill>
+                <a:srgbClr val="00B050"/>
+              </a:solidFill>
+            </a:endParaRPr>
+          </a:p>
+        </p:txBody>
+      </p:sp>
+      <p:pic>
+        <p:nvPicPr>
+          <p:cNvPr id="5" name="Picture 4" descr="A miniature bull and bear percentages on a paper printed with the stock price list">
+            <a:extLst>
+              <a:ext uri="{FF2B5EF4-FFF2-40B4-BE49-F238E27FC236}">
+                <a16:creationId xmlns:a16="http://schemas.microsoft.com/office/drawing/2014/main" id="{93E99CAD-7345-30E6-CD8B-CEAC9BA8D896}"/>
+              </a:ext>
+            </a:extLst>
+          </p:cNvPr>
+          <p:cNvPicPr>
+            <a:picLocks noChangeAspect="1"/>
+          </p:cNvPicPr>
+          <p:nvPr/>
+        </p:nvPicPr>
+        <p:blipFill>
+          <a:blip r:embed="rId4">
+            <a:duotone>
+              <a:schemeClr val="accent1">
+                <a:shade val="45000"/>
+                <a:satMod val="135000"/>
+              </a:schemeClr>
+              <a:prstClr val="white"/>
+            </a:duotone>
+          </a:blip>
+          <a:srcRect l="8040" r="17465" b="1"/>
+          <a:stretch/>
+        </p:blipFill>
+        <p:spPr>
+          <a:xfrm>
+            <a:off x="2923308" y="486184"/>
+            <a:ext cx="5846042" cy="5885632"/>
+          </a:xfrm>
+          <a:prstGeom prst="rect">
+            <a:avLst/>
+          </a:prstGeom>
+        </p:spPr>
+      </p:pic>
+      <p:sp>
+        <p:nvSpPr>
+          <p:cNvPr id="29" name="Rectangle 28">
+            <a:extLst>
+              <a:ext uri="{FF2B5EF4-FFF2-40B4-BE49-F238E27FC236}">
+                <a16:creationId xmlns:a16="http://schemas.microsoft.com/office/drawing/2014/main" id="{09DFC1FD-759F-47F1-B791-6DD75BB7FFF6}"/>
+              </a:ext>
+              <a:ext uri="{C183D7F6-B498-43B3-948B-1728B52AA6E4}">
+                <adec:decorative xmlns:adec="http://schemas.microsoft.com/office/drawing/2017/decorative" val="1"/>
+              </a:ext>
+            </a:extLst>
+          </p:cNvPr>
+          <p:cNvSpPr>
+            <a:spLocks noGrp="1" noRot="1" noChangeAspect="1" noMove="1" noResize="1" noEditPoints="1" noAdjustHandles="1" noChangeArrowheads="1" noChangeShapeType="1" noTextEdit="1"/>
+          </p:cNvSpPr>
+          <p:nvPr>
+            <p:extLst>
+              <p:ext uri="{386F3935-93C4-4BCD-93E2-E3B085C9AB24}">
+                <p16:designElem xmlns:p16="http://schemas.microsoft.com/office/powerpoint/2015/main" val="1"/>
+              </p:ext>
+            </p:extLst>
+          </p:nvPr>
+        </p:nvSpPr>
+        <p:spPr>
+          <a:xfrm>
+            <a:off x="2923308" y="486184"/>
+            <a:ext cx="5846042" cy="5885631"/>
+          </a:xfrm>
+          <a:prstGeom prst="rect">
+            <a:avLst/>
+          </a:prstGeom>
+          <a:solidFill>
+            <a:schemeClr val="accent1">
+              <a:alpha val="69000"/>
+            </a:schemeClr>
+          </a:solidFill>
+          <a:ln>
+            <a:noFill/>
+          </a:ln>
+        </p:spPr>
+        <p:style>
+          <a:lnRef idx="2">
+            <a:schemeClr val="accent1">
+              <a:shade val="50000"/>
+            </a:schemeClr>
+          </a:lnRef>
+          <a:fillRef idx="1">
+            <a:schemeClr val="accent1"/>
+          </a:fillRef>
+          <a:effectRef idx="0">
+            <a:schemeClr val="accent1"/>
+          </a:effectRef>
+          <a:fontRef idx="minor">
+            <a:schemeClr val="lt1"/>
+          </a:fontRef>
+        </p:style>
+        <p:txBody>
+          <a:bodyPr rtlCol="0" anchor="ctr"/>
+          <a:lstStyle/>
+          <a:p>
+            <a:pPr algn="ctr"/>
+            <a:endParaRPr lang="en-US"/>
+          </a:p>
+        </p:txBody>
+      </p:sp>
+      <p:sp>
+        <p:nvSpPr>
           <p:cNvPr id="2" name="Title 1"/>
+          <p:cNvSpPr>
+            <a:spLocks noGrp="1"/>
+          </p:cNvSpPr>
+          <p:nvPr>
+            <p:ph type="ctrTitle"/>
+          </p:nvPr>
+        </p:nvSpPr>
+        <p:spPr>
+          <a:xfrm>
+            <a:off x="3224719" y="858475"/>
+            <a:ext cx="5238344" cy="5141050"/>
+          </a:xfrm>
+        </p:spPr>
+        <p:txBody>
+          <a:bodyPr vert="horz" lIns="91440" tIns="45720" rIns="91440" bIns="45720" rtlCol="0">
+            <a:normAutofit/>
+          </a:bodyPr>
+          <a:lstStyle/>
+          <a:p>
+            <a:pPr algn="l"/>
+            <a:r>
+              <a:rPr lang="en-US" sz="5200" spc="100" dirty="0">
+                <a:solidFill>
+                  <a:srgbClr val="FFFFFF"/>
+                </a:solidFill>
+              </a:rPr>
+              <a:t>Financial Product Recommendation APP </a:t>
+            </a:r>
+            <a:br>
+              <a:rPr lang="en-US" sz="5200" spc="100" dirty="0">
+                <a:solidFill>
+                  <a:srgbClr val="FFFFFF"/>
+                </a:solidFill>
+              </a:rPr>
+            </a:br>
+            <a:br>
+              <a:rPr lang="en-US" sz="5200" spc="100" dirty="0">
+                <a:solidFill>
+                  <a:srgbClr val="FFFFFF"/>
+                </a:solidFill>
+              </a:rPr>
+            </a:br>
+            <a:r>
+              <a:rPr lang="en-US" sz="5200" spc="100" dirty="0">
+                <a:solidFill>
+                  <a:srgbClr val="FFFFFF"/>
+                </a:solidFill>
+              </a:rPr>
+              <a:t>	   PATRON</a:t>
+            </a:r>
+          </a:p>
+        </p:txBody>
+      </p:sp>
+    </p:spTree>
+  </p:cSld>
+  <p:clrMapOvr>
+    <a:masterClrMapping/>
+  </p:clrMapOvr>
+</p:sld>
+</file>
+
+<file path=ppt/slides/slide2.xml><?xml version="1.0" encoding="utf-8"?>
+<p:sld xmlns:a="http://schemas.openxmlformats.org/drawingml/2006/main" xmlns:r="http://schemas.openxmlformats.org/officeDocument/2006/relationships" xmlns:p="http://schemas.openxmlformats.org/presentationml/2006/main">
+  <p:cSld>
+    <p:bg>
+      <p:bgPr>
+        <a:solidFill>
+          <a:schemeClr val="bg1"/>
+        </a:solidFill>
+        <a:effectLst/>
+      </p:bgPr>
+    </p:bg>
+    <p:spTree>
+      <p:nvGrpSpPr>
+        <p:cNvPr id="1" name=""/>
+        <p:cNvGrpSpPr/>
+        <p:nvPr/>
+      </p:nvGrpSpPr>
+      <p:grpSpPr>
+        <a:xfrm>
+          <a:off x="0" y="0"/>
+          <a:ext cx="0" cy="0"/>
+          <a:chOff x="0" y="0"/>
+          <a:chExt cx="0" cy="0"/>
+        </a:xfrm>
+      </p:grpSpPr>
+      <p:sp useBgFill="1">
+        <p:nvSpPr>
+          <p:cNvPr id="23" name="Rectangle 22">
+            <a:extLst>
+              <a:ext uri="{FF2B5EF4-FFF2-40B4-BE49-F238E27FC236}">
+                <a16:creationId xmlns:a16="http://schemas.microsoft.com/office/drawing/2014/main" id="{CBDDD243-ED5F-4896-B18B-ABCF4B7E12C9}"/>
+              </a:ext>
+              <a:ext uri="{C183D7F6-B498-43B3-948B-1728B52AA6E4}">
+                <adec:decorative xmlns:adec="http://schemas.microsoft.com/office/drawing/2017/decorative" val="1"/>
+              </a:ext>
+            </a:extLst>
+          </p:cNvPr>
+          <p:cNvSpPr>
+            <a:spLocks noGrp="1" noRot="1" noChangeAspect="1" noMove="1" noResize="1" noEditPoints="1" noAdjustHandles="1" noChangeArrowheads="1" noChangeShapeType="1" noTextEdit="1"/>
+          </p:cNvSpPr>
+          <p:nvPr>
+            <p:extLst>
+              <p:ext uri="{386F3935-93C4-4BCD-93E2-E3B085C9AB24}">
+                <p16:designElem xmlns:p16="http://schemas.microsoft.com/office/powerpoint/2015/main" val="1"/>
+              </p:ext>
+            </p:extLst>
+          </p:nvPr>
+        </p:nvSpPr>
+        <p:spPr>
+          <a:xfrm>
+            <a:off x="0" y="0"/>
+            <a:ext cx="9141714" cy="4572000"/>
+          </a:xfrm>
+          <a:prstGeom prst="rect">
+            <a:avLst/>
+          </a:prstGeom>
+          <a:ln>
+            <a:noFill/>
+          </a:ln>
+        </p:spPr>
+        <p:style>
+          <a:lnRef idx="2">
+            <a:schemeClr val="accent1">
+              <a:shade val="50000"/>
+            </a:schemeClr>
+          </a:lnRef>
+          <a:fillRef idx="1">
+            <a:schemeClr val="accent1"/>
+          </a:fillRef>
+          <a:effectRef idx="0">
+            <a:schemeClr val="accent1"/>
+          </a:effectRef>
+          <a:fontRef idx="minor">
+            <a:schemeClr val="lt1"/>
+          </a:fontRef>
+        </p:style>
+        <p:txBody>
+          <a:bodyPr rtlCol="0" anchor="ctr"/>
+          <a:lstStyle/>
+          <a:p>
+            <a:pPr algn="ctr"/>
+            <a:endParaRPr lang="en-US"/>
+          </a:p>
+        </p:txBody>
+      </p:sp>
+      <p:sp>
+        <p:nvSpPr>
+          <p:cNvPr id="25" name="Rectangle 24">
+            <a:extLst>
+              <a:ext uri="{FF2B5EF4-FFF2-40B4-BE49-F238E27FC236}">
+                <a16:creationId xmlns:a16="http://schemas.microsoft.com/office/drawing/2014/main" id="{319E6BB3-DF2B-4751-97C5-B3DB949AED9A}"/>
+              </a:ext>
+              <a:ext uri="{C183D7F6-B498-43B3-948B-1728B52AA6E4}">
+                <adec:decorative xmlns:adec="http://schemas.microsoft.com/office/drawing/2017/decorative" val="1"/>
+              </a:ext>
+            </a:extLst>
+          </p:cNvPr>
+          <p:cNvSpPr>
+            <a:spLocks noGrp="1" noRot="1" noChangeAspect="1" noMove="1" noResize="1" noEditPoints="1" noAdjustHandles="1" noChangeArrowheads="1" noChangeShapeType="1" noTextEdit="1"/>
+          </p:cNvSpPr>
+          <p:nvPr>
+            <p:extLst>
+              <p:ext uri="{386F3935-93C4-4BCD-93E2-E3B085C9AB24}">
+                <p16:designElem xmlns:p16="http://schemas.microsoft.com/office/powerpoint/2015/main" val="1"/>
+              </p:ext>
+            </p:extLst>
+          </p:nvPr>
+        </p:nvSpPr>
+        <p:spPr>
+          <a:xfrm>
+            <a:off x="0" y="4571998"/>
+            <a:ext cx="9141714" cy="2285543"/>
+          </a:xfrm>
+          <a:prstGeom prst="rect">
+            <a:avLst/>
+          </a:prstGeom>
+          <a:solidFill>
+            <a:schemeClr val="accent1"/>
+          </a:solidFill>
+          <a:ln>
+            <a:noFill/>
+          </a:ln>
+        </p:spPr>
+        <p:style>
+          <a:lnRef idx="2">
+            <a:schemeClr val="accent1">
+              <a:shade val="50000"/>
+            </a:schemeClr>
+          </a:lnRef>
+          <a:fillRef idx="1">
+            <a:schemeClr val="accent1"/>
+          </a:fillRef>
+          <a:effectRef idx="0">
+            <a:schemeClr val="accent1"/>
+          </a:effectRef>
+          <a:fontRef idx="minor">
+            <a:schemeClr val="lt1"/>
+          </a:fontRef>
+        </p:style>
+        <p:txBody>
+          <a:bodyPr rtlCol="0" anchor="ctr"/>
+          <a:lstStyle/>
+          <a:p>
+            <a:pPr algn="ctr"/>
+            <a:endParaRPr lang="en-US"/>
+          </a:p>
+        </p:txBody>
+      </p:sp>
+      <p:sp>
+        <p:nvSpPr>
+          <p:cNvPr id="2" name="Title 1">
+            <a:extLst>
+              <a:ext uri="{FF2B5EF4-FFF2-40B4-BE49-F238E27FC236}">
+                <a16:creationId xmlns:a16="http://schemas.microsoft.com/office/drawing/2014/main" id="{F4BB3152-2FD1-4D54-C941-76E5FFCD4412}"/>
+              </a:ext>
+            </a:extLst>
+          </p:cNvPr>
           <p:cNvSpPr>
             <a:spLocks noGrp="1"/>
           </p:cNvSpPr>
@@ -19609,8 +20519,8 @@
         </p:nvSpPr>
         <p:spPr>
           <a:xfrm>
-            <a:off x="6097404" y="643467"/>
-            <a:ext cx="2604756" cy="5571066"/>
+            <a:off x="768096" y="4911819"/>
+            <a:ext cx="7290054" cy="1499616"/>
           </a:xfrm>
         </p:spPr>
         <p:txBody>
@@ -19620,19 +20530,65 @@
           <a:lstStyle/>
           <a:p>
             <a:r>
-              <a:rPr lang="en-US"/>
-              <a:t>Data Loading and Cleaning</a:t>
+              <a:rPr lang="en-US">
+                <a:solidFill>
+                  <a:srgbClr val="FFFFFF"/>
+                </a:solidFill>
+              </a:rPr>
+              <a:t>Project Overview</a:t>
             </a:r>
-            <a:endParaRPr lang="en-US" dirty="0"/>
+          </a:p>
+        </p:txBody>
+      </p:sp>
+      <p:sp>
+        <p:nvSpPr>
+          <p:cNvPr id="3" name="Content Placeholder 2">
+            <a:extLst>
+              <a:ext uri="{FF2B5EF4-FFF2-40B4-BE49-F238E27FC236}">
+                <a16:creationId xmlns:a16="http://schemas.microsoft.com/office/drawing/2014/main" id="{9C75D6D4-6394-9165-3DAE-EE20E15AC814}"/>
+              </a:ext>
+            </a:extLst>
+          </p:cNvPr>
+          <p:cNvSpPr>
+            <a:spLocks noGrp="1"/>
+          </p:cNvSpPr>
+          <p:nvPr>
+            <p:ph idx="1"/>
+          </p:nvPr>
+        </p:nvSpPr>
+        <p:spPr>
+          <a:xfrm>
+            <a:off x="92149" y="643467"/>
+            <a:ext cx="4423144" cy="3606798"/>
+          </a:xfrm>
+        </p:spPr>
+        <p:txBody>
+          <a:bodyPr anchor="ctr">
+            <a:normAutofit/>
+          </a:bodyPr>
+          <a:lstStyle/>
+          <a:p>
+            <a:r>
+              <a:rPr lang="en-US" sz="1700" dirty="0"/>
+              <a:t>Patron is a </a:t>
+            </a:r>
+            <a:r>
+              <a:rPr lang="en-US" sz="1700" dirty="0" err="1"/>
+              <a:t>Streamlit</a:t>
+            </a:r>
+            <a:r>
+              <a:rPr lang="en-US" sz="1700" dirty="0"/>
+              <a:t>-based application designed to recommend financial products to users based on their demographic data and predicted income category. This tool uses machine learning models and clustering techniques to provide tailored recommendations.</a:t>
+            </a:r>
           </a:p>
         </p:txBody>
       </p:sp>
       <p:cxnSp>
         <p:nvCxnSpPr>
-          <p:cNvPr id="18" name="Straight Connector 17">
+          <p:cNvPr id="27" name="Straight Connector 26">
             <a:extLst>
               <a:ext uri="{FF2B5EF4-FFF2-40B4-BE49-F238E27FC236}">
-                <a16:creationId xmlns:a16="http://schemas.microsoft.com/office/drawing/2014/main" id="{C34C4AD0-FE94-4E84-ACA6-CC5BF1A11822}"/>
+                <a16:creationId xmlns:a16="http://schemas.microsoft.com/office/drawing/2014/main" id="{A61721DD-D110-44EE-82A7-D56AB687E614}"/>
               </a:ext>
               <a:ext uri="{C183D7F6-B498-43B3-948B-1728B52AA6E4}">
                 <adec:decorative xmlns:adec="http://schemas.microsoft.com/office/drawing/2017/decorative" val="1"/>
@@ -19652,15 +20608,15 @@
         </p:nvCxnSpPr>
         <p:spPr>
           <a:xfrm flipV="1">
-            <a:off x="5890097" y="2514600"/>
-            <a:ext cx="0" cy="1828800"/>
+            <a:off x="571500" y="5204427"/>
+            <a:ext cx="0" cy="914400"/>
           </a:xfrm>
           <a:prstGeom prst="line">
             <a:avLst/>
           </a:prstGeom>
           <a:ln w="19050">
             <a:solidFill>
-              <a:schemeClr val="accent1"/>
+              <a:srgbClr val="FFFFFF"/>
             </a:solidFill>
           </a:ln>
         </p:spPr>
@@ -19679,6 +20635,103 @@
           </a:fontRef>
         </p:style>
       </p:cxnSp>
+      <p:pic>
+        <p:nvPicPr>
+          <p:cNvPr id="10" name="Picture 9">
+            <a:extLst>
+              <a:ext uri="{FF2B5EF4-FFF2-40B4-BE49-F238E27FC236}">
+                <a16:creationId xmlns:a16="http://schemas.microsoft.com/office/drawing/2014/main" id="{6764255D-7206-16E3-BD1E-AE99CB1E33B9}"/>
+              </a:ext>
+            </a:extLst>
+          </p:cNvPr>
+          <p:cNvPicPr>
+            <a:picLocks noChangeAspect="1"/>
+          </p:cNvPicPr>
+          <p:nvPr/>
+        </p:nvPicPr>
+        <p:blipFill>
+          <a:blip r:embed="rId2"/>
+          <a:stretch>
+            <a:fillRect/>
+          </a:stretch>
+        </p:blipFill>
+        <p:spPr>
+          <a:xfrm>
+            <a:off x="4805914" y="1523229"/>
+            <a:ext cx="3886201" cy="1905771"/>
+          </a:xfrm>
+          <a:prstGeom prst="rect">
+            <a:avLst/>
+          </a:prstGeom>
+        </p:spPr>
+      </p:pic>
+    </p:spTree>
+    <p:extLst>
+      <p:ext uri="{BB962C8B-B14F-4D97-AF65-F5344CB8AC3E}">
+        <p14:creationId xmlns:p14="http://schemas.microsoft.com/office/powerpoint/2010/main" val="2902531994"/>
+      </p:ext>
+    </p:extLst>
+  </p:cSld>
+  <p:clrMapOvr>
+    <a:masterClrMapping/>
+  </p:clrMapOvr>
+</p:sld>
+</file>
+
+<file path=ppt/slides/slide3.xml><?xml version="1.0" encoding="utf-8"?>
+<p:sld xmlns:a="http://schemas.openxmlformats.org/drawingml/2006/main" xmlns:r="http://schemas.openxmlformats.org/officeDocument/2006/relationships" xmlns:p="http://schemas.openxmlformats.org/presentationml/2006/main">
+  <p:cSld>
+    <p:bg>
+      <p:bgPr>
+        <a:solidFill>
+          <a:schemeClr val="bg1"/>
+        </a:solidFill>
+        <a:effectLst/>
+      </p:bgPr>
+    </p:bg>
+    <p:spTree>
+      <p:nvGrpSpPr>
+        <p:cNvPr id="1" name=""/>
+        <p:cNvGrpSpPr/>
+        <p:nvPr/>
+      </p:nvGrpSpPr>
+      <p:grpSpPr>
+        <a:xfrm>
+          <a:off x="0" y="0"/>
+          <a:ext cx="0" cy="0"/>
+          <a:chOff x="0" y="0"/>
+          <a:chExt cx="0" cy="0"/>
+        </a:xfrm>
+      </p:grpSpPr>
+      <p:sp>
+        <p:nvSpPr>
+          <p:cNvPr id="2" name="Title 1"/>
+          <p:cNvSpPr>
+            <a:spLocks noGrp="1"/>
+          </p:cNvSpPr>
+          <p:nvPr>
+            <p:ph type="title"/>
+          </p:nvPr>
+        </p:nvSpPr>
+        <p:spPr>
+          <a:xfrm>
+            <a:off x="768096" y="585216"/>
+            <a:ext cx="7290054" cy="1499616"/>
+          </a:xfrm>
+        </p:spPr>
+        <p:txBody>
+          <a:bodyPr>
+            <a:normAutofit/>
+          </a:bodyPr>
+          <a:lstStyle/>
+          <a:p>
+            <a:r>
+              <a:rPr lang="en-US" dirty="0"/>
+              <a:t>Data Loading and Cleaning</a:t>
+            </a:r>
+          </a:p>
+        </p:txBody>
+      </p:sp>
       <p:graphicFrame>
         <p:nvGraphicFramePr>
           <p:cNvPr id="12" name="Content Placeholder 2">
@@ -19695,14 +20748,14 @@
             <p:ph idx="1"/>
             <p:extLst>
               <p:ext uri="{D42A27DB-BD31-4B8C-83A1-F6EECF244321}">
-                <p14:modId xmlns:p14="http://schemas.microsoft.com/office/powerpoint/2010/main" val="1283052773"/>
+                <p14:modId xmlns:p14="http://schemas.microsoft.com/office/powerpoint/2010/main" val="2976861729"/>
               </p:ext>
             </p:extLst>
           </p:nvPr>
         </p:nvGraphicFramePr>
         <p:xfrm>
-          <a:off x="707231" y="933450"/>
-          <a:ext cx="4947047" cy="4941888"/>
+          <a:off x="767954" y="1913861"/>
+          <a:ext cx="7290054" cy="1332614"/>
         </p:xfrm>
         <a:graphic>
           <a:graphicData uri="http://schemas.openxmlformats.org/drawingml/2006/diagram">
@@ -19710,6 +20763,36 @@
           </a:graphicData>
         </a:graphic>
       </p:graphicFrame>
+      <p:pic>
+        <p:nvPicPr>
+          <p:cNvPr id="5" name="Picture 4">
+            <a:extLst>
+              <a:ext uri="{FF2B5EF4-FFF2-40B4-BE49-F238E27FC236}">
+                <a16:creationId xmlns:a16="http://schemas.microsoft.com/office/drawing/2014/main" id="{4FEC18D0-F4C0-CF45-D81A-EA4C56DD000F}"/>
+              </a:ext>
+            </a:extLst>
+          </p:cNvPr>
+          <p:cNvPicPr>
+            <a:picLocks noChangeAspect="1"/>
+          </p:cNvPicPr>
+          <p:nvPr/>
+        </p:nvPicPr>
+        <p:blipFill>
+          <a:blip r:embed="rId7"/>
+          <a:stretch>
+            <a:fillRect/>
+          </a:stretch>
+        </p:blipFill>
+        <p:spPr>
+          <a:xfrm>
+            <a:off x="767954" y="3429001"/>
+            <a:ext cx="7290054" cy="3428716"/>
+          </a:xfrm>
+          <a:prstGeom prst="rect">
+            <a:avLst/>
+          </a:prstGeom>
+        </p:spPr>
+      </p:pic>
     </p:spTree>
   </p:cSld>
   <p:clrMapOvr>
@@ -19745,7 +20828,7 @@
       </p:grpSpPr>
       <p:sp>
         <p:nvSpPr>
-          <p:cNvPr id="11" name="Rectangle 10">
+          <p:cNvPr id="27" name="Rectangle 26">
             <a:extLst>
               <a:ext uri="{FF2B5EF4-FFF2-40B4-BE49-F238E27FC236}">
                 <a16:creationId xmlns:a16="http://schemas.microsoft.com/office/drawing/2014/main" id="{AF33E8FA-62A1-405A-A3BB-8A52F04E426C}"/>
@@ -19836,12 +20919,17 @@
               </a:rPr>
               <a:t>Exploratory Data Analysis</a:t>
             </a:r>
+            <a:endParaRPr lang="en-US" sz="4200" dirty="0">
+              <a:solidFill>
+                <a:srgbClr val="FFFFFF"/>
+              </a:solidFill>
+            </a:endParaRPr>
           </a:p>
         </p:txBody>
       </p:sp>
       <p:cxnSp>
         <p:nvCxnSpPr>
-          <p:cNvPr id="21" name="Straight Connector 20">
+          <p:cNvPr id="29" name="Straight Connector 28">
             <a:extLst>
               <a:ext uri="{FF2B5EF4-FFF2-40B4-BE49-F238E27FC236}">
                 <a16:creationId xmlns:a16="http://schemas.microsoft.com/office/drawing/2014/main" id="{825504A6-8E9F-4F9F-844E-DD46402BE026}"/>
@@ -19896,7 +20984,7 @@
       </p:cxnSp>
       <p:sp>
         <p:nvSpPr>
-          <p:cNvPr id="3" name="Content Placeholder 2"/>
+          <p:cNvPr id="35" name="Content Placeholder 2"/>
           <p:cNvSpPr>
             <a:spLocks noGrp="1"/>
           </p:cNvSpPr>
@@ -19916,61 +21004,198 @@
           </a:bodyPr>
           <a:lstStyle/>
           <a:p>
+            <a:pPr marL="173736" lvl="1" indent="0">
+              <a:buNone/>
+            </a:pPr>
             <a:r>
-              <a:rPr lang="en-US" sz="1600">
+              <a:rPr lang="en-US" sz="1200" dirty="0">
                 <a:solidFill>
                   <a:srgbClr val="FFFFFF"/>
                 </a:solidFill>
               </a:rPr>
-              <a:t>• Key relationships explored between features and income:</a:t>
+              <a:t>1) Most People work for Private Sector. Self Employed People has &gt;50% change of having Higher Income </a:t>
             </a:r>
           </a:p>
           <a:p>
+            <a:pPr marL="173736" lvl="1" indent="0">
+              <a:buNone/>
+            </a:pPr>
             <a:r>
-              <a:rPr lang="en-US" sz="1600">
+              <a:rPr lang="en-US" sz="1200" dirty="0">
                 <a:solidFill>
                   <a:srgbClr val="FFFFFF"/>
                 </a:solidFill>
               </a:rPr>
-              <a:t>    - Age: Income increases with age, peaking in middle age.</a:t>
+              <a:t>2) </a:t>
             </a:r>
-          </a:p>
-          <a:p>
             <a:r>
-              <a:rPr lang="en-US" sz="1600">
+              <a:rPr lang="en-US" sz="1200" dirty="0" err="1">
                 <a:solidFill>
                   <a:srgbClr val="FFFFFF"/>
                 </a:solidFill>
               </a:rPr>
-              <a:t>    - Education: Higher education levels correlate with higher income.</a:t>
+              <a:t>Captial</a:t>
             </a:r>
-          </a:p>
-          <a:p>
             <a:r>
-              <a:rPr lang="en-US" sz="1600">
+              <a:rPr lang="en-US" sz="1200" dirty="0">
                 <a:solidFill>
                   <a:srgbClr val="FFFFFF"/>
                 </a:solidFill>
               </a:rPr>
-              <a:t>    - Gender and Marital Status: Income disparities exist across gender and marital status.</a:t>
+              <a:t> Gain column has outliers and if the Gain is &gt;5k there is a 80 % of Higer Income(&gt; 50K) </a:t>
             </a:r>
           </a:p>
           <a:p>
+            <a:pPr marL="173736" lvl="1" indent="0">
+              <a:buNone/>
+            </a:pPr>
             <a:r>
-              <a:rPr lang="en-US" sz="1600">
+              <a:rPr lang="en-US" sz="1200" dirty="0">
                 <a:solidFill>
                   <a:srgbClr val="FFFFFF"/>
                 </a:solidFill>
               </a:rPr>
-              <a:t>    - Hours Worked: Positive correlation between hours worked per week and income.</a:t>
+              <a:t>3) Males tend to earn more than Women in terms of Higher Income </a:t>
             </a:r>
           </a:p>
           <a:p>
-            <a:endParaRPr lang="en-US" sz="1600">
-              <a:solidFill>
-                <a:srgbClr val="FFFFFF"/>
-              </a:solidFill>
-            </a:endParaRPr>
+            <a:pPr marL="173736" lvl="1" indent="0">
+              <a:buNone/>
+            </a:pPr>
+            <a:r>
+              <a:rPr lang="en-US" sz="1200" dirty="0">
+                <a:solidFill>
+                  <a:srgbClr val="FFFFFF"/>
+                </a:solidFill>
+              </a:rPr>
+              <a:t>4) Married People have better chance of having Higher Income </a:t>
+            </a:r>
+          </a:p>
+          <a:p>
+            <a:pPr marL="173736" lvl="1" indent="0">
+              <a:buNone/>
+            </a:pPr>
+            <a:r>
+              <a:rPr lang="en-US" sz="1200" dirty="0">
+                <a:solidFill>
+                  <a:srgbClr val="FFFFFF"/>
+                </a:solidFill>
+              </a:rPr>
+              <a:t>5) Occupations like (Executives and Professionals) will have higher chance of earning &gt;50 K </a:t>
+            </a:r>
+          </a:p>
+          <a:p>
+            <a:pPr marL="173736" lvl="1" indent="0">
+              <a:buNone/>
+            </a:pPr>
+            <a:r>
+              <a:rPr lang="en-US" sz="1200" dirty="0">
+                <a:solidFill>
+                  <a:srgbClr val="FFFFFF"/>
+                </a:solidFill>
+              </a:rPr>
+              <a:t>6) People with Higer </a:t>
+            </a:r>
+            <a:r>
+              <a:rPr lang="en-US" sz="1200" dirty="0" err="1">
+                <a:solidFill>
+                  <a:srgbClr val="FFFFFF"/>
+                </a:solidFill>
+              </a:rPr>
+              <a:t>degress</a:t>
+            </a:r>
+            <a:r>
+              <a:rPr lang="en-US" sz="1200" dirty="0">
+                <a:solidFill>
+                  <a:srgbClr val="FFFFFF"/>
+                </a:solidFill>
+              </a:rPr>
+              <a:t>( Bachelors and Above) will have higher chance of earning &gt;50 K</a:t>
+            </a:r>
+          </a:p>
+          <a:p>
+            <a:pPr marL="173736" lvl="1" indent="0">
+              <a:buNone/>
+            </a:pPr>
+            <a:r>
+              <a:rPr lang="en-US" sz="1200" dirty="0">
+                <a:solidFill>
+                  <a:srgbClr val="FFFFFF"/>
+                </a:solidFill>
+              </a:rPr>
+              <a:t>7) Looks like there is no significant Correlation between All the Numerical Columns and therefore we will have to keep all the three Columns - Age, Educational-</a:t>
+            </a:r>
+            <a:r>
+              <a:rPr lang="en-US" sz="1200" dirty="0" err="1">
+                <a:solidFill>
+                  <a:srgbClr val="FFFFFF"/>
+                </a:solidFill>
+              </a:rPr>
+              <a:t>Number,Hours</a:t>
+            </a:r>
+            <a:r>
+              <a:rPr lang="en-US" sz="1200" dirty="0">
+                <a:solidFill>
+                  <a:srgbClr val="FFFFFF"/>
+                </a:solidFill>
+              </a:rPr>
+              <a:t>-per-Week </a:t>
+            </a:r>
+          </a:p>
+          <a:p>
+            <a:pPr marL="173736" lvl="1" indent="0">
+              <a:buNone/>
+            </a:pPr>
+            <a:r>
+              <a:rPr lang="en-US" sz="1200" dirty="0">
+                <a:solidFill>
+                  <a:srgbClr val="FFFFFF"/>
+                </a:solidFill>
+              </a:rPr>
+              <a:t>8) Tested the above mentioned point through Logistic Regression model and found same three columns to be effective </a:t>
+            </a:r>
+          </a:p>
+          <a:p>
+            <a:pPr marL="173736" lvl="1" indent="0">
+              <a:buNone/>
+            </a:pPr>
+            <a:r>
+              <a:rPr lang="en-US" sz="1200" dirty="0">
+                <a:solidFill>
+                  <a:srgbClr val="FFFFFF"/>
+                </a:solidFill>
+              </a:rPr>
+              <a:t>9) Hours Worked has a significant impact on the Income </a:t>
+            </a:r>
+          </a:p>
+          <a:p>
+            <a:pPr marL="173736" lvl="1" indent="0">
+              <a:buNone/>
+            </a:pPr>
+            <a:r>
+              <a:rPr lang="en-US" sz="1200" dirty="0">
+                <a:solidFill>
+                  <a:srgbClr val="FFFFFF"/>
+                </a:solidFill>
+              </a:rPr>
+              <a:t>10) Men tend to get </a:t>
+            </a:r>
+            <a:r>
+              <a:rPr lang="en-US" sz="1200" dirty="0" err="1">
+                <a:solidFill>
+                  <a:srgbClr val="FFFFFF"/>
+                </a:solidFill>
+              </a:rPr>
+              <a:t>paided</a:t>
+            </a:r>
+            <a:r>
+              <a:rPr lang="en-US" sz="1200" dirty="0">
+                <a:solidFill>
+                  <a:srgbClr val="FFFFFF"/>
+                </a:solidFill>
+              </a:rPr>
+              <a:t> higher compared to Women</a:t>
+            </a:r>
           </a:p>
         </p:txBody>
       </p:sp>
@@ -20034,7 +21259,7 @@
       </p:pic>
       <p:sp>
         <p:nvSpPr>
-          <p:cNvPr id="22" name="Rectangle 21">
+          <p:cNvPr id="31" name="Rectangle 30">
             <a:extLst>
               <a:ext uri="{FF2B5EF4-FFF2-40B4-BE49-F238E27FC236}">
                 <a16:creationId xmlns:a16="http://schemas.microsoft.com/office/drawing/2014/main" id="{4A3743DC-6C3E-41B8-B622-8AB3613C79CD}"/>
@@ -20546,6 +21771,297 @@
     </p:bg>
     <p:spTree>
       <p:nvGrpSpPr>
+        <p:cNvPr id="1" name="">
+          <a:extLst>
+            <a:ext uri="{FF2B5EF4-FFF2-40B4-BE49-F238E27FC236}">
+              <a16:creationId xmlns:a16="http://schemas.microsoft.com/office/drawing/2014/main" id="{8AC5063A-1198-7EB0-13BC-3145D04B8D8D}"/>
+            </a:ext>
+          </a:extLst>
+        </p:cNvPr>
+        <p:cNvGrpSpPr/>
+        <p:nvPr/>
+      </p:nvGrpSpPr>
+      <p:grpSpPr>
+        <a:xfrm>
+          <a:off x="0" y="0"/>
+          <a:ext cx="0" cy="0"/>
+          <a:chOff x="0" y="0"/>
+          <a:chExt cx="0" cy="0"/>
+        </a:xfrm>
+      </p:grpSpPr>
+      <p:sp useBgFill="1">
+        <p:nvSpPr>
+          <p:cNvPr id="32" name="Rectangle 31">
+            <a:extLst>
+              <a:ext uri="{FF2B5EF4-FFF2-40B4-BE49-F238E27FC236}">
+                <a16:creationId xmlns:a16="http://schemas.microsoft.com/office/drawing/2014/main" id="{39E4C68A-A4A9-48A4-9FF2-D2896B1EA01F}"/>
+              </a:ext>
+              <a:ext uri="{C183D7F6-B498-43B3-948B-1728B52AA6E4}">
+                <adec:decorative xmlns:adec="http://schemas.microsoft.com/office/drawing/2017/decorative" val="1"/>
+              </a:ext>
+            </a:extLst>
+          </p:cNvPr>
+          <p:cNvSpPr>
+            <a:spLocks noGrp="1" noRot="1" noChangeAspect="1" noMove="1" noResize="1" noEditPoints="1" noAdjustHandles="1" noChangeArrowheads="1" noChangeShapeType="1" noTextEdit="1"/>
+          </p:cNvSpPr>
+          <p:nvPr>
+            <p:extLst>
+              <p:ext uri="{386F3935-93C4-4BCD-93E2-E3B085C9AB24}">
+                <p16:designElem xmlns:p16="http://schemas.microsoft.com/office/powerpoint/2015/main" val="1"/>
+              </p:ext>
+            </p:extLst>
+          </p:nvPr>
+        </p:nvSpPr>
+        <p:spPr>
+          <a:xfrm>
+            <a:off x="0" y="0"/>
+            <a:ext cx="9144000" cy="6858000"/>
+          </a:xfrm>
+          <a:prstGeom prst="rect">
+            <a:avLst/>
+          </a:prstGeom>
+          <a:ln>
+            <a:noFill/>
+          </a:ln>
+        </p:spPr>
+        <p:style>
+          <a:lnRef idx="2">
+            <a:schemeClr val="accent1">
+              <a:shade val="50000"/>
+            </a:schemeClr>
+          </a:lnRef>
+          <a:fillRef idx="1">
+            <a:schemeClr val="accent1"/>
+          </a:fillRef>
+          <a:effectRef idx="0">
+            <a:schemeClr val="accent1"/>
+          </a:effectRef>
+          <a:fontRef idx="minor">
+            <a:schemeClr val="lt1"/>
+          </a:fontRef>
+        </p:style>
+        <p:txBody>
+          <a:bodyPr rtlCol="0" anchor="ctr"/>
+          <a:lstStyle/>
+          <a:p>
+            <a:pPr algn="ctr"/>
+            <a:endParaRPr lang="en-US"/>
+          </a:p>
+        </p:txBody>
+      </p:sp>
+      <p:sp>
+        <p:nvSpPr>
+          <p:cNvPr id="34" name="Rectangle 33">
+            <a:extLst>
+              <a:ext uri="{FF2B5EF4-FFF2-40B4-BE49-F238E27FC236}">
+                <a16:creationId xmlns:a16="http://schemas.microsoft.com/office/drawing/2014/main" id="{E2B9AEA5-52CB-49A6-AF8A-33502F291B91}"/>
+              </a:ext>
+              <a:ext uri="{C183D7F6-B498-43B3-948B-1728B52AA6E4}">
+                <adec:decorative xmlns:adec="http://schemas.microsoft.com/office/drawing/2017/decorative" val="1"/>
+              </a:ext>
+            </a:extLst>
+          </p:cNvPr>
+          <p:cNvSpPr>
+            <a:spLocks noGrp="1" noRot="1" noChangeAspect="1" noMove="1" noResize="1" noEditPoints="1" noAdjustHandles="1" noChangeArrowheads="1" noChangeShapeType="1" noTextEdit="1"/>
+          </p:cNvSpPr>
+          <p:nvPr>
+            <p:extLst>
+              <p:ext uri="{386F3935-93C4-4BCD-93E2-E3B085C9AB24}">
+                <p16:designElem xmlns:p16="http://schemas.microsoft.com/office/powerpoint/2015/main" val="1"/>
+              </p:ext>
+            </p:extLst>
+          </p:nvPr>
+        </p:nvSpPr>
+        <p:spPr>
+          <a:xfrm>
+            <a:off x="0" y="0"/>
+            <a:ext cx="3490722" cy="6858000"/>
+          </a:xfrm>
+          <a:prstGeom prst="rect">
+            <a:avLst/>
+          </a:prstGeom>
+          <a:ln>
+            <a:noFill/>
+          </a:ln>
+        </p:spPr>
+        <p:style>
+          <a:lnRef idx="2">
+            <a:schemeClr val="accent1">
+              <a:shade val="50000"/>
+            </a:schemeClr>
+          </a:lnRef>
+          <a:fillRef idx="1">
+            <a:schemeClr val="accent1"/>
+          </a:fillRef>
+          <a:effectRef idx="0">
+            <a:schemeClr val="accent1"/>
+          </a:effectRef>
+          <a:fontRef idx="minor">
+            <a:schemeClr val="lt1"/>
+          </a:fontRef>
+        </p:style>
+        <p:txBody>
+          <a:bodyPr rtlCol="0" anchor="ctr"/>
+          <a:lstStyle/>
+          <a:p>
+            <a:pPr algn="ctr"/>
+            <a:endParaRPr lang="en-US"/>
+          </a:p>
+        </p:txBody>
+      </p:sp>
+      <p:sp>
+        <p:nvSpPr>
+          <p:cNvPr id="2" name="Title 1">
+            <a:extLst>
+              <a:ext uri="{FF2B5EF4-FFF2-40B4-BE49-F238E27FC236}">
+                <a16:creationId xmlns:a16="http://schemas.microsoft.com/office/drawing/2014/main" id="{C33C8746-A328-3C71-D4EF-887B6061F78B}"/>
+              </a:ext>
+            </a:extLst>
+          </p:cNvPr>
+          <p:cNvSpPr>
+            <a:spLocks noGrp="1"/>
+          </p:cNvSpPr>
+          <p:nvPr>
+            <p:ph type="title"/>
+          </p:nvPr>
+        </p:nvSpPr>
+        <p:spPr>
+          <a:xfrm>
+            <a:off x="701212" y="570417"/>
+            <a:ext cx="2543925" cy="5249334"/>
+          </a:xfrm>
+        </p:spPr>
+        <p:txBody>
+          <a:bodyPr>
+            <a:normAutofit/>
+          </a:bodyPr>
+          <a:lstStyle/>
+          <a:p>
+            <a:pPr algn="r"/>
+            <a:r>
+              <a:rPr lang="en-US" dirty="0">
+                <a:solidFill>
+                  <a:srgbClr val="FFFFFF"/>
+                </a:solidFill>
+              </a:rPr>
+              <a:t>Demo</a:t>
+            </a:r>
+          </a:p>
+        </p:txBody>
+      </p:sp>
+      <p:pic>
+        <p:nvPicPr>
+          <p:cNvPr id="5" name="Content Placeholder 4">
+            <a:hlinkClick r:id="rId2"/>
+            <a:extLst>
+              <a:ext uri="{FF2B5EF4-FFF2-40B4-BE49-F238E27FC236}">
+                <a16:creationId xmlns:a16="http://schemas.microsoft.com/office/drawing/2014/main" id="{0AAE012F-BC14-FBBC-53F2-A8B339CE9F1E}"/>
+              </a:ext>
+            </a:extLst>
+          </p:cNvPr>
+          <p:cNvPicPr>
+            <a:picLocks noGrp="1" noChangeAspect="1"/>
+          </p:cNvPicPr>
+          <p:nvPr>
+            <p:ph idx="1"/>
+          </p:nvPr>
+        </p:nvPicPr>
+        <p:blipFill>
+          <a:blip r:embed="rId3"/>
+          <a:stretch>
+            <a:fillRect/>
+          </a:stretch>
+        </p:blipFill>
+        <p:spPr>
+          <a:xfrm>
+            <a:off x="3713163" y="1913861"/>
+            <a:ext cx="4729162" cy="2509284"/>
+          </a:xfrm>
+          <a:prstGeom prst="rect">
+            <a:avLst/>
+          </a:prstGeom>
+        </p:spPr>
+      </p:pic>
+      <p:sp>
+        <p:nvSpPr>
+          <p:cNvPr id="11" name="TextBox 10">
+            <a:extLst>
+              <a:ext uri="{FF2B5EF4-FFF2-40B4-BE49-F238E27FC236}">
+                <a16:creationId xmlns:a16="http://schemas.microsoft.com/office/drawing/2014/main" id="{D415C299-2EE7-19F7-E8AF-7192AFC49BE6}"/>
+              </a:ext>
+            </a:extLst>
+          </p:cNvPr>
+          <p:cNvSpPr txBox="1"/>
+          <p:nvPr/>
+        </p:nvSpPr>
+        <p:spPr>
+          <a:xfrm>
+            <a:off x="3946349" y="5271240"/>
+            <a:ext cx="4572000" cy="369332"/>
+          </a:xfrm>
+          <a:prstGeom prst="rect">
+            <a:avLst/>
+          </a:prstGeom>
+          <a:noFill/>
+        </p:spPr>
+        <p:txBody>
+          <a:bodyPr wrap="square">
+            <a:spAutoFit/>
+          </a:bodyPr>
+          <a:lstStyle/>
+          <a:p>
+            <a:r>
+              <a:rPr lang="en-US" dirty="0"/>
+              <a:t>Link :- </a:t>
+            </a:r>
+            <a:r>
+              <a:rPr lang="en-US" dirty="0">
+                <a:hlinkClick r:id="rId4"/>
+              </a:rPr>
+              <a:t>https://patron-</a:t>
+            </a:r>
+            <a:r>
+              <a:rPr lang="en-US" dirty="0" err="1">
+                <a:hlinkClick r:id="rId4"/>
+              </a:rPr>
+              <a:t>bd.streamlit.app</a:t>
+            </a:r>
+            <a:r>
+              <a:rPr lang="en-US" dirty="0">
+                <a:hlinkClick r:id="rId4"/>
+              </a:rPr>
+              <a:t>/</a:t>
+            </a:r>
+            <a:endParaRPr lang="en-US" dirty="0"/>
+          </a:p>
+        </p:txBody>
+      </p:sp>
+    </p:spTree>
+    <p:extLst>
+      <p:ext uri="{BB962C8B-B14F-4D97-AF65-F5344CB8AC3E}">
+        <p14:creationId xmlns:p14="http://schemas.microsoft.com/office/powerpoint/2010/main" val="1873789670"/>
+      </p:ext>
+    </p:extLst>
+  </p:cSld>
+  <p:clrMapOvr>
+    <a:masterClrMapping/>
+  </p:clrMapOvr>
+</p:sld>
+</file>
+
+<file path=ppt/slides/slide8.xml><?xml version="1.0" encoding="utf-8"?>
+<p:sld xmlns:a="http://schemas.openxmlformats.org/drawingml/2006/main" xmlns:r="http://schemas.openxmlformats.org/officeDocument/2006/relationships" xmlns:p="http://schemas.openxmlformats.org/presentationml/2006/main">
+  <p:cSld>
+    <p:bg>
+      <p:bgPr>
+        <a:solidFill>
+          <a:schemeClr val="bg1"/>
+        </a:solidFill>
+        <a:effectLst/>
+      </p:bgPr>
+    </p:bg>
+    <p:spTree>
+      <p:nvGrpSpPr>
         <p:cNvPr id="1" name=""/>
         <p:cNvGrpSpPr/>
         <p:nvPr/>
@@ -20735,64 +22251,47 @@
           <a:lstStyle/>
           <a:p>
             <a:r>
-              <a:rPr lang="en-US" sz="1900" dirty="0"/>
-              <a:t>• Key features influencing income include education level, hours worked, and occupation.</a:t>
+              <a:rPr lang="en-US" sz="1800" dirty="0"/>
+              <a:t>• Migrate to Django/ Flask framework for Performance and scalability</a:t>
             </a:r>
           </a:p>
           <a:p>
             <a:r>
-              <a:rPr lang="en-US" sz="1900" dirty="0"/>
-              <a:t>• Future steps involve exploring advanced models </a:t>
+              <a:rPr lang="en-US" sz="1800" dirty="0"/>
+              <a:t>• Aim to refine product recommendations based on improved income prediction models by using Deel Learning Model</a:t>
+            </a:r>
+            <a:endParaRPr lang="en-US" sz="1800" dirty="0">
+              <a:effectLst/>
+            </a:endParaRPr>
+          </a:p>
+          <a:p>
+            <a:pPr marL="0" indent="0">
+              <a:buNone/>
+            </a:pPr>
+            <a:r>
+              <a:rPr lang="en-US" sz="1800" dirty="0"/>
+              <a:t> • </a:t>
             </a:r>
             <a:r>
-              <a:rPr lang="en-US" sz="1900" dirty="0" err="1"/>
-              <a:t>Xgboost</a:t>
-            </a:r>
-            <a:r>
-              <a:rPr lang="en-US" sz="1900" dirty="0"/>
-              <a:t>, Feature Engineering and Label encoding</a:t>
+              <a:rPr lang="en-US" sz="1800" dirty="0">
+                <a:effectLst/>
+              </a:rPr>
+              <a:t>Allow users to upload custom datasets </a:t>
             </a:r>
           </a:p>
           <a:p>
+            <a:pPr marL="0" indent="0">
+              <a:buNone/>
+            </a:pPr>
             <a:r>
-              <a:rPr lang="en-US" sz="1900" dirty="0"/>
-              <a:t>• </a:t>
+              <a:rPr lang="en-US" sz="1800" dirty="0"/>
+              <a:t> • </a:t>
             </a:r>
             <a:r>
-              <a:rPr lang="en-US" sz="1900" b="0" i="0" dirty="0">
+              <a:rPr lang="en-US" sz="1800" dirty="0">
                 <a:effectLst/>
               </a:rPr>
-              <a:t>Use techniques like SMOTE (Synthetic Minority Over-sampling Technique) to balance the dataset or apply class weighting in the models to give more weight to the minority class</a:t>
-            </a:r>
-            <a:r>
-              <a:rPr lang="en-US" sz="1900" b="0" i="0">
-                <a:effectLst/>
-              </a:rPr>
-              <a:t>. </a:t>
-            </a:r>
-          </a:p>
-          <a:p>
-            <a:r>
-              <a:rPr lang="en-US" sz="1900"/>
-              <a:t>• </a:t>
-            </a:r>
-            <a:r>
-              <a:rPr lang="en-US" sz="1900" dirty="0"/>
-              <a:t>Future steps involve exploring advanced models </a:t>
-            </a:r>
-            <a:r>
-              <a:rPr lang="en-US" sz="1900" dirty="0" err="1"/>
-              <a:t>Xgboost</a:t>
-            </a:r>
-            <a:r>
-              <a:rPr lang="en-US" sz="1900" dirty="0"/>
-              <a:t>, Feature Engineering and Label encoding</a:t>
-            </a:r>
-          </a:p>
-          <a:p>
-            <a:r>
-              <a:rPr lang="en-US" sz="1900" dirty="0"/>
-              <a:t>• Aim to refine product recommendations based on improved income prediction models.</a:t>
+              <a:t>Enable live updates for input changes(API based for Service Model )</a:t>
             </a:r>
           </a:p>
         </p:txBody>
@@ -21071,4 +22570,319 @@
     </a:ext>
   </a:extLst>
 </a:theme>
+</file>
+
+<file path=ppt/theme/theme2.xml><?xml version="1.0" encoding="utf-8"?>
+<a:theme xmlns:a="http://schemas.openxmlformats.org/drawingml/2006/main" name="Office Theme">
+  <a:themeElements>
+    <a:clrScheme name="Office">
+      <a:dk1>
+        <a:sysClr val="windowText" lastClr="000000"/>
+      </a:dk1>
+      <a:lt1>
+        <a:sysClr val="window" lastClr="FFFFFF"/>
+      </a:lt1>
+      <a:dk2>
+        <a:srgbClr val="0E2841"/>
+      </a:dk2>
+      <a:lt2>
+        <a:srgbClr val="E8E8E8"/>
+      </a:lt2>
+      <a:accent1>
+        <a:srgbClr val="156082"/>
+      </a:accent1>
+      <a:accent2>
+        <a:srgbClr val="E97132"/>
+      </a:accent2>
+      <a:accent3>
+        <a:srgbClr val="196B24"/>
+      </a:accent3>
+      <a:accent4>
+        <a:srgbClr val="0F9ED5"/>
+      </a:accent4>
+      <a:accent5>
+        <a:srgbClr val="A02B93"/>
+      </a:accent5>
+      <a:accent6>
+        <a:srgbClr val="4EA72E"/>
+      </a:accent6>
+      <a:hlink>
+        <a:srgbClr val="467886"/>
+      </a:hlink>
+      <a:folHlink>
+        <a:srgbClr val="96607D"/>
+      </a:folHlink>
+    </a:clrScheme>
+    <a:fontScheme name="Office">
+      <a:majorFont>
+        <a:latin typeface="Aptos Display" panose="02110004020202020204"/>
+        <a:ea typeface=""/>
+        <a:cs typeface=""/>
+        <a:font script="Jpan" typeface="游ゴシック Light"/>
+        <a:font script="Hang" typeface="맑은 고딕"/>
+        <a:font script="Hans" typeface="等线 Light"/>
+        <a:font script="Hant" typeface="新細明體"/>
+        <a:font script="Arab" typeface="Times New Roman"/>
+        <a:font script="Hebr" typeface="Times New Roman"/>
+        <a:font script="Thai" typeface="Angsana New"/>
+        <a:font script="Ethi" typeface="Nyala"/>
+        <a:font script="Beng" typeface="Vrinda"/>
+        <a:font script="Gujr" typeface="Shruti"/>
+        <a:font script="Khmr" typeface="MoolBoran"/>
+        <a:font script="Knda" typeface="Tunga"/>
+        <a:font script="Guru" typeface="Raavi"/>
+        <a:font script="Cans" typeface="Euphemia"/>
+        <a:font script="Cher" typeface="Plantagenet Cherokee"/>
+        <a:font script="Yiii" typeface="Microsoft Yi Baiti"/>
+        <a:font script="Tibt" typeface="Microsoft Himalaya"/>
+        <a:font script="Thaa" typeface="MV Boli"/>
+        <a:font script="Deva" typeface="Mangal"/>
+        <a:font script="Telu" typeface="Gautami"/>
+        <a:font script="Taml" typeface="Latha"/>
+        <a:font script="Syrc" typeface="Estrangelo Edessa"/>
+        <a:font script="Orya" typeface="Kalinga"/>
+        <a:font script="Mlym" typeface="Kartika"/>
+        <a:font script="Laoo" typeface="DokChampa"/>
+        <a:font script="Sinh" typeface="Iskoola Pota"/>
+        <a:font script="Mong" typeface="Mongolian Baiti"/>
+        <a:font script="Viet" typeface="Times New Roman"/>
+        <a:font script="Uigh" typeface="Microsoft Uighur"/>
+        <a:font script="Geor" typeface="Sylfaen"/>
+        <a:font script="Armn" typeface="Arial"/>
+        <a:font script="Bugi" typeface="Leelawadee UI"/>
+        <a:font script="Bopo" typeface="Microsoft JhengHei"/>
+        <a:font script="Java" typeface="Javanese Text"/>
+        <a:font script="Lisu" typeface="Segoe UI"/>
+        <a:font script="Mymr" typeface="Myanmar Text"/>
+        <a:font script="Nkoo" typeface="Ebrima"/>
+        <a:font script="Olck" typeface="Nirmala UI"/>
+        <a:font script="Osma" typeface="Ebrima"/>
+        <a:font script="Phag" typeface="Phagspa"/>
+        <a:font script="Syrn" typeface="Estrangelo Edessa"/>
+        <a:font script="Syrj" typeface="Estrangelo Edessa"/>
+        <a:font script="Syre" typeface="Estrangelo Edessa"/>
+        <a:font script="Sora" typeface="Nirmala UI"/>
+        <a:font script="Tale" typeface="Microsoft Tai Le"/>
+        <a:font script="Talu" typeface="Microsoft New Tai Lue"/>
+        <a:font script="Tfng" typeface="Ebrima"/>
+      </a:majorFont>
+      <a:minorFont>
+        <a:latin typeface="Aptos" panose="02110004020202020204"/>
+        <a:ea typeface=""/>
+        <a:cs typeface=""/>
+        <a:font script="Jpan" typeface="游ゴシック"/>
+        <a:font script="Hang" typeface="맑은 고딕"/>
+        <a:font script="Hans" typeface="等线"/>
+        <a:font script="Hant" typeface="新細明體"/>
+        <a:font script="Arab" typeface="Arial"/>
+        <a:font script="Hebr" typeface="Arial"/>
+        <a:font script="Thai" typeface="Cordia New"/>
+        <a:font script="Ethi" typeface="Nyala"/>
+        <a:font script="Beng" typeface="Vrinda"/>
+        <a:font script="Gujr" typeface="Shruti"/>
+        <a:font script="Khmr" typeface="DaunPenh"/>
+        <a:font script="Knda" typeface="Tunga"/>
+        <a:font script="Guru" typeface="Raavi"/>
+        <a:font script="Cans" typeface="Euphemia"/>
+        <a:font script="Cher" typeface="Plantagenet Cherokee"/>
+        <a:font script="Yiii" typeface="Microsoft Yi Baiti"/>
+        <a:font script="Tibt" typeface="Microsoft Himalaya"/>
+        <a:font script="Thaa" typeface="MV Boli"/>
+        <a:font script="Deva" typeface="Mangal"/>
+        <a:font script="Telu" typeface="Gautami"/>
+        <a:font script="Taml" typeface="Latha"/>
+        <a:font script="Syrc" typeface="Estrangelo Edessa"/>
+        <a:font script="Orya" typeface="Kalinga"/>
+        <a:font script="Mlym" typeface="Kartika"/>
+        <a:font script="Laoo" typeface="DokChampa"/>
+        <a:font script="Sinh" typeface="Iskoola Pota"/>
+        <a:font script="Mong" typeface="Mongolian Baiti"/>
+        <a:font script="Viet" typeface="Arial"/>
+        <a:font script="Uigh" typeface="Microsoft Uighur"/>
+        <a:font script="Geor" typeface="Sylfaen"/>
+        <a:font script="Armn" typeface="Arial"/>
+        <a:font script="Bugi" typeface="Leelawadee UI"/>
+        <a:font script="Bopo" typeface="Microsoft JhengHei"/>
+        <a:font script="Java" typeface="Javanese Text"/>
+        <a:font script="Lisu" typeface="Segoe UI"/>
+        <a:font script="Mymr" typeface="Myanmar Text"/>
+        <a:font script="Nkoo" typeface="Ebrima"/>
+        <a:font script="Olck" typeface="Nirmala UI"/>
+        <a:font script="Osma" typeface="Ebrima"/>
+        <a:font script="Phag" typeface="Phagspa"/>
+        <a:font script="Syrn" typeface="Estrangelo Edessa"/>
+        <a:font script="Syrj" typeface="Estrangelo Edessa"/>
+        <a:font script="Syre" typeface="Estrangelo Edessa"/>
+        <a:font script="Sora" typeface="Nirmala UI"/>
+        <a:font script="Tale" typeface="Microsoft Tai Le"/>
+        <a:font script="Talu" typeface="Microsoft New Tai Lue"/>
+        <a:font script="Tfng" typeface="Ebrima"/>
+      </a:minorFont>
+    </a:fontScheme>
+    <a:fmtScheme name="Office">
+      <a:fillStyleLst>
+        <a:solidFill>
+          <a:schemeClr val="phClr"/>
+        </a:solidFill>
+        <a:gradFill rotWithShape="1">
+          <a:gsLst>
+            <a:gs pos="0">
+              <a:schemeClr val="phClr">
+                <a:lumMod val="110000"/>
+                <a:satMod val="105000"/>
+                <a:tint val="67000"/>
+              </a:schemeClr>
+            </a:gs>
+            <a:gs pos="50000">
+              <a:schemeClr val="phClr">
+                <a:lumMod val="105000"/>
+                <a:satMod val="103000"/>
+                <a:tint val="73000"/>
+              </a:schemeClr>
+            </a:gs>
+            <a:gs pos="100000">
+              <a:schemeClr val="phClr">
+                <a:lumMod val="105000"/>
+                <a:satMod val="109000"/>
+                <a:tint val="81000"/>
+              </a:schemeClr>
+            </a:gs>
+          </a:gsLst>
+          <a:lin ang="5400000" scaled="0"/>
+        </a:gradFill>
+        <a:gradFill rotWithShape="1">
+          <a:gsLst>
+            <a:gs pos="0">
+              <a:schemeClr val="phClr">
+                <a:satMod val="103000"/>
+                <a:lumMod val="102000"/>
+                <a:tint val="94000"/>
+              </a:schemeClr>
+            </a:gs>
+            <a:gs pos="50000">
+              <a:schemeClr val="phClr">
+                <a:satMod val="110000"/>
+                <a:lumMod val="100000"/>
+                <a:shade val="100000"/>
+              </a:schemeClr>
+            </a:gs>
+            <a:gs pos="100000">
+              <a:schemeClr val="phClr">
+                <a:lumMod val="99000"/>
+                <a:satMod val="120000"/>
+                <a:shade val="78000"/>
+              </a:schemeClr>
+            </a:gs>
+          </a:gsLst>
+          <a:lin ang="5400000" scaled="0"/>
+        </a:gradFill>
+      </a:fillStyleLst>
+      <a:lnStyleLst>
+        <a:ln w="12700" cap="flat" cmpd="sng" algn="ctr">
+          <a:solidFill>
+            <a:schemeClr val="phClr"/>
+          </a:solidFill>
+          <a:prstDash val="solid"/>
+          <a:miter lim="800000"/>
+        </a:ln>
+        <a:ln w="19050" cap="flat" cmpd="sng" algn="ctr">
+          <a:solidFill>
+            <a:schemeClr val="phClr"/>
+          </a:solidFill>
+          <a:prstDash val="solid"/>
+          <a:miter lim="800000"/>
+        </a:ln>
+        <a:ln w="25400" cap="flat" cmpd="sng" algn="ctr">
+          <a:solidFill>
+            <a:schemeClr val="phClr"/>
+          </a:solidFill>
+          <a:prstDash val="solid"/>
+          <a:miter lim="800000"/>
+        </a:ln>
+      </a:lnStyleLst>
+      <a:effectStyleLst>
+        <a:effectStyle>
+          <a:effectLst/>
+        </a:effectStyle>
+        <a:effectStyle>
+          <a:effectLst/>
+        </a:effectStyle>
+        <a:effectStyle>
+          <a:effectLst>
+            <a:outerShdw blurRad="57150" dist="19050" dir="5400000" algn="ctr" rotWithShape="0">
+              <a:srgbClr val="000000">
+                <a:alpha val="63000"/>
+              </a:srgbClr>
+            </a:outerShdw>
+          </a:effectLst>
+        </a:effectStyle>
+      </a:effectStyleLst>
+      <a:bgFillStyleLst>
+        <a:solidFill>
+          <a:schemeClr val="phClr"/>
+        </a:solidFill>
+        <a:solidFill>
+          <a:schemeClr val="phClr">
+            <a:tint val="95000"/>
+            <a:satMod val="170000"/>
+          </a:schemeClr>
+        </a:solidFill>
+        <a:gradFill rotWithShape="1">
+          <a:gsLst>
+            <a:gs pos="0">
+              <a:schemeClr val="phClr">
+                <a:tint val="93000"/>
+                <a:satMod val="150000"/>
+                <a:shade val="98000"/>
+                <a:lumMod val="102000"/>
+              </a:schemeClr>
+            </a:gs>
+            <a:gs pos="50000">
+              <a:schemeClr val="phClr">
+                <a:tint val="98000"/>
+                <a:satMod val="130000"/>
+                <a:shade val="90000"/>
+                <a:lumMod val="103000"/>
+              </a:schemeClr>
+            </a:gs>
+            <a:gs pos="100000">
+              <a:schemeClr val="phClr">
+                <a:shade val="63000"/>
+                <a:satMod val="120000"/>
+              </a:schemeClr>
+            </a:gs>
+          </a:gsLst>
+          <a:lin ang="5400000" scaled="0"/>
+        </a:gradFill>
+      </a:bgFillStyleLst>
+    </a:fmtScheme>
+  </a:themeElements>
+  <a:objectDefaults>
+    <a:lnDef>
+      <a:spPr/>
+      <a:bodyPr/>
+      <a:lstStyle/>
+      <a:style>
+        <a:lnRef idx="2">
+          <a:schemeClr val="accent1"/>
+        </a:lnRef>
+        <a:fillRef idx="0">
+          <a:schemeClr val="accent1"/>
+        </a:fillRef>
+        <a:effectRef idx="1">
+          <a:schemeClr val="accent1"/>
+        </a:effectRef>
+        <a:fontRef idx="minor">
+          <a:schemeClr val="tx1"/>
+        </a:fontRef>
+      </a:style>
+    </a:lnDef>
+  </a:objectDefaults>
+  <a:extraClrSchemeLst/>
+  <a:extLst>
+    <a:ext uri="{05A4C25C-085E-4340-85A3-A5531E510DB2}">
+      <thm15:themeFamily xmlns:thm15="http://schemas.microsoft.com/office/thememl/2012/main" name="Office Theme" id="{2E142A2C-CD16-42D6-873A-C26D2A0506FA}" vid="{1BDDFF52-6CD6-40A5-AB3C-68EB2F1E4D0A}"/>
+    </a:ext>
+  </a:extLst>
+</a:theme>
 </file>